--- a/Work/올인원팀 발표자료_181021.pptx
+++ b/Work/올인원팀 발표자료_181021.pptx
@@ -4093,13 +4093,7 @@
               <a:rPr lang="en-US" altLang="ko-KR" sz="2400" b="1" dirty="0" smtClean="0">
                 <a:latin typeface="Century Gothic" panose="020B0502020202020204" pitchFamily="34" charset="0"/>
               </a:rPr>
-              <a:t>All-In-One </a:t>
-            </a:r>
-            <a:r>
-              <a:rPr lang="en-US" altLang="ko-KR" sz="2400" b="1" dirty="0" smtClean="0">
-                <a:latin typeface="Century Gothic" panose="020B0502020202020204" pitchFamily="34" charset="0"/>
-              </a:rPr>
-              <a:t>Team</a:t>
+              <a:t>All-In-One Team</a:t>
             </a:r>
             <a:endParaRPr lang="ko-KR" altLang="en-US" sz="2400" b="1" dirty="0">
               <a:latin typeface="Century Gothic" panose="020B0502020202020204" pitchFamily="34" charset="0"/>
@@ -7331,8 +7325,8 @@
         </p:nvSpPr>
         <p:spPr>
           <a:xfrm>
-            <a:off x="6145822" y="934570"/>
-            <a:ext cx="3951489" cy="2308324"/>
+            <a:off x="6182113" y="934570"/>
+            <a:ext cx="3951489" cy="3416320"/>
           </a:xfrm>
           <a:prstGeom prst="rect">
             <a:avLst/>
@@ -7445,7 +7439,56 @@
             </a:r>
             <a:r>
               <a:rPr lang="ko-KR" altLang="en-US" dirty="0" smtClean="0"/>
-              <a:t> 장치가 함</a:t>
+              <a:t> 장치가 </a:t>
+            </a:r>
+            <a:r>
+              <a:rPr lang="ko-KR" altLang="en-US" dirty="0" smtClean="0"/>
+              <a:t>함</a:t>
+            </a:r>
+            <a:endParaRPr lang="en-US" altLang="ko-KR" dirty="0" smtClean="0"/>
+          </a:p>
+          <a:p>
+            <a:endParaRPr lang="en-US" altLang="ko-KR" dirty="0"/>
+          </a:p>
+          <a:p>
+            <a:r>
+              <a:rPr lang="ko-KR" altLang="en-US" dirty="0" err="1" smtClean="0"/>
+              <a:t>올인원팀이</a:t>
+            </a:r>
+            <a:r>
+              <a:rPr lang="en-US" altLang="ko-KR" dirty="0" smtClean="0"/>
+              <a:t> </a:t>
+            </a:r>
+            <a:r>
+              <a:rPr lang="ko-KR" altLang="en-US" dirty="0" err="1" smtClean="0"/>
+              <a:t>하는일</a:t>
+            </a:r>
+            <a:r>
+              <a:rPr lang="ko-KR" altLang="en-US" dirty="0" smtClean="0"/>
+              <a:t> </a:t>
+            </a:r>
+            <a:endParaRPr lang="en-US" altLang="ko-KR" dirty="0" smtClean="0"/>
+          </a:p>
+          <a:p>
+            <a:pPr marL="285750" indent="-285750">
+              <a:buFontTx/>
+              <a:buChar char="-"/>
+            </a:pPr>
+            <a:r>
+              <a:rPr lang="en-US" altLang="ko-KR" dirty="0" smtClean="0"/>
+              <a:t>Sample prep </a:t>
+            </a:r>
+            <a:r>
+              <a:rPr lang="ko-KR" altLang="en-US" dirty="0" smtClean="0"/>
+              <a:t>과 </a:t>
+            </a:r>
+            <a:r>
+              <a:rPr lang="en-US" altLang="ko-KR" dirty="0" smtClean="0"/>
+              <a:t>sample interface </a:t>
+            </a:r>
+            <a:r>
+              <a:rPr lang="ko-KR" altLang="en-US" dirty="0" smtClean="0"/>
+              <a:t>개발</a:t>
             </a:r>
             <a:endParaRPr lang="en-US" altLang="ko-KR" dirty="0" smtClean="0"/>
           </a:p>

--- a/Work/올인원팀 발표자료_181021.pptx
+++ b/Work/올인원팀 발표자료_181021.pptx
@@ -7439,11 +7439,7 @@
             </a:r>
             <a:r>
               <a:rPr lang="ko-KR" altLang="en-US" dirty="0" smtClean="0"/>
-              <a:t> 장치가 </a:t>
-            </a:r>
-            <a:r>
-              <a:rPr lang="ko-KR" altLang="en-US" dirty="0" smtClean="0"/>
-              <a:t>함</a:t>
+              <a:t> 장치가 함</a:t>
             </a:r>
             <a:endParaRPr lang="en-US" altLang="ko-KR" dirty="0" smtClean="0"/>
           </a:p>
@@ -7935,7 +7931,7 @@
         <p:spPr>
           <a:xfrm>
             <a:off x="6145822" y="934570"/>
-            <a:ext cx="3951489" cy="2031325"/>
+            <a:ext cx="3951489" cy="2585323"/>
           </a:xfrm>
           <a:prstGeom prst="rect">
             <a:avLst/>
@@ -7990,6 +7986,24 @@
             <a:r>
               <a:rPr lang="ko-KR" altLang="en-US" dirty="0" smtClean="0"/>
               <a:t>시약 개발 </a:t>
+            </a:r>
+            <a:endParaRPr lang="en-US" altLang="ko-KR" dirty="0" smtClean="0"/>
+          </a:p>
+          <a:p>
+            <a:endParaRPr lang="en-US" altLang="ko-KR" dirty="0" smtClean="0"/>
+          </a:p>
+          <a:p>
+            <a:r>
+              <a:rPr lang="ko-KR" altLang="en-US" dirty="0" err="1" smtClean="0"/>
+              <a:t>올인원팀이</a:t>
+            </a:r>
+            <a:r>
+              <a:rPr lang="ko-KR" altLang="en-US" dirty="0" smtClean="0"/>
+              <a:t> </a:t>
+            </a:r>
+            <a:r>
+              <a:rPr lang="ko-KR" altLang="en-US" dirty="0" err="1" smtClean="0"/>
+              <a:t>하는일</a:t>
             </a:r>
             <a:endParaRPr lang="en-US" altLang="ko-KR" dirty="0" smtClean="0"/>
           </a:p>
@@ -8392,7 +8406,7 @@
         <p:spPr>
           <a:xfrm>
             <a:off x="7622030" y="2533343"/>
-            <a:ext cx="4494179" cy="923330"/>
+            <a:ext cx="4494179" cy="1200329"/>
           </a:xfrm>
           <a:prstGeom prst="rect">
             <a:avLst/>
@@ -8441,8 +8455,15 @@
             </a:r>
             <a:r>
               <a:rPr lang="ko-KR" altLang="en-US" dirty="0" smtClean="0"/>
-              <a:t>로 함</a:t>
-            </a:r>
+              <a:t>로 </a:t>
+            </a:r>
+            <a:r>
+              <a:rPr lang="ko-KR" altLang="en-US" dirty="0" smtClean="0"/>
+              <a:t>함</a:t>
+            </a:r>
+            <a:endParaRPr lang="en-US" altLang="ko-KR" dirty="0" smtClean="0"/>
+          </a:p>
+          <a:p>
             <a:endParaRPr lang="ko-KR" altLang="en-US" dirty="0"/>
           </a:p>
         </p:txBody>

--- a/Work/올인원팀 발표자료_181021.pptx
+++ b/Work/올인원팀 발표자료_181021.pptx
@@ -5,7 +5,7 @@
     <p:sldMasterId id="2147483648" r:id="rId1"/>
   </p:sldMasterIdLst>
   <p:notesMasterIdLst>
-    <p:notesMasterId r:id="rId15"/>
+    <p:notesMasterId r:id="rId14"/>
   </p:notesMasterIdLst>
   <p:sldIdLst>
     <p:sldId id="320" r:id="rId2"/>
@@ -13,14 +13,13 @@
     <p:sldId id="340" r:id="rId4"/>
     <p:sldId id="341" r:id="rId5"/>
     <p:sldId id="342" r:id="rId6"/>
-    <p:sldId id="343" r:id="rId7"/>
-    <p:sldId id="344" r:id="rId8"/>
-    <p:sldId id="345" r:id="rId9"/>
+    <p:sldId id="345" r:id="rId7"/>
+    <p:sldId id="343" r:id="rId8"/>
+    <p:sldId id="344" r:id="rId9"/>
     <p:sldId id="286" r:id="rId10"/>
     <p:sldId id="329" r:id="rId11"/>
     <p:sldId id="330" r:id="rId12"/>
     <p:sldId id="337" r:id="rId13"/>
-    <p:sldId id="338" r:id="rId14"/>
   </p:sldIdLst>
   <p:sldSz cx="12192000" cy="6858000"/>
   <p:notesSz cx="6805613" cy="9939338"/>
@@ -571,8 +570,58 @@
               <a:rPr lang="ko-KR" altLang="en-US" sz="1200" dirty="0" smtClean="0">
                 <a:hlinkClick r:id="rId3"/>
               </a:rPr>
-              <a:t>https://en.oxforddictionaries.com/definition/all-in-one</a:t>
-            </a:r>
+              <a:t>https://</a:t>
+            </a:r>
+            <a:r>
+              <a:rPr lang="ko-KR" altLang="en-US" sz="1200" dirty="0" smtClean="0">
+                <a:hlinkClick r:id="rId3"/>
+              </a:rPr>
+              <a:t>en.oxforddictionaries.com/definition/all-in-one</a:t>
+            </a:r>
+            <a:endParaRPr lang="en-US" altLang="ko-KR" sz="1200" dirty="0" smtClean="0"/>
+          </a:p>
+          <a:p>
+            <a:pPr marL="0" marR="0" lvl="0" indent="0" algn="l" defTabSz="914400" rtl="0" eaLnBrk="1" fontAlgn="auto" latinLnBrk="1" hangingPunct="1">
+              <a:lnSpc>
+                <a:spcPct val="100000"/>
+              </a:lnSpc>
+              <a:spcBef>
+                <a:spcPts val="0"/>
+              </a:spcBef>
+              <a:spcAft>
+                <a:spcPts val="0"/>
+              </a:spcAft>
+              <a:buClrTx/>
+              <a:buSzTx/>
+              <a:buFontTx/>
+              <a:buNone/>
+              <a:tabLst/>
+              <a:defRPr/>
+            </a:pPr>
+            <a:r>
+              <a:rPr lang="en-US" altLang="ko-KR" dirty="0" smtClean="0"/>
+              <a:t>Combining two or more items or functions in a single unit</a:t>
+            </a:r>
+            <a:endParaRPr lang="ko-KR" altLang="en-US" dirty="0" smtClean="0"/>
+          </a:p>
+          <a:p>
+            <a:pPr marL="0" marR="0" lvl="0" indent="0" algn="l" defTabSz="914400" rtl="0" eaLnBrk="1" fontAlgn="auto" latinLnBrk="1" hangingPunct="1">
+              <a:lnSpc>
+                <a:spcPct val="100000"/>
+              </a:lnSpc>
+              <a:spcBef>
+                <a:spcPts val="0"/>
+              </a:spcBef>
+              <a:spcAft>
+                <a:spcPts val="0"/>
+              </a:spcAft>
+              <a:buClrTx/>
+              <a:buSzTx/>
+              <a:buFontTx/>
+              <a:buNone/>
+              <a:tabLst/>
+              <a:defRPr/>
+            </a:pPr>
             <a:endParaRPr lang="en-US" altLang="ko-KR" sz="1200" dirty="0" smtClean="0"/>
           </a:p>
           <a:p>
@@ -634,7 +683,7 @@
 </file>
 
 <file path=ppt/slideLayouts/slideLayout1.xml><?xml version="1.0" encoding="utf-8"?>
-<p:sldLayout xmlns:a="http://schemas.openxmlformats.org/drawingml/2006/main" xmlns:r="http://schemas.openxmlformats.org/officeDocument/2006/relationships" xmlns:p="http://schemas.openxmlformats.org/presentationml/2006/main" type="title" preserve="1">
+<p:sldLayout xmlns:a="http://schemas.openxmlformats.org/drawingml/2006/main" xmlns:r="http://schemas.openxmlformats.org/officeDocument/2006/relationships" xmlns:p="http://schemas.openxmlformats.org/presentationml/2006/main" showMasterSp="0" type="title" preserve="1">
   <p:cSld name="제목 슬라이드">
     <p:spTree>
       <p:nvGrpSpPr>
@@ -854,7 +903,7 @@
 </file>
 
 <file path=ppt/slideLayouts/slideLayout10.xml><?xml version="1.0" encoding="utf-8"?>
-<p:sldLayout xmlns:a="http://schemas.openxmlformats.org/drawingml/2006/main" xmlns:r="http://schemas.openxmlformats.org/officeDocument/2006/relationships" xmlns:p="http://schemas.openxmlformats.org/presentationml/2006/main" type="vertTx" preserve="1">
+<p:sldLayout xmlns:a="http://schemas.openxmlformats.org/drawingml/2006/main" xmlns:r="http://schemas.openxmlformats.org/officeDocument/2006/relationships" xmlns:p="http://schemas.openxmlformats.org/presentationml/2006/main" showMasterSp="0" type="vertTx" preserve="1">
   <p:cSld name="제목 및 세로 텍스트">
     <p:spTree>
       <p:nvGrpSpPr>
@@ -1052,7 +1101,7 @@
 </file>
 
 <file path=ppt/slideLayouts/slideLayout11.xml><?xml version="1.0" encoding="utf-8"?>
-<p:sldLayout xmlns:a="http://schemas.openxmlformats.org/drawingml/2006/main" xmlns:r="http://schemas.openxmlformats.org/officeDocument/2006/relationships" xmlns:p="http://schemas.openxmlformats.org/presentationml/2006/main" type="vertTitleAndTx" preserve="1">
+<p:sldLayout xmlns:a="http://schemas.openxmlformats.org/drawingml/2006/main" xmlns:r="http://schemas.openxmlformats.org/officeDocument/2006/relationships" xmlns:p="http://schemas.openxmlformats.org/presentationml/2006/main" showMasterSp="0" type="vertTitleAndTx" preserve="1">
   <p:cSld name="세로 제목 및 텍스트">
     <p:spTree>
       <p:nvGrpSpPr>
@@ -1260,7 +1309,7 @@
 </file>
 
 <file path=ppt/slideLayouts/slideLayout2.xml><?xml version="1.0" encoding="utf-8"?>
-<p:sldLayout xmlns:a="http://schemas.openxmlformats.org/drawingml/2006/main" xmlns:r="http://schemas.openxmlformats.org/officeDocument/2006/relationships" xmlns:p="http://schemas.openxmlformats.org/presentationml/2006/main" type="obj" preserve="1">
+<p:sldLayout xmlns:a="http://schemas.openxmlformats.org/drawingml/2006/main" xmlns:r="http://schemas.openxmlformats.org/officeDocument/2006/relationships" xmlns:p="http://schemas.openxmlformats.org/presentationml/2006/main" showMasterSp="0" type="obj" preserve="1">
   <p:cSld name="제목 및 내용">
     <p:spTree>
       <p:nvGrpSpPr>
@@ -1458,7 +1507,7 @@
 </file>
 
 <file path=ppt/slideLayouts/slideLayout3.xml><?xml version="1.0" encoding="utf-8"?>
-<p:sldLayout xmlns:a="http://schemas.openxmlformats.org/drawingml/2006/main" xmlns:r="http://schemas.openxmlformats.org/officeDocument/2006/relationships" xmlns:p="http://schemas.openxmlformats.org/presentationml/2006/main" type="secHead" preserve="1">
+<p:sldLayout xmlns:a="http://schemas.openxmlformats.org/drawingml/2006/main" xmlns:r="http://schemas.openxmlformats.org/officeDocument/2006/relationships" xmlns:p="http://schemas.openxmlformats.org/presentationml/2006/main" showMasterSp="0" type="secHead" preserve="1">
   <p:cSld name="구역 머리글">
     <p:spTree>
       <p:nvGrpSpPr>
@@ -1733,7 +1782,7 @@
 </file>
 
 <file path=ppt/slideLayouts/slideLayout4.xml><?xml version="1.0" encoding="utf-8"?>
-<p:sldLayout xmlns:a="http://schemas.openxmlformats.org/drawingml/2006/main" xmlns:r="http://schemas.openxmlformats.org/officeDocument/2006/relationships" xmlns:p="http://schemas.openxmlformats.org/presentationml/2006/main" type="twoObj" preserve="1">
+<p:sldLayout xmlns:a="http://schemas.openxmlformats.org/drawingml/2006/main" xmlns:r="http://schemas.openxmlformats.org/officeDocument/2006/relationships" xmlns:p="http://schemas.openxmlformats.org/presentationml/2006/main" showMasterSp="0" type="twoObj" preserve="1">
   <p:cSld name="콘텐츠 2개">
     <p:spTree>
       <p:nvGrpSpPr>
@@ -1998,7 +2047,7 @@
 </file>
 
 <file path=ppt/slideLayouts/slideLayout5.xml><?xml version="1.0" encoding="utf-8"?>
-<p:sldLayout xmlns:a="http://schemas.openxmlformats.org/drawingml/2006/main" xmlns:r="http://schemas.openxmlformats.org/officeDocument/2006/relationships" xmlns:p="http://schemas.openxmlformats.org/presentationml/2006/main" type="twoTxTwoObj" preserve="1">
+<p:sldLayout xmlns:a="http://schemas.openxmlformats.org/drawingml/2006/main" xmlns:r="http://schemas.openxmlformats.org/officeDocument/2006/relationships" xmlns:p="http://schemas.openxmlformats.org/presentationml/2006/main" showMasterSp="0" type="twoTxTwoObj" preserve="1">
   <p:cSld name="비교">
     <p:spTree>
       <p:nvGrpSpPr>
@@ -2410,7 +2459,7 @@
 </file>
 
 <file path=ppt/slideLayouts/slideLayout6.xml><?xml version="1.0" encoding="utf-8"?>
-<p:sldLayout xmlns:a="http://schemas.openxmlformats.org/drawingml/2006/main" xmlns:r="http://schemas.openxmlformats.org/officeDocument/2006/relationships" xmlns:p="http://schemas.openxmlformats.org/presentationml/2006/main" type="titleOnly" preserve="1">
+<p:sldLayout xmlns:a="http://schemas.openxmlformats.org/drawingml/2006/main" xmlns:r="http://schemas.openxmlformats.org/officeDocument/2006/relationships" xmlns:p="http://schemas.openxmlformats.org/presentationml/2006/main" showMasterSp="0" type="titleOnly" preserve="1">
   <p:cSld name="제목만">
     <p:spTree>
       <p:nvGrpSpPr>
@@ -2551,7 +2600,7 @@
 </file>
 
 <file path=ppt/slideLayouts/slideLayout7.xml><?xml version="1.0" encoding="utf-8"?>
-<p:sldLayout xmlns:a="http://schemas.openxmlformats.org/drawingml/2006/main" xmlns:r="http://schemas.openxmlformats.org/officeDocument/2006/relationships" xmlns:p="http://schemas.openxmlformats.org/presentationml/2006/main" type="blank" preserve="1">
+<p:sldLayout xmlns:a="http://schemas.openxmlformats.org/drawingml/2006/main" xmlns:r="http://schemas.openxmlformats.org/officeDocument/2006/relationships" xmlns:p="http://schemas.openxmlformats.org/presentationml/2006/main" showMasterSp="0" type="blank" preserve="1">
   <p:cSld name="빈 화면">
     <p:spTree>
       <p:nvGrpSpPr>
@@ -2664,7 +2713,7 @@
 </file>
 
 <file path=ppt/slideLayouts/slideLayout8.xml><?xml version="1.0" encoding="utf-8"?>
-<p:sldLayout xmlns:a="http://schemas.openxmlformats.org/drawingml/2006/main" xmlns:r="http://schemas.openxmlformats.org/officeDocument/2006/relationships" xmlns:p="http://schemas.openxmlformats.org/presentationml/2006/main" type="objTx" preserve="1">
+<p:sldLayout xmlns:a="http://schemas.openxmlformats.org/drawingml/2006/main" xmlns:r="http://schemas.openxmlformats.org/officeDocument/2006/relationships" xmlns:p="http://schemas.openxmlformats.org/presentationml/2006/main" showMasterSp="0" type="objTx" preserve="1">
   <p:cSld name="캡션 있는 콘텐츠">
     <p:spTree>
       <p:nvGrpSpPr>
@@ -2975,7 +3024,7 @@
 </file>
 
 <file path=ppt/slideLayouts/slideLayout9.xml><?xml version="1.0" encoding="utf-8"?>
-<p:sldLayout xmlns:a="http://schemas.openxmlformats.org/drawingml/2006/main" xmlns:r="http://schemas.openxmlformats.org/officeDocument/2006/relationships" xmlns:p="http://schemas.openxmlformats.org/presentationml/2006/main" type="picTx" preserve="1">
+<p:sldLayout xmlns:a="http://schemas.openxmlformats.org/drawingml/2006/main" xmlns:r="http://schemas.openxmlformats.org/officeDocument/2006/relationships" xmlns:p="http://schemas.openxmlformats.org/presentationml/2006/main" showMasterSp="0" type="picTx" preserve="1">
   <p:cSld name="캡션 있는 그림">
     <p:spTree>
       <p:nvGrpSpPr>
@@ -3266,9 +3315,12 @@
 <p:sldMaster xmlns:a="http://schemas.openxmlformats.org/drawingml/2006/main" xmlns:r="http://schemas.openxmlformats.org/officeDocument/2006/relationships" xmlns:p="http://schemas.openxmlformats.org/presentationml/2006/main">
   <p:cSld>
     <p:bg>
-      <p:bgRef idx="1001">
-        <a:schemeClr val="bg1"/>
-      </p:bgRef>
+      <p:bgPr>
+        <a:solidFill>
+          <a:schemeClr val="bg1"/>
+        </a:solidFill>
+        <a:effectLst/>
+      </p:bgPr>
     </p:bg>
     <p:spTree>
       <p:nvGrpSpPr>
@@ -3832,7 +3884,7 @@
 </file>
 
 <file path=ppt/slides/slide1.xml><?xml version="1.0" encoding="utf-8"?>
-<p:sld xmlns:a="http://schemas.openxmlformats.org/drawingml/2006/main" xmlns:r="http://schemas.openxmlformats.org/officeDocument/2006/relationships" xmlns:p="http://schemas.openxmlformats.org/presentationml/2006/main">
+<p:sld xmlns:a="http://schemas.openxmlformats.org/drawingml/2006/main" xmlns:r="http://schemas.openxmlformats.org/officeDocument/2006/relationships" xmlns:p="http://schemas.openxmlformats.org/presentationml/2006/main" showMasterSp="0">
   <p:cSld>
     <p:spTree>
       <p:nvGrpSpPr>
@@ -4172,7 +4224,7 @@
 </file>
 
 <file path=ppt/slides/slide10.xml><?xml version="1.0" encoding="utf-8"?>
-<p:sld xmlns:a="http://schemas.openxmlformats.org/drawingml/2006/main" xmlns:r="http://schemas.openxmlformats.org/officeDocument/2006/relationships" xmlns:p="http://schemas.openxmlformats.org/presentationml/2006/main">
+<p:sld xmlns:a="http://schemas.openxmlformats.org/drawingml/2006/main" xmlns:r="http://schemas.openxmlformats.org/officeDocument/2006/relationships" xmlns:p="http://schemas.openxmlformats.org/presentationml/2006/main" showMasterSp="0">
   <p:cSld>
     <p:spTree>
       <p:nvGrpSpPr>
@@ -4651,7 +4703,7 @@
 </file>
 
 <file path=ppt/slides/slide11.xml><?xml version="1.0" encoding="utf-8"?>
-<p:sld xmlns:a="http://schemas.openxmlformats.org/drawingml/2006/main" xmlns:r="http://schemas.openxmlformats.org/officeDocument/2006/relationships" xmlns:p="http://schemas.openxmlformats.org/presentationml/2006/main">
+<p:sld xmlns:a="http://schemas.openxmlformats.org/drawingml/2006/main" xmlns:r="http://schemas.openxmlformats.org/officeDocument/2006/relationships" xmlns:p="http://schemas.openxmlformats.org/presentationml/2006/main" showMasterSp="0">
   <p:cSld>
     <p:spTree>
       <p:nvGrpSpPr>
@@ -4976,7 +5028,7 @@
 </file>
 
 <file path=ppt/slides/slide12.xml><?xml version="1.0" encoding="utf-8"?>
-<p:sld xmlns:a="http://schemas.openxmlformats.org/drawingml/2006/main" xmlns:r="http://schemas.openxmlformats.org/officeDocument/2006/relationships" xmlns:p="http://schemas.openxmlformats.org/presentationml/2006/main">
+<p:sld xmlns:a="http://schemas.openxmlformats.org/drawingml/2006/main" xmlns:r="http://schemas.openxmlformats.org/officeDocument/2006/relationships" xmlns:p="http://schemas.openxmlformats.org/presentationml/2006/main" showMasterSp="0">
   <p:cSld>
     <p:spTree>
       <p:nvGrpSpPr>
@@ -5258,8 +5310,8 @@
 </p:sld>
 </file>
 
-<file path=ppt/slides/slide13.xml><?xml version="1.0" encoding="utf-8"?>
-<p:sld xmlns:a="http://schemas.openxmlformats.org/drawingml/2006/main" xmlns:r="http://schemas.openxmlformats.org/officeDocument/2006/relationships" xmlns:p="http://schemas.openxmlformats.org/presentationml/2006/main">
+<file path=ppt/slides/slide2.xml><?xml version="1.0" encoding="utf-8"?>
+<p:sld xmlns:a="http://schemas.openxmlformats.org/drawingml/2006/main" xmlns:r="http://schemas.openxmlformats.org/officeDocument/2006/relationships" xmlns:p="http://schemas.openxmlformats.org/presentationml/2006/main" showMasterSp="0">
   <p:cSld>
     <p:spTree>
       <p:nvGrpSpPr>
@@ -5277,97 +5329,6 @@
       </p:grpSpPr>
       <p:sp>
         <p:nvSpPr>
-          <p:cNvPr id="2" name="제목 1"/>
-          <p:cNvSpPr>
-            <a:spLocks noGrp="1"/>
-          </p:cNvSpPr>
-          <p:nvPr>
-            <p:ph type="title"/>
-          </p:nvPr>
-        </p:nvSpPr>
-        <p:spPr/>
-        <p:txBody>
-          <a:bodyPr/>
-          <a:lstStyle/>
-          <a:p>
-            <a:endParaRPr lang="ko-KR" altLang="en-US"/>
-          </a:p>
-        </p:txBody>
-      </p:sp>
-      <p:sp>
-        <p:nvSpPr>
-          <p:cNvPr id="3" name="내용 개체 틀 2"/>
-          <p:cNvSpPr>
-            <a:spLocks noGrp="1"/>
-          </p:cNvSpPr>
-          <p:nvPr>
-            <p:ph idx="1"/>
-          </p:nvPr>
-        </p:nvSpPr>
-        <p:spPr/>
-        <p:txBody>
-          <a:bodyPr/>
-          <a:lstStyle/>
-          <a:p>
-            <a:endParaRPr lang="ko-KR" altLang="en-US"/>
-          </a:p>
-        </p:txBody>
-      </p:sp>
-      <p:sp>
-        <p:nvSpPr>
-          <p:cNvPr id="4" name="슬라이드 번호 개체 틀 3"/>
-          <p:cNvSpPr>
-            <a:spLocks noGrp="1"/>
-          </p:cNvSpPr>
-          <p:nvPr>
-            <p:ph type="sldNum" sz="quarter" idx="12"/>
-          </p:nvPr>
-        </p:nvSpPr>
-        <p:spPr/>
-        <p:txBody>
-          <a:bodyPr/>
-          <a:lstStyle/>
-          <a:p>
-            <a:fld id="{4EA9F97B-3BCE-4CBD-BEBA-B8BB42B88A80}" type="slidenum">
-              <a:rPr lang="ko-KR" altLang="en-US" smtClean="0"/>
-              <a:t>13</a:t>
-            </a:fld>
-            <a:endParaRPr lang="ko-KR" altLang="en-US"/>
-          </a:p>
-        </p:txBody>
-      </p:sp>
-    </p:spTree>
-    <p:extLst>
-      <p:ext uri="{BB962C8B-B14F-4D97-AF65-F5344CB8AC3E}">
-        <p14:creationId xmlns:p14="http://schemas.microsoft.com/office/powerpoint/2010/main" val="2330259327"/>
-      </p:ext>
-    </p:extLst>
-  </p:cSld>
-  <p:clrMapOvr>
-    <a:masterClrMapping/>
-  </p:clrMapOvr>
-</p:sld>
-</file>
-
-<file path=ppt/slides/slide2.xml><?xml version="1.0" encoding="utf-8"?>
-<p:sld xmlns:a="http://schemas.openxmlformats.org/drawingml/2006/main" xmlns:r="http://schemas.openxmlformats.org/officeDocument/2006/relationships" xmlns:p="http://schemas.openxmlformats.org/presentationml/2006/main">
-  <p:cSld>
-    <p:spTree>
-      <p:nvGrpSpPr>
-        <p:cNvPr id="1" name=""/>
-        <p:cNvGrpSpPr/>
-        <p:nvPr/>
-      </p:nvGrpSpPr>
-      <p:grpSpPr>
-        <a:xfrm>
-          <a:off x="0" y="0"/>
-          <a:ext cx="0" cy="0"/>
-          <a:chOff x="0" y="0"/>
-          <a:chExt cx="0" cy="0"/>
-        </a:xfrm>
-      </p:grpSpPr>
-      <p:sp>
-        <p:nvSpPr>
           <p:cNvPr id="2" name="슬라이드 번호 개체 틀 1">
             <a:extLst>
               <a:ext uri="{FF2B5EF4-FFF2-40B4-BE49-F238E27FC236}">
@@ -5578,10 +5539,10 @@
         </p:nvGrpSpPr>
         <p:grpSpPr>
           <a:xfrm>
-            <a:off x="570351" y="823587"/>
-            <a:ext cx="11150942" cy="4973054"/>
-            <a:chOff x="539723" y="655251"/>
-            <a:chExt cx="11150942" cy="4973054"/>
+            <a:off x="766641" y="823587"/>
+            <a:ext cx="10954652" cy="5149107"/>
+            <a:chOff x="736013" y="655251"/>
+            <a:chExt cx="10954652" cy="5149107"/>
           </a:xfrm>
         </p:grpSpPr>
         <p:pic>
@@ -5593,19 +5554,39 @@
             <p:nvPr/>
           </p:nvPicPr>
           <p:blipFill>
-            <a:blip r:embed="rId4"/>
+            <a:blip r:embed="rId4">
+              <a:clrChange>
+                <a:clrFrom>
+                  <a:srgbClr val="FAFAFA"/>
+                </a:clrFrom>
+                <a:clrTo>
+                  <a:srgbClr val="FAFAFA">
+                    <a:alpha val="0"/>
+                  </a:srgbClr>
+                </a:clrTo>
+              </a:clrChange>
+            </a:blip>
             <a:stretch>
               <a:fillRect/>
             </a:stretch>
           </p:blipFill>
           <p:spPr>
             <a:xfrm>
-              <a:off x="539723" y="3436365"/>
-              <a:ext cx="1405018" cy="1333576"/>
+              <a:off x="736013" y="3537121"/>
+              <a:ext cx="1249657" cy="1186115"/>
             </a:xfrm>
             <a:prstGeom prst="rect">
               <a:avLst/>
             </a:prstGeom>
+            <a:solidFill>
+              <a:srgbClr val="FFFFFF"/>
+            </a:solidFill>
+            <a:ln w="190500" cap="rnd">
+              <a:solidFill>
+                <a:srgbClr val="FFFFFF"/>
+              </a:solidFill>
+            </a:ln>
+            <a:effectLst/>
           </p:spPr>
         </p:pic>
         <p:cxnSp>
@@ -5659,7 +5640,7 @@
           </p:nvSpPr>
           <p:spPr>
             <a:xfrm>
-              <a:off x="3269030" y="5258973"/>
+              <a:off x="3312992" y="5435026"/>
               <a:ext cx="6544409" cy="369332"/>
             </a:xfrm>
             <a:prstGeom prst="rect">
@@ -5673,18 +5654,26 @@
             <a:lstStyle/>
             <a:p>
               <a:r>
-                <a:rPr lang="en-US" altLang="ko-KR" dirty="0" smtClean="0"/>
+                <a:rPr lang="en-US" altLang="ko-KR" b="1" dirty="0" smtClean="0">
+                  <a:latin typeface="Century Gothic" panose="020B0502020202020204" pitchFamily="34" charset="0"/>
+                </a:rPr>
                 <a:t>Combining </a:t>
               </a:r>
               <a:r>
-                <a:rPr lang="en-US" altLang="ko-KR" dirty="0"/>
+                <a:rPr lang="en-US" altLang="ko-KR" b="1" dirty="0">
+                  <a:latin typeface="Century Gothic" panose="020B0502020202020204" pitchFamily="34" charset="0"/>
+                </a:rPr>
                 <a:t>two or more items or functions in a single </a:t>
               </a:r>
               <a:r>
-                <a:rPr lang="en-US" altLang="ko-KR" dirty="0" smtClean="0"/>
+                <a:rPr lang="en-US" altLang="ko-KR" b="1" dirty="0" smtClean="0">
+                  <a:latin typeface="Century Gothic" panose="020B0502020202020204" pitchFamily="34" charset="0"/>
+                </a:rPr>
                 <a:t>unit</a:t>
               </a:r>
-              <a:endParaRPr lang="ko-KR" altLang="en-US" dirty="0"/>
+              <a:endParaRPr lang="ko-KR" altLang="en-US" b="1" dirty="0">
+                <a:latin typeface="Century Gothic" panose="020B0502020202020204" pitchFamily="34" charset="0"/>
+              </a:endParaRPr>
             </a:p>
           </p:txBody>
         </p:sp>
@@ -5697,9 +5686,9 @@
           <p:grpSpPr>
             <a:xfrm>
               <a:off x="1888390" y="978057"/>
-              <a:ext cx="8352770" cy="4049902"/>
+              <a:ext cx="8352770" cy="3791884"/>
               <a:chOff x="2228382" y="935269"/>
-              <a:chExt cx="8352770" cy="4049902"/>
+              <a:chExt cx="8352770" cy="3791884"/>
             </a:xfrm>
           </p:grpSpPr>
           <p:pic>
@@ -5725,8 +5714,8 @@
             </p:blipFill>
             <p:spPr bwMode="auto">
               <a:xfrm>
-                <a:off x="3083168" y="1571719"/>
-                <a:ext cx="6536760" cy="3413452"/>
+                <a:off x="3467504" y="1640630"/>
+                <a:ext cx="5910691" cy="3086523"/>
               </a:xfrm>
               <a:prstGeom prst="rect">
                 <a:avLst/>
@@ -5929,7 +5918,18 @@
             <p:nvPr/>
           </p:nvPicPr>
           <p:blipFill>
-            <a:blip r:embed="rId6"/>
+            <a:blip r:embed="rId6">
+              <a:clrChange>
+                <a:clrFrom>
+                  <a:srgbClr val="FAFAFA"/>
+                </a:clrFrom>
+                <a:clrTo>
+                  <a:srgbClr val="FAFAFA">
+                    <a:alpha val="0"/>
+                  </a:srgbClr>
+                </a:clrTo>
+              </a:clrChange>
+            </a:blip>
             <a:stretch>
               <a:fillRect/>
             </a:stretch>
@@ -5966,7 +5966,7 @@
 </file>
 
 <file path=ppt/slides/slide3.xml><?xml version="1.0" encoding="utf-8"?>
-<p:sld xmlns:a="http://schemas.openxmlformats.org/drawingml/2006/main" xmlns:r="http://schemas.openxmlformats.org/officeDocument/2006/relationships" xmlns:p="http://schemas.openxmlformats.org/presentationml/2006/main">
+<p:sld xmlns:a="http://schemas.openxmlformats.org/drawingml/2006/main" xmlns:r="http://schemas.openxmlformats.org/officeDocument/2006/relationships" xmlns:p="http://schemas.openxmlformats.org/presentationml/2006/main" showMasterSp="0">
   <p:cSld>
     <p:spTree>
       <p:nvGrpSpPr>
@@ -5991,14 +5991,25 @@
           <p:nvPr/>
         </p:nvPicPr>
         <p:blipFill rotWithShape="1">
-          <a:blip r:embed="rId2"/>
+          <a:blip r:embed="rId2">
+            <a:clrChange>
+              <a:clrFrom>
+                <a:srgbClr val="FAFAFA"/>
+              </a:clrFrom>
+              <a:clrTo>
+                <a:srgbClr val="FAFAFA">
+                  <a:alpha val="0"/>
+                </a:srgbClr>
+              </a:clrTo>
+            </a:clrChange>
+          </a:blip>
           <a:srcRect t="59021"/>
           <a:stretch/>
         </p:blipFill>
         <p:spPr>
           <a:xfrm>
-            <a:off x="3951822" y="2744753"/>
-            <a:ext cx="4387999" cy="1594995"/>
+            <a:off x="4525496" y="2825388"/>
+            <a:ext cx="3274553" cy="1190268"/>
           </a:xfrm>
           <a:prstGeom prst="rect">
             <a:avLst/>
@@ -6260,7 +6271,7 @@
         </p:nvSpPr>
         <p:spPr>
           <a:xfrm>
-            <a:off x="1975603" y="4648565"/>
+            <a:off x="1975604" y="4389306"/>
             <a:ext cx="8340436" cy="1200329"/>
           </a:xfrm>
           <a:prstGeom prst="rect">
@@ -6285,7 +6296,7 @@
               <a:rPr lang="ko-KR" altLang="en-US" b="1" dirty="0" smtClean="0">
                 <a:latin typeface="Century Gothic" panose="020B0502020202020204" pitchFamily="34" charset="0"/>
               </a:rPr>
-              <a:t>편함</a:t>
+              <a:t>편리함</a:t>
             </a:r>
             <a:endParaRPr lang="en-US" altLang="ko-KR" b="1" dirty="0" smtClean="0">
               <a:latin typeface="Century Gothic" panose="020B0502020202020204" pitchFamily="34" charset="0"/>
@@ -6303,7 +6314,7 @@
               <a:rPr lang="ko-KR" altLang="en-US" b="1" dirty="0" smtClean="0">
                 <a:latin typeface="Century Gothic" panose="020B0502020202020204" pitchFamily="34" charset="0"/>
               </a:rPr>
-              <a:t>안전</a:t>
+              <a:t>안전함</a:t>
             </a:r>
             <a:endParaRPr lang="en-US" altLang="ko-KR" b="1" dirty="0" smtClean="0">
               <a:latin typeface="Century Gothic" panose="020B0502020202020204" pitchFamily="34" charset="0"/>
@@ -6312,16 +6323,10 @@
           <a:p>
             <a:pPr algn="ctr"/>
             <a:r>
-              <a:rPr lang="ko-KR" altLang="en-US" b="1" dirty="0">
-                <a:latin typeface="Century Gothic" panose="020B0502020202020204" pitchFamily="34" charset="0"/>
-              </a:rPr>
-              <a:t> </a:t>
-            </a:r>
-            <a:r>
               <a:rPr lang="en-US" altLang="ko-KR" b="1" dirty="0" smtClean="0">
                 <a:latin typeface="Century Gothic" panose="020B0502020202020204" pitchFamily="34" charset="0"/>
               </a:rPr>
-              <a:t>Fast   </a:t>
+              <a:t>Fast    </a:t>
             </a:r>
             <a:r>
               <a:rPr lang="ko-KR" altLang="en-US" b="1" dirty="0" smtClean="0">
@@ -6339,13 +6344,25 @@
               <a:rPr lang="en-US" altLang="ko-KR" b="1" dirty="0" smtClean="0">
                 <a:latin typeface="Century Gothic" panose="020B0502020202020204" pitchFamily="34" charset="0"/>
               </a:rPr>
-              <a:t>Reduce Cost &amp; Time   </a:t>
+              <a:t>Reduce </a:t>
+            </a:r>
+            <a:r>
+              <a:rPr lang="en-US" altLang="ko-KR" b="1" dirty="0" smtClean="0">
+                <a:latin typeface="Century Gothic" panose="020B0502020202020204" pitchFamily="34" charset="0"/>
+              </a:rPr>
+              <a:t>Cost   </a:t>
             </a:r>
             <a:r>
               <a:rPr lang="ko-KR" altLang="en-US" b="1" dirty="0" smtClean="0">
                 <a:latin typeface="Century Gothic" panose="020B0502020202020204" pitchFamily="34" charset="0"/>
               </a:rPr>
-              <a:t>비용과 시간 절약</a:t>
+              <a:t>비용 </a:t>
+            </a:r>
+            <a:r>
+              <a:rPr lang="ko-KR" altLang="en-US" b="1" dirty="0" smtClean="0">
+                <a:latin typeface="Century Gothic" panose="020B0502020202020204" pitchFamily="34" charset="0"/>
+              </a:rPr>
+              <a:t>절약</a:t>
             </a:r>
             <a:endParaRPr lang="en-US" altLang="ko-KR" b="1" dirty="0" smtClean="0">
               <a:latin typeface="Century Gothic" panose="020B0502020202020204" pitchFamily="34" charset="0"/>
@@ -6367,7 +6384,7 @@
         </p:nvSpPr>
         <p:spPr>
           <a:xfrm rot="10800000">
-            <a:off x="5713766" y="1502799"/>
+            <a:off x="6861220" y="1489574"/>
             <a:ext cx="614883" cy="871946"/>
           </a:xfrm>
           <a:custGeom>
@@ -6578,7 +6595,7 @@
         </p:nvSpPr>
         <p:spPr>
           <a:xfrm rot="2160000">
-            <a:off x="6632411" y="1418536"/>
+            <a:off x="5600219" y="1420842"/>
             <a:ext cx="964307" cy="1040473"/>
           </a:xfrm>
           <a:custGeom>
@@ -6902,7 +6919,18 @@
           <p:nvPr/>
         </p:nvPicPr>
         <p:blipFill>
-          <a:blip r:embed="rId4"/>
+          <a:blip r:embed="rId4">
+            <a:clrChange>
+              <a:clrFrom>
+                <a:srgbClr val="FAFAFA"/>
+              </a:clrFrom>
+              <a:clrTo>
+                <a:srgbClr val="FAFAFA">
+                  <a:alpha val="0"/>
+                </a:srgbClr>
+              </a:clrTo>
+            </a:clrChange>
+          </a:blip>
           <a:stretch>
             <a:fillRect/>
           </a:stretch>
@@ -6938,7 +6966,7 @@
 </file>
 
 <file path=ppt/slides/slide4.xml><?xml version="1.0" encoding="utf-8"?>
-<p:sld xmlns:a="http://schemas.openxmlformats.org/drawingml/2006/main" xmlns:r="http://schemas.openxmlformats.org/officeDocument/2006/relationships" xmlns:p="http://schemas.openxmlformats.org/presentationml/2006/main">
+<p:sld xmlns:a="http://schemas.openxmlformats.org/drawingml/2006/main" xmlns:r="http://schemas.openxmlformats.org/officeDocument/2006/relationships" xmlns:p="http://schemas.openxmlformats.org/presentationml/2006/main" showMasterSp="0">
   <p:cSld>
     <p:spTree>
       <p:nvGrpSpPr>
@@ -7278,7 +7306,18 @@
           <p:nvPr/>
         </p:nvPicPr>
         <p:blipFill>
-          <a:blip r:embed="rId4"/>
+          <a:blip r:embed="rId4">
+            <a:clrChange>
+              <a:clrFrom>
+                <a:srgbClr val="FAFAFA"/>
+              </a:clrFrom>
+              <a:clrTo>
+                <a:srgbClr val="FAFAFA">
+                  <a:alpha val="0"/>
+                </a:srgbClr>
+              </a:clrTo>
+            </a:clrChange>
+          </a:blip>
           <a:stretch>
             <a:fillRect/>
           </a:stretch>
@@ -7302,7 +7341,18 @@
           <p:nvPr/>
         </p:nvPicPr>
         <p:blipFill>
-          <a:blip r:embed="rId5"/>
+          <a:blip r:embed="rId5">
+            <a:clrChange>
+              <a:clrFrom>
+                <a:srgbClr val="FAFAFA"/>
+              </a:clrFrom>
+              <a:clrTo>
+                <a:srgbClr val="FAFAFA">
+                  <a:alpha val="0"/>
+                </a:srgbClr>
+              </a:clrTo>
+            </a:clrChange>
+          </a:blip>
           <a:stretch>
             <a:fillRect/>
           </a:stretch>
@@ -7516,7 +7566,7 @@
           <a:p>
             <a:r>
               <a:rPr lang="en-US" altLang="ko-KR" dirty="0" err="1" smtClean="0"/>
-              <a:t>Matrx</a:t>
+              <a:t>Matirx</a:t>
             </a:r>
             <a:r>
               <a:rPr lang="en-US" altLang="ko-KR" dirty="0" smtClean="0"/>
@@ -7567,7 +7617,7 @@
 </file>
 
 <file path=ppt/slides/slide5.xml><?xml version="1.0" encoding="utf-8"?>
-<p:sld xmlns:a="http://schemas.openxmlformats.org/drawingml/2006/main" xmlns:r="http://schemas.openxmlformats.org/officeDocument/2006/relationships" xmlns:p="http://schemas.openxmlformats.org/presentationml/2006/main">
+<p:sld xmlns:a="http://schemas.openxmlformats.org/drawingml/2006/main" xmlns:r="http://schemas.openxmlformats.org/officeDocument/2006/relationships" xmlns:p="http://schemas.openxmlformats.org/presentationml/2006/main" showMasterSp="0">
   <p:cSld>
     <p:spTree>
       <p:nvGrpSpPr>
@@ -7907,7 +7957,18 @@
           <p:nvPr/>
         </p:nvPicPr>
         <p:blipFill>
-          <a:blip r:embed="rId4"/>
+          <a:blip r:embed="rId4">
+            <a:clrChange>
+              <a:clrFrom>
+                <a:srgbClr val="FAFAFA"/>
+              </a:clrFrom>
+              <a:clrTo>
+                <a:srgbClr val="FAFAFA">
+                  <a:alpha val="0"/>
+                </a:srgbClr>
+              </a:clrTo>
+            </a:clrChange>
+          </a:blip>
           <a:stretch>
             <a:fillRect/>
           </a:stretch>
@@ -8036,7 +8097,7 @@
 </file>
 
 <file path=ppt/slides/slide6.xml><?xml version="1.0" encoding="utf-8"?>
-<p:sld xmlns:a="http://schemas.openxmlformats.org/drawingml/2006/main" xmlns:r="http://schemas.openxmlformats.org/officeDocument/2006/relationships" xmlns:p="http://schemas.openxmlformats.org/presentationml/2006/main">
+<p:sld xmlns:a="http://schemas.openxmlformats.org/drawingml/2006/main" xmlns:r="http://schemas.openxmlformats.org/officeDocument/2006/relationships" xmlns:p="http://schemas.openxmlformats.org/presentationml/2006/main" showMasterSp="0">
   <p:cSld>
     <p:spTree>
       <p:nvGrpSpPr>
@@ -8272,896 +8333,6 @@
         <p:spPr>
           <a:xfrm>
             <a:off x="838199" y="140558"/>
-            <a:ext cx="5307623" cy="584775"/>
-          </a:xfrm>
-          <a:prstGeom prst="rect">
-            <a:avLst/>
-          </a:prstGeom>
-          <a:noFill/>
-        </p:spPr>
-        <p:txBody>
-          <a:bodyPr wrap="square" rtlCol="0">
-            <a:spAutoFit/>
-          </a:bodyPr>
-          <a:lstStyle/>
-          <a:p>
-            <a:r>
-              <a:rPr lang="en-US" altLang="ko-KR" sz="3200" b="1" dirty="0" smtClean="0">
-                <a:latin typeface="Century Gothic" panose="020B0502020202020204" pitchFamily="34" charset="0"/>
-                <a:cs typeface="Arial" panose="020B0604020202020204" pitchFamily="34" charset="0"/>
-              </a:rPr>
-              <a:t>Detection</a:t>
-            </a:r>
-            <a:endParaRPr lang="ko-KR" altLang="en-US" sz="3200" b="1" dirty="0">
-              <a:latin typeface="Century Gothic" panose="020B0502020202020204" pitchFamily="34" charset="0"/>
-              <a:cs typeface="Arial" panose="020B0604020202020204" pitchFamily="34" charset="0"/>
-            </a:endParaRPr>
-          </a:p>
-        </p:txBody>
-      </p:sp>
-      <p:sp>
-        <p:nvSpPr>
-          <p:cNvPr id="4" name="TextBox 3"/>
-          <p:cNvSpPr txBox="1"/>
-          <p:nvPr/>
-        </p:nvSpPr>
-        <p:spPr>
-          <a:xfrm>
-            <a:off x="1028699" y="896815"/>
-            <a:ext cx="7599485" cy="369332"/>
-          </a:xfrm>
-          <a:prstGeom prst="rect">
-            <a:avLst/>
-          </a:prstGeom>
-          <a:noFill/>
-        </p:spPr>
-        <p:txBody>
-          <a:bodyPr wrap="square" rtlCol="0">
-            <a:spAutoFit/>
-          </a:bodyPr>
-          <a:lstStyle/>
-          <a:p>
-            <a:endParaRPr lang="ko-KR" altLang="en-US" dirty="0">
-              <a:latin typeface="Century Gothic" panose="020B0502020202020204" pitchFamily="34" charset="0"/>
-            </a:endParaRPr>
-          </a:p>
-        </p:txBody>
-      </p:sp>
-      <p:sp>
-        <p:nvSpPr>
-          <p:cNvPr id="10" name="직사각형 9"/>
-          <p:cNvSpPr/>
-          <p:nvPr/>
-        </p:nvSpPr>
-        <p:spPr>
-          <a:xfrm>
-            <a:off x="312066" y="5978777"/>
-            <a:ext cx="3009157" cy="369332"/>
-          </a:xfrm>
-          <a:prstGeom prst="rect">
-            <a:avLst/>
-          </a:prstGeom>
-        </p:spPr>
-        <p:txBody>
-          <a:bodyPr wrap="none">
-            <a:spAutoFit/>
-          </a:bodyPr>
-          <a:lstStyle/>
-          <a:p>
-            <a:r>
-              <a:rPr lang="ko-KR" altLang="en-US" sz="900" dirty="0">
-                <a:hlinkClick r:id="rId3"/>
-              </a:rPr>
-              <a:t>https://</a:t>
-            </a:r>
-            <a:r>
-              <a:rPr lang="ko-KR" altLang="en-US" sz="900" dirty="0" smtClean="0">
-                <a:hlinkClick r:id="rId3"/>
-              </a:rPr>
-              <a:t>en.oxforddictionaries.com/definition/all-in-one</a:t>
-            </a:r>
-            <a:endParaRPr lang="en-US" altLang="ko-KR" sz="900" dirty="0" smtClean="0"/>
-          </a:p>
-          <a:p>
-            <a:endParaRPr lang="ko-KR" altLang="en-US" sz="900" dirty="0"/>
-          </a:p>
-        </p:txBody>
-      </p:sp>
-      <p:pic>
-        <p:nvPicPr>
-          <p:cNvPr id="5" name="그림 4"/>
-          <p:cNvPicPr>
-            <a:picLocks noChangeAspect="1"/>
-          </p:cNvPicPr>
-          <p:nvPr/>
-        </p:nvPicPr>
-        <p:blipFill>
-          <a:blip r:embed="rId4">
-            <a:extLst>
-              <a:ext uri="{28A0092B-C50C-407E-A947-70E740481C1C}">
-                <a14:useLocalDpi xmlns:a14="http://schemas.microsoft.com/office/drawing/2010/main" val="0"/>
-              </a:ext>
-            </a:extLst>
-          </a:blip>
-          <a:stretch>
-            <a:fillRect/>
-          </a:stretch>
-        </p:blipFill>
-        <p:spPr>
-          <a:xfrm>
-            <a:off x="1333500" y="600075"/>
-            <a:ext cx="8112057" cy="4818562"/>
-          </a:xfrm>
-          <a:prstGeom prst="rect">
-            <a:avLst/>
-          </a:prstGeom>
-        </p:spPr>
-      </p:pic>
-      <p:sp>
-        <p:nvSpPr>
-          <p:cNvPr id="6" name="TextBox 5"/>
-          <p:cNvSpPr txBox="1"/>
-          <p:nvPr/>
-        </p:nvSpPr>
-        <p:spPr>
-          <a:xfrm>
-            <a:off x="7622030" y="2533343"/>
-            <a:ext cx="4494179" cy="1200329"/>
-          </a:xfrm>
-          <a:prstGeom prst="rect">
-            <a:avLst/>
-          </a:prstGeom>
-          <a:noFill/>
-        </p:spPr>
-        <p:txBody>
-          <a:bodyPr wrap="square" rtlCol="0">
-            <a:spAutoFit/>
-          </a:bodyPr>
-          <a:lstStyle/>
-          <a:p>
-            <a:r>
-              <a:rPr lang="en-US" altLang="ko-KR" dirty="0" smtClean="0"/>
-              <a:t>PCR </a:t>
-            </a:r>
-            <a:r>
-              <a:rPr lang="ko-KR" altLang="en-US" dirty="0" smtClean="0"/>
-              <a:t>로 분석 왜</a:t>
-            </a:r>
-            <a:r>
-              <a:rPr lang="en-US" altLang="ko-KR" dirty="0" smtClean="0"/>
-              <a:t>? </a:t>
-            </a:r>
-            <a:r>
-              <a:rPr lang="ko-KR" altLang="en-US" dirty="0" smtClean="0"/>
-              <a:t>양이 작으니까</a:t>
-            </a:r>
-            <a:endParaRPr lang="en-US" altLang="ko-KR" dirty="0" smtClean="0"/>
-          </a:p>
-          <a:p>
-            <a:endParaRPr lang="en-US" altLang="ko-KR" dirty="0"/>
-          </a:p>
-          <a:p>
-            <a:r>
-              <a:rPr lang="en-US" altLang="ko-KR" dirty="0" smtClean="0"/>
-              <a:t>qPCR or </a:t>
-            </a:r>
-            <a:r>
-              <a:rPr lang="en-US" altLang="ko-KR" dirty="0" err="1" smtClean="0"/>
-              <a:t>dPCR</a:t>
-            </a:r>
-            <a:r>
-              <a:rPr lang="en-US" altLang="ko-KR" dirty="0" smtClean="0"/>
-              <a:t> </a:t>
-            </a:r>
-            <a:r>
-              <a:rPr lang="ko-KR" altLang="en-US" dirty="0" smtClean="0"/>
-              <a:t>로 </a:t>
-            </a:r>
-            <a:r>
-              <a:rPr lang="ko-KR" altLang="en-US" dirty="0" smtClean="0"/>
-              <a:t>함</a:t>
-            </a:r>
-            <a:endParaRPr lang="en-US" altLang="ko-KR" dirty="0" smtClean="0"/>
-          </a:p>
-          <a:p>
-            <a:endParaRPr lang="ko-KR" altLang="en-US" dirty="0"/>
-          </a:p>
-        </p:txBody>
-      </p:sp>
-    </p:spTree>
-    <p:extLst>
-      <p:ext uri="{BB962C8B-B14F-4D97-AF65-F5344CB8AC3E}">
-        <p14:creationId xmlns:p14="http://schemas.microsoft.com/office/powerpoint/2010/main" val="3467827953"/>
-      </p:ext>
-    </p:extLst>
-  </p:cSld>
-  <p:clrMapOvr>
-    <a:masterClrMapping/>
-  </p:clrMapOvr>
-  <p:timing>
-    <p:tnLst>
-      <p:par>
-        <p:cTn id="1" dur="indefinite" restart="never" nodeType="tmRoot"/>
-      </p:par>
-    </p:tnLst>
-  </p:timing>
-</p:sld>
-</file>
-
-<file path=ppt/slides/slide7.xml><?xml version="1.0" encoding="utf-8"?>
-<p:sld xmlns:a="http://schemas.openxmlformats.org/drawingml/2006/main" xmlns:r="http://schemas.openxmlformats.org/officeDocument/2006/relationships" xmlns:p="http://schemas.openxmlformats.org/presentationml/2006/main">
-  <p:cSld>
-    <p:spTree>
-      <p:nvGrpSpPr>
-        <p:cNvPr id="1" name=""/>
-        <p:cNvGrpSpPr/>
-        <p:nvPr/>
-      </p:nvGrpSpPr>
-      <p:grpSpPr>
-        <a:xfrm>
-          <a:off x="0" y="0"/>
-          <a:ext cx="0" cy="0"/>
-          <a:chOff x="0" y="0"/>
-          <a:chExt cx="0" cy="0"/>
-        </a:xfrm>
-      </p:grpSpPr>
-      <p:sp>
-        <p:nvSpPr>
-          <p:cNvPr id="2" name="슬라이드 번호 개체 틀 1">
-            <a:extLst>
-              <a:ext uri="{FF2B5EF4-FFF2-40B4-BE49-F238E27FC236}">
-                <a16:creationId xmlns:a16="http://schemas.microsoft.com/office/drawing/2014/main" id="{60AA639D-4C37-403F-9522-62E6EBAC3010}"/>
-              </a:ext>
-            </a:extLst>
-          </p:cNvPr>
-          <p:cNvSpPr>
-            <a:spLocks noGrp="1"/>
-          </p:cNvSpPr>
-          <p:nvPr>
-            <p:ph type="sldNum" sz="quarter" idx="12"/>
-          </p:nvPr>
-        </p:nvSpPr>
-        <p:spPr/>
-        <p:txBody>
-          <a:bodyPr/>
-          <a:lstStyle/>
-          <a:p>
-            <a:fld id="{4EA9F97B-3BCE-4CBD-BEBA-B8BB42B88A80}" type="slidenum">
-              <a:rPr lang="ko-KR" altLang="en-US" smtClean="0">
-                <a:latin typeface="Century Gothic" panose="020B0502020202020204" pitchFamily="34" charset="0"/>
-              </a:rPr>
-              <a:t>7</a:t>
-            </a:fld>
-            <a:endParaRPr lang="ko-KR" altLang="en-US">
-              <a:latin typeface="Century Gothic" panose="020B0502020202020204" pitchFamily="34" charset="0"/>
-            </a:endParaRPr>
-          </a:p>
-        </p:txBody>
-      </p:sp>
-      <p:sp>
-        <p:nvSpPr>
-          <p:cNvPr id="18" name="TextBox 17">
-            <a:extLst>
-              <a:ext uri="{FF2B5EF4-FFF2-40B4-BE49-F238E27FC236}">
-                <a16:creationId xmlns:a16="http://schemas.microsoft.com/office/drawing/2014/main" id="{2B4CCFD3-60B6-49AA-8D71-37F82844AFB6}"/>
-              </a:ext>
-            </a:extLst>
-          </p:cNvPr>
-          <p:cNvSpPr txBox="1"/>
-          <p:nvPr/>
-        </p:nvSpPr>
-        <p:spPr>
-          <a:xfrm>
-            <a:off x="9151269" y="6369635"/>
-            <a:ext cx="1661861" cy="338554"/>
-          </a:xfrm>
-          <a:prstGeom prst="rect">
-            <a:avLst/>
-          </a:prstGeom>
-          <a:solidFill>
-            <a:schemeClr val="accent2"/>
-          </a:solidFill>
-        </p:spPr>
-        <p:txBody>
-          <a:bodyPr wrap="square" rtlCol="0">
-            <a:spAutoFit/>
-          </a:bodyPr>
-          <a:lstStyle/>
-          <a:p>
-            <a:r>
-              <a:rPr lang="en-US" altLang="ko-KR" sz="1600" dirty="0">
-                <a:solidFill>
-                  <a:schemeClr val="bg1"/>
-                </a:solidFill>
-                <a:latin typeface="Century Gothic" panose="020B0502020202020204" pitchFamily="34" charset="0"/>
-                <a:cs typeface="Arial" panose="020B0604020202020204" pitchFamily="34" charset="0"/>
-              </a:rPr>
-              <a:t>CONFIDENTIAL</a:t>
-            </a:r>
-            <a:endParaRPr lang="ko-KR" altLang="en-US" sz="1600" dirty="0">
-              <a:solidFill>
-                <a:schemeClr val="bg1"/>
-              </a:solidFill>
-              <a:latin typeface="Century Gothic" panose="020B0502020202020204" pitchFamily="34" charset="0"/>
-              <a:cs typeface="Arial" panose="020B0604020202020204" pitchFamily="34" charset="0"/>
-            </a:endParaRPr>
-          </a:p>
-        </p:txBody>
-      </p:sp>
-      <p:pic>
-        <p:nvPicPr>
-          <p:cNvPr id="27" name="그림 26">
-            <a:extLst>
-              <a:ext uri="{FF2B5EF4-FFF2-40B4-BE49-F238E27FC236}">
-                <a16:creationId xmlns:a16="http://schemas.microsoft.com/office/drawing/2014/main" id="{6016E56F-A47A-4A2D-BF78-2D5556BA4E3E}"/>
-              </a:ext>
-            </a:extLst>
-          </p:cNvPr>
-          <p:cNvPicPr>
-            <a:picLocks noChangeAspect="1"/>
-          </p:cNvPicPr>
-          <p:nvPr/>
-        </p:nvPicPr>
-        <p:blipFill>
-          <a:blip r:embed="rId2" cstate="print">
-            <a:extLst>
-              <a:ext uri="{28A0092B-C50C-407E-A947-70E740481C1C}">
-                <a14:useLocalDpi xmlns:a14="http://schemas.microsoft.com/office/drawing/2010/main" val="0"/>
-              </a:ext>
-            </a:extLst>
-          </a:blip>
-          <a:stretch>
-            <a:fillRect/>
-          </a:stretch>
-        </p:blipFill>
-        <p:spPr>
-          <a:xfrm>
-            <a:off x="838200" y="6438121"/>
-            <a:ext cx="1106541" cy="201581"/>
-          </a:xfrm>
-          <a:prstGeom prst="rect">
-            <a:avLst/>
-          </a:prstGeom>
-        </p:spPr>
-      </p:pic>
-      <p:cxnSp>
-        <p:nvCxnSpPr>
-          <p:cNvPr id="34" name="직선 연결선 33">
-            <a:extLst>
-              <a:ext uri="{FF2B5EF4-FFF2-40B4-BE49-F238E27FC236}">
-                <a16:creationId xmlns:a16="http://schemas.microsoft.com/office/drawing/2014/main" id="{9B051A9E-2E72-408D-8625-B19A5790FCCE}"/>
-              </a:ext>
-            </a:extLst>
-          </p:cNvPr>
-          <p:cNvCxnSpPr>
-            <a:cxnSpLocks/>
-          </p:cNvCxnSpPr>
-          <p:nvPr/>
-        </p:nvCxnSpPr>
-        <p:spPr>
-          <a:xfrm>
-            <a:off x="909937" y="655251"/>
-            <a:ext cx="10443863" cy="0"/>
-          </a:xfrm>
-          <a:prstGeom prst="line">
-            <a:avLst/>
-          </a:prstGeom>
-          <a:ln w="6350">
-            <a:solidFill>
-              <a:schemeClr val="tx1"/>
-            </a:solidFill>
-          </a:ln>
-        </p:spPr>
-        <p:style>
-          <a:lnRef idx="1">
-            <a:schemeClr val="accent1"/>
-          </a:lnRef>
-          <a:fillRef idx="0">
-            <a:schemeClr val="accent1"/>
-          </a:fillRef>
-          <a:effectRef idx="0">
-            <a:schemeClr val="accent1"/>
-          </a:effectRef>
-          <a:fontRef idx="minor">
-            <a:schemeClr val="tx1"/>
-          </a:fontRef>
-        </p:style>
-      </p:cxnSp>
-      <p:cxnSp>
-        <p:nvCxnSpPr>
-          <p:cNvPr id="35" name="직선 연결선 34">
-            <a:extLst>
-              <a:ext uri="{FF2B5EF4-FFF2-40B4-BE49-F238E27FC236}">
-                <a16:creationId xmlns:a16="http://schemas.microsoft.com/office/drawing/2014/main" id="{8CD1D560-4989-4F2A-94B1-B1AB7E9F7A8E}"/>
-              </a:ext>
-            </a:extLst>
-          </p:cNvPr>
-          <p:cNvCxnSpPr>
-            <a:cxnSpLocks/>
-          </p:cNvCxnSpPr>
-          <p:nvPr/>
-        </p:nvCxnSpPr>
-        <p:spPr>
-          <a:xfrm>
-            <a:off x="838200" y="6258095"/>
-            <a:ext cx="10515600" cy="0"/>
-          </a:xfrm>
-          <a:prstGeom prst="line">
-            <a:avLst/>
-          </a:prstGeom>
-          <a:ln w="6350">
-            <a:solidFill>
-              <a:schemeClr val="tx1"/>
-            </a:solidFill>
-          </a:ln>
-        </p:spPr>
-        <p:style>
-          <a:lnRef idx="1">
-            <a:schemeClr val="accent1"/>
-          </a:lnRef>
-          <a:fillRef idx="0">
-            <a:schemeClr val="accent1"/>
-          </a:fillRef>
-          <a:effectRef idx="0">
-            <a:schemeClr val="accent1"/>
-          </a:effectRef>
-          <a:fontRef idx="minor">
-            <a:schemeClr val="tx1"/>
-          </a:fontRef>
-        </p:style>
-      </p:cxnSp>
-      <p:sp>
-        <p:nvSpPr>
-          <p:cNvPr id="8" name="TextBox 7">
-            <a:extLst>
-              <a:ext uri="{FF2B5EF4-FFF2-40B4-BE49-F238E27FC236}">
-                <a16:creationId xmlns:a16="http://schemas.microsoft.com/office/drawing/2014/main" id="{F8B465D6-7168-490E-A194-31EF06762E2E}"/>
-              </a:ext>
-            </a:extLst>
-          </p:cNvPr>
-          <p:cNvSpPr txBox="1"/>
-          <p:nvPr/>
-        </p:nvSpPr>
-        <p:spPr>
-          <a:xfrm>
-            <a:off x="838199" y="140558"/>
-            <a:ext cx="5307623" cy="584775"/>
-          </a:xfrm>
-          <a:prstGeom prst="rect">
-            <a:avLst/>
-          </a:prstGeom>
-          <a:noFill/>
-        </p:spPr>
-        <p:txBody>
-          <a:bodyPr wrap="square" rtlCol="0">
-            <a:spAutoFit/>
-          </a:bodyPr>
-          <a:lstStyle/>
-          <a:p>
-            <a:r>
-              <a:rPr lang="en-US" altLang="ko-KR" sz="3200" b="1" dirty="0" smtClean="0">
-                <a:latin typeface="Century Gothic" panose="020B0502020202020204" pitchFamily="34" charset="0"/>
-                <a:cs typeface="Arial" panose="020B0604020202020204" pitchFamily="34" charset="0"/>
-              </a:rPr>
-              <a:t>Output: Result</a:t>
-            </a:r>
-            <a:endParaRPr lang="ko-KR" altLang="en-US" sz="3200" b="1" dirty="0">
-              <a:latin typeface="Century Gothic" panose="020B0502020202020204" pitchFamily="34" charset="0"/>
-              <a:cs typeface="Arial" panose="020B0604020202020204" pitchFamily="34" charset="0"/>
-            </a:endParaRPr>
-          </a:p>
-        </p:txBody>
-      </p:sp>
-      <p:sp>
-        <p:nvSpPr>
-          <p:cNvPr id="4" name="TextBox 3"/>
-          <p:cNvSpPr txBox="1"/>
-          <p:nvPr/>
-        </p:nvSpPr>
-        <p:spPr>
-          <a:xfrm>
-            <a:off x="1028699" y="896815"/>
-            <a:ext cx="7599485" cy="369332"/>
-          </a:xfrm>
-          <a:prstGeom prst="rect">
-            <a:avLst/>
-          </a:prstGeom>
-          <a:noFill/>
-        </p:spPr>
-        <p:txBody>
-          <a:bodyPr wrap="square" rtlCol="0">
-            <a:spAutoFit/>
-          </a:bodyPr>
-          <a:lstStyle/>
-          <a:p>
-            <a:endParaRPr lang="ko-KR" altLang="en-US" dirty="0">
-              <a:latin typeface="Century Gothic" panose="020B0502020202020204" pitchFamily="34" charset="0"/>
-            </a:endParaRPr>
-          </a:p>
-        </p:txBody>
-      </p:sp>
-      <p:sp>
-        <p:nvSpPr>
-          <p:cNvPr id="10" name="직사각형 9"/>
-          <p:cNvSpPr/>
-          <p:nvPr/>
-        </p:nvSpPr>
-        <p:spPr>
-          <a:xfrm>
-            <a:off x="312066" y="5978777"/>
-            <a:ext cx="3009157" cy="369332"/>
-          </a:xfrm>
-          <a:prstGeom prst="rect">
-            <a:avLst/>
-          </a:prstGeom>
-        </p:spPr>
-        <p:txBody>
-          <a:bodyPr wrap="none">
-            <a:spAutoFit/>
-          </a:bodyPr>
-          <a:lstStyle/>
-          <a:p>
-            <a:r>
-              <a:rPr lang="ko-KR" altLang="en-US" sz="900" dirty="0">
-                <a:hlinkClick r:id="rId3"/>
-              </a:rPr>
-              <a:t>https://</a:t>
-            </a:r>
-            <a:r>
-              <a:rPr lang="ko-KR" altLang="en-US" sz="900" dirty="0" smtClean="0">
-                <a:hlinkClick r:id="rId3"/>
-              </a:rPr>
-              <a:t>en.oxforddictionaries.com/definition/all-in-one</a:t>
-            </a:r>
-            <a:endParaRPr lang="en-US" altLang="ko-KR" sz="900" dirty="0" smtClean="0"/>
-          </a:p>
-          <a:p>
-            <a:endParaRPr lang="ko-KR" altLang="en-US" sz="900" dirty="0"/>
-          </a:p>
-        </p:txBody>
-      </p:sp>
-      <p:pic>
-        <p:nvPicPr>
-          <p:cNvPr id="11" name="그림 10"/>
-          <p:cNvPicPr>
-            <a:picLocks noChangeAspect="1"/>
-          </p:cNvPicPr>
-          <p:nvPr/>
-        </p:nvPicPr>
-        <p:blipFill>
-          <a:blip r:embed="rId4"/>
-          <a:stretch>
-            <a:fillRect/>
-          </a:stretch>
-        </p:blipFill>
-        <p:spPr>
-          <a:xfrm>
-            <a:off x="1219988" y="1585069"/>
-            <a:ext cx="1449505" cy="1426497"/>
-          </a:xfrm>
-          <a:prstGeom prst="rect">
-            <a:avLst/>
-          </a:prstGeom>
-        </p:spPr>
-      </p:pic>
-      <p:sp>
-        <p:nvSpPr>
-          <p:cNvPr id="6" name="TextBox 5"/>
-          <p:cNvSpPr txBox="1"/>
-          <p:nvPr/>
-        </p:nvSpPr>
-        <p:spPr>
-          <a:xfrm>
-            <a:off x="3871609" y="1040860"/>
-            <a:ext cx="5963055" cy="646331"/>
-          </a:xfrm>
-          <a:prstGeom prst="rect">
-            <a:avLst/>
-          </a:prstGeom>
-          <a:noFill/>
-        </p:spPr>
-        <p:txBody>
-          <a:bodyPr wrap="square" rtlCol="0">
-            <a:spAutoFit/>
-          </a:bodyPr>
-          <a:lstStyle/>
-          <a:p>
-            <a:r>
-              <a:rPr lang="ko-KR" altLang="en-US" dirty="0" smtClean="0"/>
-              <a:t>정</a:t>
-            </a:r>
-            <a:r>
-              <a:rPr lang="ko-KR" altLang="en-US" dirty="0"/>
-              <a:t>성</a:t>
-            </a:r>
-            <a:r>
-              <a:rPr lang="ko-KR" altLang="en-US" dirty="0" smtClean="0"/>
-              <a:t> 분석 </a:t>
-            </a:r>
-            <a:r>
-              <a:rPr lang="en-US" altLang="ko-KR" dirty="0" smtClean="0"/>
-              <a:t>(Quality) – </a:t>
-            </a:r>
-            <a:r>
-              <a:rPr lang="ko-KR" altLang="en-US" dirty="0" smtClean="0"/>
-              <a:t>있다 없다</a:t>
-            </a:r>
-            <a:endParaRPr lang="en-US" altLang="ko-KR" dirty="0" smtClean="0"/>
-          </a:p>
-          <a:p>
-            <a:r>
-              <a:rPr lang="ko-KR" altLang="en-US" dirty="0" smtClean="0"/>
-              <a:t>정량 분석 </a:t>
-            </a:r>
-            <a:r>
-              <a:rPr lang="en-US" altLang="ko-KR" dirty="0" smtClean="0"/>
-              <a:t>(Quantity) – </a:t>
-            </a:r>
-            <a:r>
-              <a:rPr lang="ko-KR" altLang="en-US" dirty="0" smtClean="0"/>
-              <a:t>얼마나 있다 </a:t>
-            </a:r>
-            <a:endParaRPr lang="ko-KR" altLang="en-US" dirty="0"/>
-          </a:p>
-        </p:txBody>
-      </p:sp>
-    </p:spTree>
-    <p:extLst>
-      <p:ext uri="{BB962C8B-B14F-4D97-AF65-F5344CB8AC3E}">
-        <p14:creationId xmlns:p14="http://schemas.microsoft.com/office/powerpoint/2010/main" val="864444716"/>
-      </p:ext>
-    </p:extLst>
-  </p:cSld>
-  <p:clrMapOvr>
-    <a:masterClrMapping/>
-  </p:clrMapOvr>
-  <p:timing>
-    <p:tnLst>
-      <p:par>
-        <p:cTn id="1" dur="indefinite" restart="never" nodeType="tmRoot"/>
-      </p:par>
-    </p:tnLst>
-  </p:timing>
-</p:sld>
-</file>
-
-<file path=ppt/slides/slide8.xml><?xml version="1.0" encoding="utf-8"?>
-<p:sld xmlns:a="http://schemas.openxmlformats.org/drawingml/2006/main" xmlns:r="http://schemas.openxmlformats.org/officeDocument/2006/relationships" xmlns:p="http://schemas.openxmlformats.org/presentationml/2006/main">
-  <p:cSld>
-    <p:spTree>
-      <p:nvGrpSpPr>
-        <p:cNvPr id="1" name=""/>
-        <p:cNvGrpSpPr/>
-        <p:nvPr/>
-      </p:nvGrpSpPr>
-      <p:grpSpPr>
-        <a:xfrm>
-          <a:off x="0" y="0"/>
-          <a:ext cx="0" cy="0"/>
-          <a:chOff x="0" y="0"/>
-          <a:chExt cx="0" cy="0"/>
-        </a:xfrm>
-      </p:grpSpPr>
-      <p:sp>
-        <p:nvSpPr>
-          <p:cNvPr id="2" name="슬라이드 번호 개체 틀 1">
-            <a:extLst>
-              <a:ext uri="{FF2B5EF4-FFF2-40B4-BE49-F238E27FC236}">
-                <a16:creationId xmlns:a16="http://schemas.microsoft.com/office/drawing/2014/main" id="{60AA639D-4C37-403F-9522-62E6EBAC3010}"/>
-              </a:ext>
-            </a:extLst>
-          </p:cNvPr>
-          <p:cNvSpPr>
-            <a:spLocks noGrp="1"/>
-          </p:cNvSpPr>
-          <p:nvPr>
-            <p:ph type="sldNum" sz="quarter" idx="12"/>
-          </p:nvPr>
-        </p:nvSpPr>
-        <p:spPr/>
-        <p:txBody>
-          <a:bodyPr/>
-          <a:lstStyle/>
-          <a:p>
-            <a:fld id="{4EA9F97B-3BCE-4CBD-BEBA-B8BB42B88A80}" type="slidenum">
-              <a:rPr lang="ko-KR" altLang="en-US" smtClean="0">
-                <a:latin typeface="Century Gothic" panose="020B0502020202020204" pitchFamily="34" charset="0"/>
-              </a:rPr>
-              <a:t>8</a:t>
-            </a:fld>
-            <a:endParaRPr lang="ko-KR" altLang="en-US">
-              <a:latin typeface="Century Gothic" panose="020B0502020202020204" pitchFamily="34" charset="0"/>
-            </a:endParaRPr>
-          </a:p>
-        </p:txBody>
-      </p:sp>
-      <p:sp>
-        <p:nvSpPr>
-          <p:cNvPr id="18" name="TextBox 17">
-            <a:extLst>
-              <a:ext uri="{FF2B5EF4-FFF2-40B4-BE49-F238E27FC236}">
-                <a16:creationId xmlns:a16="http://schemas.microsoft.com/office/drawing/2014/main" id="{2B4CCFD3-60B6-49AA-8D71-37F82844AFB6}"/>
-              </a:ext>
-            </a:extLst>
-          </p:cNvPr>
-          <p:cNvSpPr txBox="1"/>
-          <p:nvPr/>
-        </p:nvSpPr>
-        <p:spPr>
-          <a:xfrm>
-            <a:off x="9151269" y="6369635"/>
-            <a:ext cx="1661861" cy="338554"/>
-          </a:xfrm>
-          <a:prstGeom prst="rect">
-            <a:avLst/>
-          </a:prstGeom>
-          <a:solidFill>
-            <a:schemeClr val="accent2"/>
-          </a:solidFill>
-        </p:spPr>
-        <p:txBody>
-          <a:bodyPr wrap="square" rtlCol="0">
-            <a:spAutoFit/>
-          </a:bodyPr>
-          <a:lstStyle/>
-          <a:p>
-            <a:r>
-              <a:rPr lang="en-US" altLang="ko-KR" sz="1600" dirty="0">
-                <a:solidFill>
-                  <a:schemeClr val="bg1"/>
-                </a:solidFill>
-                <a:latin typeface="Century Gothic" panose="020B0502020202020204" pitchFamily="34" charset="0"/>
-                <a:cs typeface="Arial" panose="020B0604020202020204" pitchFamily="34" charset="0"/>
-              </a:rPr>
-              <a:t>CONFIDENTIAL</a:t>
-            </a:r>
-            <a:endParaRPr lang="ko-KR" altLang="en-US" sz="1600" dirty="0">
-              <a:solidFill>
-                <a:schemeClr val="bg1"/>
-              </a:solidFill>
-              <a:latin typeface="Century Gothic" panose="020B0502020202020204" pitchFamily="34" charset="0"/>
-              <a:cs typeface="Arial" panose="020B0604020202020204" pitchFamily="34" charset="0"/>
-            </a:endParaRPr>
-          </a:p>
-        </p:txBody>
-      </p:sp>
-      <p:pic>
-        <p:nvPicPr>
-          <p:cNvPr id="27" name="그림 26">
-            <a:extLst>
-              <a:ext uri="{FF2B5EF4-FFF2-40B4-BE49-F238E27FC236}">
-                <a16:creationId xmlns:a16="http://schemas.microsoft.com/office/drawing/2014/main" id="{6016E56F-A47A-4A2D-BF78-2D5556BA4E3E}"/>
-              </a:ext>
-            </a:extLst>
-          </p:cNvPr>
-          <p:cNvPicPr>
-            <a:picLocks noChangeAspect="1"/>
-          </p:cNvPicPr>
-          <p:nvPr/>
-        </p:nvPicPr>
-        <p:blipFill>
-          <a:blip r:embed="rId2" cstate="print">
-            <a:extLst>
-              <a:ext uri="{28A0092B-C50C-407E-A947-70E740481C1C}">
-                <a14:useLocalDpi xmlns:a14="http://schemas.microsoft.com/office/drawing/2010/main" val="0"/>
-              </a:ext>
-            </a:extLst>
-          </a:blip>
-          <a:stretch>
-            <a:fillRect/>
-          </a:stretch>
-        </p:blipFill>
-        <p:spPr>
-          <a:xfrm>
-            <a:off x="838200" y="6438121"/>
-            <a:ext cx="1106541" cy="201581"/>
-          </a:xfrm>
-          <a:prstGeom prst="rect">
-            <a:avLst/>
-          </a:prstGeom>
-        </p:spPr>
-      </p:pic>
-      <p:cxnSp>
-        <p:nvCxnSpPr>
-          <p:cNvPr id="34" name="직선 연결선 33">
-            <a:extLst>
-              <a:ext uri="{FF2B5EF4-FFF2-40B4-BE49-F238E27FC236}">
-                <a16:creationId xmlns:a16="http://schemas.microsoft.com/office/drawing/2014/main" id="{9B051A9E-2E72-408D-8625-B19A5790FCCE}"/>
-              </a:ext>
-            </a:extLst>
-          </p:cNvPr>
-          <p:cNvCxnSpPr>
-            <a:cxnSpLocks/>
-          </p:cNvCxnSpPr>
-          <p:nvPr/>
-        </p:nvCxnSpPr>
-        <p:spPr>
-          <a:xfrm>
-            <a:off x="909937" y="655251"/>
-            <a:ext cx="10443863" cy="0"/>
-          </a:xfrm>
-          <a:prstGeom prst="line">
-            <a:avLst/>
-          </a:prstGeom>
-          <a:ln w="6350">
-            <a:solidFill>
-              <a:schemeClr val="tx1"/>
-            </a:solidFill>
-          </a:ln>
-        </p:spPr>
-        <p:style>
-          <a:lnRef idx="1">
-            <a:schemeClr val="accent1"/>
-          </a:lnRef>
-          <a:fillRef idx="0">
-            <a:schemeClr val="accent1"/>
-          </a:fillRef>
-          <a:effectRef idx="0">
-            <a:schemeClr val="accent1"/>
-          </a:effectRef>
-          <a:fontRef idx="minor">
-            <a:schemeClr val="tx1"/>
-          </a:fontRef>
-        </p:style>
-      </p:cxnSp>
-      <p:cxnSp>
-        <p:nvCxnSpPr>
-          <p:cNvPr id="35" name="직선 연결선 34">
-            <a:extLst>
-              <a:ext uri="{FF2B5EF4-FFF2-40B4-BE49-F238E27FC236}">
-                <a16:creationId xmlns:a16="http://schemas.microsoft.com/office/drawing/2014/main" id="{8CD1D560-4989-4F2A-94B1-B1AB7E9F7A8E}"/>
-              </a:ext>
-            </a:extLst>
-          </p:cNvPr>
-          <p:cNvCxnSpPr>
-            <a:cxnSpLocks/>
-          </p:cNvCxnSpPr>
-          <p:nvPr/>
-        </p:nvCxnSpPr>
-        <p:spPr>
-          <a:xfrm>
-            <a:off x="838200" y="6258095"/>
-            <a:ext cx="10515600" cy="0"/>
-          </a:xfrm>
-          <a:prstGeom prst="line">
-            <a:avLst/>
-          </a:prstGeom>
-          <a:ln w="6350">
-            <a:solidFill>
-              <a:schemeClr val="tx1"/>
-            </a:solidFill>
-          </a:ln>
-        </p:spPr>
-        <p:style>
-          <a:lnRef idx="1">
-            <a:schemeClr val="accent1"/>
-          </a:lnRef>
-          <a:fillRef idx="0">
-            <a:schemeClr val="accent1"/>
-          </a:fillRef>
-          <a:effectRef idx="0">
-            <a:schemeClr val="accent1"/>
-          </a:effectRef>
-          <a:fontRef idx="minor">
-            <a:schemeClr val="tx1"/>
-          </a:fontRef>
-        </p:style>
-      </p:cxnSp>
-      <p:sp>
-        <p:nvSpPr>
-          <p:cNvPr id="8" name="TextBox 7">
-            <a:extLst>
-              <a:ext uri="{FF2B5EF4-FFF2-40B4-BE49-F238E27FC236}">
-                <a16:creationId xmlns:a16="http://schemas.microsoft.com/office/drawing/2014/main" id="{F8B465D6-7168-490E-A194-31EF06762E2E}"/>
-              </a:ext>
-            </a:extLst>
-          </p:cNvPr>
-          <p:cNvSpPr txBox="1"/>
-          <p:nvPr/>
-        </p:nvSpPr>
-        <p:spPr>
-          <a:xfrm>
-            <a:off x="838199" y="140558"/>
             <a:ext cx="8665724" cy="584775"/>
           </a:xfrm>
           <a:prstGeom prst="rect">
@@ -9266,15 +8437,26 @@
           <p:nvPr/>
         </p:nvPicPr>
         <p:blipFill>
-          <a:blip r:embed="rId4"/>
+          <a:blip r:embed="rId4">
+            <a:clrChange>
+              <a:clrFrom>
+                <a:srgbClr val="FAFAFA"/>
+              </a:clrFrom>
+              <a:clrTo>
+                <a:srgbClr val="FAFAFA">
+                  <a:alpha val="0"/>
+                </a:srgbClr>
+              </a:clrTo>
+            </a:clrChange>
+          </a:blip>
           <a:stretch>
             <a:fillRect/>
           </a:stretch>
         </p:blipFill>
         <p:spPr>
           <a:xfrm>
-            <a:off x="2821021" y="1130905"/>
-            <a:ext cx="2360629" cy="1844810"/>
+            <a:off x="2982375" y="1178442"/>
+            <a:ext cx="1404290" cy="1097440"/>
           </a:xfrm>
           <a:prstGeom prst="rect">
             <a:avLst/>
@@ -9290,7 +8472,18 @@
           <p:nvPr/>
         </p:nvPicPr>
         <p:blipFill>
-          <a:blip r:embed="rId5"/>
+          <a:blip r:embed="rId5">
+            <a:clrChange>
+              <a:clrFrom>
+                <a:srgbClr val="FAFAFA"/>
+              </a:clrFrom>
+              <a:clrTo>
+                <a:srgbClr val="FAFAFA">
+                  <a:alpha val="0"/>
+                </a:srgbClr>
+              </a:clrTo>
+            </a:clrChange>
+          </a:blip>
           <a:stretch>
             <a:fillRect/>
           </a:stretch>
@@ -9314,7 +8507,18 @@
           <p:nvPr/>
         </p:nvPicPr>
         <p:blipFill>
-          <a:blip r:embed="rId6"/>
+          <a:blip r:embed="rId6">
+            <a:clrChange>
+              <a:clrFrom>
+                <a:srgbClr val="FAFAFA"/>
+              </a:clrFrom>
+              <a:clrTo>
+                <a:srgbClr val="FAFAFA">
+                  <a:alpha val="0"/>
+                </a:srgbClr>
+              </a:clrTo>
+            </a:clrChange>
+          </a:blip>
           <a:stretch>
             <a:fillRect/>
           </a:stretch>
@@ -9322,7 +8526,7 @@
         <p:spPr>
           <a:xfrm>
             <a:off x="1028699" y="1169945"/>
-            <a:ext cx="1356984" cy="1716310"/>
+            <a:ext cx="986672" cy="1247940"/>
           </a:xfrm>
           <a:prstGeom prst="rect">
             <a:avLst/>
@@ -9338,7 +8542,18 @@
           <p:nvPr/>
         </p:nvPicPr>
         <p:blipFill>
-          <a:blip r:embed="rId7"/>
+          <a:blip r:embed="rId7">
+            <a:clrChange>
+              <a:clrFrom>
+                <a:srgbClr val="FAFAFA"/>
+              </a:clrFrom>
+              <a:clrTo>
+                <a:srgbClr val="FAFAFA">
+                  <a:alpha val="0"/>
+                </a:srgbClr>
+              </a:clrTo>
+            </a:clrChange>
+          </a:blip>
           <a:stretch>
             <a:fillRect/>
           </a:stretch>
@@ -9362,7 +8577,18 @@
           <p:nvPr/>
         </p:nvPicPr>
         <p:blipFill>
-          <a:blip r:embed="rId8"/>
+          <a:blip r:embed="rId8">
+            <a:clrChange>
+              <a:clrFrom>
+                <a:srgbClr val="FAFAFA"/>
+              </a:clrFrom>
+              <a:clrTo>
+                <a:srgbClr val="FAFAFA">
+                  <a:alpha val="0"/>
+                </a:srgbClr>
+              </a:clrTo>
+            </a:clrChange>
+          </a:blip>
           <a:stretch>
             <a:fillRect/>
           </a:stretch>
@@ -9386,7 +8612,18 @@
           <p:nvPr/>
         </p:nvPicPr>
         <p:blipFill>
-          <a:blip r:embed="rId9"/>
+          <a:blip r:embed="rId9">
+            <a:clrChange>
+              <a:clrFrom>
+                <a:srgbClr val="FAFAFA"/>
+              </a:clrFrom>
+              <a:clrTo>
+                <a:srgbClr val="FAFAFA">
+                  <a:alpha val="0"/>
+                </a:srgbClr>
+              </a:clrTo>
+            </a:clrChange>
+          </a:blip>
           <a:stretch>
             <a:fillRect/>
           </a:stretch>
@@ -9395,6 +8632,90 @@
           <a:xfrm>
             <a:off x="7265729" y="1010849"/>
             <a:ext cx="1407748" cy="2209771"/>
+          </a:xfrm>
+          <a:prstGeom prst="rect">
+            <a:avLst/>
+          </a:prstGeom>
+        </p:spPr>
+      </p:pic>
+      <p:sp>
+        <p:nvSpPr>
+          <p:cNvPr id="11" name="TextBox 10"/>
+          <p:cNvSpPr txBox="1"/>
+          <p:nvPr/>
+        </p:nvSpPr>
+        <p:spPr>
+          <a:xfrm>
+            <a:off x="9689123" y="1626577"/>
+            <a:ext cx="1894749" cy="1200329"/>
+          </a:xfrm>
+          <a:prstGeom prst="rect">
+            <a:avLst/>
+          </a:prstGeom>
+          <a:noFill/>
+        </p:spPr>
+        <p:txBody>
+          <a:bodyPr wrap="none" rtlCol="0">
+            <a:spAutoFit/>
+          </a:bodyPr>
+          <a:lstStyle/>
+          <a:p>
+            <a:r>
+              <a:rPr lang="en-US" altLang="ko-KR" dirty="0" err="1" smtClean="0"/>
+              <a:t>Acutuator</a:t>
+            </a:r>
+            <a:endParaRPr lang="en-US" altLang="ko-KR" dirty="0" smtClean="0"/>
+          </a:p>
+          <a:p>
+            <a:r>
+              <a:rPr lang="en-US" altLang="ko-KR" dirty="0" smtClean="0"/>
+              <a:t>Valve</a:t>
+            </a:r>
+          </a:p>
+          <a:p>
+            <a:r>
+              <a:rPr lang="en-US" altLang="ko-KR" dirty="0" smtClean="0"/>
+              <a:t>Reservoir</a:t>
+            </a:r>
+          </a:p>
+          <a:p>
+            <a:r>
+              <a:rPr lang="en-US" altLang="ko-KR" dirty="0" smtClean="0"/>
+              <a:t>Mixer (chamber)</a:t>
+            </a:r>
+            <a:endParaRPr lang="ko-KR" altLang="en-US" dirty="0"/>
+          </a:p>
+        </p:txBody>
+      </p:sp>
+      <p:pic>
+        <p:nvPicPr>
+          <p:cNvPr id="12" name="그림 11"/>
+          <p:cNvPicPr>
+            <a:picLocks noChangeAspect="1"/>
+          </p:cNvPicPr>
+          <p:nvPr/>
+        </p:nvPicPr>
+        <p:blipFill>
+          <a:blip r:embed="rId10">
+            <a:clrChange>
+              <a:clrFrom>
+                <a:srgbClr val="FAFAFA"/>
+              </a:clrFrom>
+              <a:clrTo>
+                <a:srgbClr val="FAFAFA">
+                  <a:alpha val="0"/>
+                </a:srgbClr>
+              </a:clrTo>
+            </a:clrChange>
+          </a:blip>
+          <a:stretch>
+            <a:fillRect/>
+          </a:stretch>
+        </p:blipFill>
+        <p:spPr>
+          <a:xfrm>
+            <a:off x="3299104" y="2861766"/>
+            <a:ext cx="1381454" cy="1516344"/>
           </a:xfrm>
           <a:prstGeom prst="rect">
             <a:avLst/>
@@ -9421,8 +8742,957 @@
 </p:sld>
 </file>
 
+<file path=ppt/slides/slide7.xml><?xml version="1.0" encoding="utf-8"?>
+<p:sld xmlns:a="http://schemas.openxmlformats.org/drawingml/2006/main" xmlns:r="http://schemas.openxmlformats.org/officeDocument/2006/relationships" xmlns:p="http://schemas.openxmlformats.org/presentationml/2006/main" showMasterSp="0">
+  <p:cSld>
+    <p:spTree>
+      <p:nvGrpSpPr>
+        <p:cNvPr id="1" name=""/>
+        <p:cNvGrpSpPr/>
+        <p:nvPr/>
+      </p:nvGrpSpPr>
+      <p:grpSpPr>
+        <a:xfrm>
+          <a:off x="0" y="0"/>
+          <a:ext cx="0" cy="0"/>
+          <a:chOff x="0" y="0"/>
+          <a:chExt cx="0" cy="0"/>
+        </a:xfrm>
+      </p:grpSpPr>
+      <p:sp>
+        <p:nvSpPr>
+          <p:cNvPr id="2" name="슬라이드 번호 개체 틀 1">
+            <a:extLst>
+              <a:ext uri="{FF2B5EF4-FFF2-40B4-BE49-F238E27FC236}">
+                <a16:creationId xmlns:a16="http://schemas.microsoft.com/office/drawing/2014/main" id="{60AA639D-4C37-403F-9522-62E6EBAC3010}"/>
+              </a:ext>
+            </a:extLst>
+          </p:cNvPr>
+          <p:cNvSpPr>
+            <a:spLocks noGrp="1"/>
+          </p:cNvSpPr>
+          <p:nvPr>
+            <p:ph type="sldNum" sz="quarter" idx="12"/>
+          </p:nvPr>
+        </p:nvSpPr>
+        <p:spPr/>
+        <p:txBody>
+          <a:bodyPr/>
+          <a:lstStyle/>
+          <a:p>
+            <a:fld id="{4EA9F97B-3BCE-4CBD-BEBA-B8BB42B88A80}" type="slidenum">
+              <a:rPr lang="ko-KR" altLang="en-US" smtClean="0">
+                <a:latin typeface="Century Gothic" panose="020B0502020202020204" pitchFamily="34" charset="0"/>
+              </a:rPr>
+              <a:t>7</a:t>
+            </a:fld>
+            <a:endParaRPr lang="ko-KR" altLang="en-US">
+              <a:latin typeface="Century Gothic" panose="020B0502020202020204" pitchFamily="34" charset="0"/>
+            </a:endParaRPr>
+          </a:p>
+        </p:txBody>
+      </p:sp>
+      <p:sp>
+        <p:nvSpPr>
+          <p:cNvPr id="18" name="TextBox 17">
+            <a:extLst>
+              <a:ext uri="{FF2B5EF4-FFF2-40B4-BE49-F238E27FC236}">
+                <a16:creationId xmlns:a16="http://schemas.microsoft.com/office/drawing/2014/main" id="{2B4CCFD3-60B6-49AA-8D71-37F82844AFB6}"/>
+              </a:ext>
+            </a:extLst>
+          </p:cNvPr>
+          <p:cNvSpPr txBox="1"/>
+          <p:nvPr/>
+        </p:nvSpPr>
+        <p:spPr>
+          <a:xfrm>
+            <a:off x="9151269" y="6369635"/>
+            <a:ext cx="1661861" cy="338554"/>
+          </a:xfrm>
+          <a:prstGeom prst="rect">
+            <a:avLst/>
+          </a:prstGeom>
+          <a:solidFill>
+            <a:schemeClr val="accent2"/>
+          </a:solidFill>
+        </p:spPr>
+        <p:txBody>
+          <a:bodyPr wrap="square" rtlCol="0">
+            <a:spAutoFit/>
+          </a:bodyPr>
+          <a:lstStyle/>
+          <a:p>
+            <a:r>
+              <a:rPr lang="en-US" altLang="ko-KR" sz="1600" dirty="0">
+                <a:solidFill>
+                  <a:schemeClr val="bg1"/>
+                </a:solidFill>
+                <a:latin typeface="Century Gothic" panose="020B0502020202020204" pitchFamily="34" charset="0"/>
+                <a:cs typeface="Arial" panose="020B0604020202020204" pitchFamily="34" charset="0"/>
+              </a:rPr>
+              <a:t>CONFIDENTIAL</a:t>
+            </a:r>
+            <a:endParaRPr lang="ko-KR" altLang="en-US" sz="1600" dirty="0">
+              <a:solidFill>
+                <a:schemeClr val="bg1"/>
+              </a:solidFill>
+              <a:latin typeface="Century Gothic" panose="020B0502020202020204" pitchFamily="34" charset="0"/>
+              <a:cs typeface="Arial" panose="020B0604020202020204" pitchFamily="34" charset="0"/>
+            </a:endParaRPr>
+          </a:p>
+        </p:txBody>
+      </p:sp>
+      <p:pic>
+        <p:nvPicPr>
+          <p:cNvPr id="27" name="그림 26">
+            <a:extLst>
+              <a:ext uri="{FF2B5EF4-FFF2-40B4-BE49-F238E27FC236}">
+                <a16:creationId xmlns:a16="http://schemas.microsoft.com/office/drawing/2014/main" id="{6016E56F-A47A-4A2D-BF78-2D5556BA4E3E}"/>
+              </a:ext>
+            </a:extLst>
+          </p:cNvPr>
+          <p:cNvPicPr>
+            <a:picLocks noChangeAspect="1"/>
+          </p:cNvPicPr>
+          <p:nvPr/>
+        </p:nvPicPr>
+        <p:blipFill>
+          <a:blip r:embed="rId2" cstate="print">
+            <a:extLst>
+              <a:ext uri="{28A0092B-C50C-407E-A947-70E740481C1C}">
+                <a14:useLocalDpi xmlns:a14="http://schemas.microsoft.com/office/drawing/2010/main" val="0"/>
+              </a:ext>
+            </a:extLst>
+          </a:blip>
+          <a:stretch>
+            <a:fillRect/>
+          </a:stretch>
+        </p:blipFill>
+        <p:spPr>
+          <a:xfrm>
+            <a:off x="838200" y="6438121"/>
+            <a:ext cx="1106541" cy="201581"/>
+          </a:xfrm>
+          <a:prstGeom prst="rect">
+            <a:avLst/>
+          </a:prstGeom>
+        </p:spPr>
+      </p:pic>
+      <p:cxnSp>
+        <p:nvCxnSpPr>
+          <p:cNvPr id="34" name="직선 연결선 33">
+            <a:extLst>
+              <a:ext uri="{FF2B5EF4-FFF2-40B4-BE49-F238E27FC236}">
+                <a16:creationId xmlns:a16="http://schemas.microsoft.com/office/drawing/2014/main" id="{9B051A9E-2E72-408D-8625-B19A5790FCCE}"/>
+              </a:ext>
+            </a:extLst>
+          </p:cNvPr>
+          <p:cNvCxnSpPr>
+            <a:cxnSpLocks/>
+          </p:cNvCxnSpPr>
+          <p:nvPr/>
+        </p:nvCxnSpPr>
+        <p:spPr>
+          <a:xfrm>
+            <a:off x="909937" y="655251"/>
+            <a:ext cx="10443863" cy="0"/>
+          </a:xfrm>
+          <a:prstGeom prst="line">
+            <a:avLst/>
+          </a:prstGeom>
+          <a:ln w="6350">
+            <a:solidFill>
+              <a:schemeClr val="tx1"/>
+            </a:solidFill>
+          </a:ln>
+        </p:spPr>
+        <p:style>
+          <a:lnRef idx="1">
+            <a:schemeClr val="accent1"/>
+          </a:lnRef>
+          <a:fillRef idx="0">
+            <a:schemeClr val="accent1"/>
+          </a:fillRef>
+          <a:effectRef idx="0">
+            <a:schemeClr val="accent1"/>
+          </a:effectRef>
+          <a:fontRef idx="minor">
+            <a:schemeClr val="tx1"/>
+          </a:fontRef>
+        </p:style>
+      </p:cxnSp>
+      <p:cxnSp>
+        <p:nvCxnSpPr>
+          <p:cNvPr id="35" name="직선 연결선 34">
+            <a:extLst>
+              <a:ext uri="{FF2B5EF4-FFF2-40B4-BE49-F238E27FC236}">
+                <a16:creationId xmlns:a16="http://schemas.microsoft.com/office/drawing/2014/main" id="{8CD1D560-4989-4F2A-94B1-B1AB7E9F7A8E}"/>
+              </a:ext>
+            </a:extLst>
+          </p:cNvPr>
+          <p:cNvCxnSpPr>
+            <a:cxnSpLocks/>
+          </p:cNvCxnSpPr>
+          <p:nvPr/>
+        </p:nvCxnSpPr>
+        <p:spPr>
+          <a:xfrm>
+            <a:off x="838200" y="6258095"/>
+            <a:ext cx="10515600" cy="0"/>
+          </a:xfrm>
+          <a:prstGeom prst="line">
+            <a:avLst/>
+          </a:prstGeom>
+          <a:ln w="6350">
+            <a:solidFill>
+              <a:schemeClr val="tx1"/>
+            </a:solidFill>
+          </a:ln>
+        </p:spPr>
+        <p:style>
+          <a:lnRef idx="1">
+            <a:schemeClr val="accent1"/>
+          </a:lnRef>
+          <a:fillRef idx="0">
+            <a:schemeClr val="accent1"/>
+          </a:fillRef>
+          <a:effectRef idx="0">
+            <a:schemeClr val="accent1"/>
+          </a:effectRef>
+          <a:fontRef idx="minor">
+            <a:schemeClr val="tx1"/>
+          </a:fontRef>
+        </p:style>
+      </p:cxnSp>
+      <p:sp>
+        <p:nvSpPr>
+          <p:cNvPr id="8" name="TextBox 7">
+            <a:extLst>
+              <a:ext uri="{FF2B5EF4-FFF2-40B4-BE49-F238E27FC236}">
+                <a16:creationId xmlns:a16="http://schemas.microsoft.com/office/drawing/2014/main" id="{F8B465D6-7168-490E-A194-31EF06762E2E}"/>
+              </a:ext>
+            </a:extLst>
+          </p:cNvPr>
+          <p:cNvSpPr txBox="1"/>
+          <p:nvPr/>
+        </p:nvSpPr>
+        <p:spPr>
+          <a:xfrm>
+            <a:off x="838199" y="140558"/>
+            <a:ext cx="5307623" cy="584775"/>
+          </a:xfrm>
+          <a:prstGeom prst="rect">
+            <a:avLst/>
+          </a:prstGeom>
+          <a:noFill/>
+        </p:spPr>
+        <p:txBody>
+          <a:bodyPr wrap="square" rtlCol="0">
+            <a:spAutoFit/>
+          </a:bodyPr>
+          <a:lstStyle/>
+          <a:p>
+            <a:r>
+              <a:rPr lang="en-US" altLang="ko-KR" sz="3200" b="1" dirty="0" smtClean="0">
+                <a:latin typeface="Century Gothic" panose="020B0502020202020204" pitchFamily="34" charset="0"/>
+                <a:cs typeface="Arial" panose="020B0604020202020204" pitchFamily="34" charset="0"/>
+              </a:rPr>
+              <a:t>Detection</a:t>
+            </a:r>
+            <a:endParaRPr lang="ko-KR" altLang="en-US" sz="3200" b="1" dirty="0">
+              <a:latin typeface="Century Gothic" panose="020B0502020202020204" pitchFamily="34" charset="0"/>
+              <a:cs typeface="Arial" panose="020B0604020202020204" pitchFamily="34" charset="0"/>
+            </a:endParaRPr>
+          </a:p>
+        </p:txBody>
+      </p:sp>
+      <p:sp>
+        <p:nvSpPr>
+          <p:cNvPr id="4" name="TextBox 3"/>
+          <p:cNvSpPr txBox="1"/>
+          <p:nvPr/>
+        </p:nvSpPr>
+        <p:spPr>
+          <a:xfrm>
+            <a:off x="1028699" y="896815"/>
+            <a:ext cx="7599485" cy="369332"/>
+          </a:xfrm>
+          <a:prstGeom prst="rect">
+            <a:avLst/>
+          </a:prstGeom>
+          <a:noFill/>
+        </p:spPr>
+        <p:txBody>
+          <a:bodyPr wrap="square" rtlCol="0">
+            <a:spAutoFit/>
+          </a:bodyPr>
+          <a:lstStyle/>
+          <a:p>
+            <a:endParaRPr lang="ko-KR" altLang="en-US" dirty="0">
+              <a:latin typeface="Century Gothic" panose="020B0502020202020204" pitchFamily="34" charset="0"/>
+            </a:endParaRPr>
+          </a:p>
+        </p:txBody>
+      </p:sp>
+      <p:sp>
+        <p:nvSpPr>
+          <p:cNvPr id="10" name="직사각형 9"/>
+          <p:cNvSpPr/>
+          <p:nvPr/>
+        </p:nvSpPr>
+        <p:spPr>
+          <a:xfrm>
+            <a:off x="312066" y="5978777"/>
+            <a:ext cx="3009157" cy="369332"/>
+          </a:xfrm>
+          <a:prstGeom prst="rect">
+            <a:avLst/>
+          </a:prstGeom>
+        </p:spPr>
+        <p:txBody>
+          <a:bodyPr wrap="none">
+            <a:spAutoFit/>
+          </a:bodyPr>
+          <a:lstStyle/>
+          <a:p>
+            <a:r>
+              <a:rPr lang="ko-KR" altLang="en-US" sz="900" dirty="0">
+                <a:hlinkClick r:id="rId3"/>
+              </a:rPr>
+              <a:t>https://</a:t>
+            </a:r>
+            <a:r>
+              <a:rPr lang="ko-KR" altLang="en-US" sz="900" dirty="0" smtClean="0">
+                <a:hlinkClick r:id="rId3"/>
+              </a:rPr>
+              <a:t>en.oxforddictionaries.com/definition/all-in-one</a:t>
+            </a:r>
+            <a:endParaRPr lang="en-US" altLang="ko-KR" sz="900" dirty="0" smtClean="0"/>
+          </a:p>
+          <a:p>
+            <a:endParaRPr lang="ko-KR" altLang="en-US" sz="900" dirty="0"/>
+          </a:p>
+        </p:txBody>
+      </p:sp>
+      <p:pic>
+        <p:nvPicPr>
+          <p:cNvPr id="5" name="그림 4"/>
+          <p:cNvPicPr>
+            <a:picLocks noChangeAspect="1"/>
+          </p:cNvPicPr>
+          <p:nvPr/>
+        </p:nvPicPr>
+        <p:blipFill>
+          <a:blip r:embed="rId4">
+            <a:extLst>
+              <a:ext uri="{28A0092B-C50C-407E-A947-70E740481C1C}">
+                <a14:useLocalDpi xmlns:a14="http://schemas.microsoft.com/office/drawing/2010/main" val="0"/>
+              </a:ext>
+            </a:extLst>
+          </a:blip>
+          <a:stretch>
+            <a:fillRect/>
+          </a:stretch>
+        </p:blipFill>
+        <p:spPr>
+          <a:xfrm>
+            <a:off x="1333500" y="600075"/>
+            <a:ext cx="8112057" cy="4818562"/>
+          </a:xfrm>
+          <a:prstGeom prst="rect">
+            <a:avLst/>
+          </a:prstGeom>
+        </p:spPr>
+      </p:pic>
+      <p:sp>
+        <p:nvSpPr>
+          <p:cNvPr id="6" name="TextBox 5"/>
+          <p:cNvSpPr txBox="1"/>
+          <p:nvPr/>
+        </p:nvSpPr>
+        <p:spPr>
+          <a:xfrm>
+            <a:off x="7622030" y="2533343"/>
+            <a:ext cx="4494179" cy="1200329"/>
+          </a:xfrm>
+          <a:prstGeom prst="rect">
+            <a:avLst/>
+          </a:prstGeom>
+          <a:noFill/>
+        </p:spPr>
+        <p:txBody>
+          <a:bodyPr wrap="square" rtlCol="0">
+            <a:spAutoFit/>
+          </a:bodyPr>
+          <a:lstStyle/>
+          <a:p>
+            <a:r>
+              <a:rPr lang="en-US" altLang="ko-KR" dirty="0" smtClean="0"/>
+              <a:t>PCR </a:t>
+            </a:r>
+            <a:r>
+              <a:rPr lang="ko-KR" altLang="en-US" dirty="0" smtClean="0"/>
+              <a:t>로 분석 왜</a:t>
+            </a:r>
+            <a:r>
+              <a:rPr lang="en-US" altLang="ko-KR" dirty="0" smtClean="0"/>
+              <a:t>? </a:t>
+            </a:r>
+            <a:r>
+              <a:rPr lang="ko-KR" altLang="en-US" dirty="0" smtClean="0"/>
+              <a:t>양이 작으니까</a:t>
+            </a:r>
+            <a:endParaRPr lang="en-US" altLang="ko-KR" dirty="0" smtClean="0"/>
+          </a:p>
+          <a:p>
+            <a:endParaRPr lang="en-US" altLang="ko-KR" dirty="0"/>
+          </a:p>
+          <a:p>
+            <a:r>
+              <a:rPr lang="en-US" altLang="ko-KR" dirty="0" smtClean="0"/>
+              <a:t>qPCR or </a:t>
+            </a:r>
+            <a:r>
+              <a:rPr lang="en-US" altLang="ko-KR" dirty="0" err="1" smtClean="0"/>
+              <a:t>dPCR</a:t>
+            </a:r>
+            <a:r>
+              <a:rPr lang="en-US" altLang="ko-KR" dirty="0" smtClean="0"/>
+              <a:t> </a:t>
+            </a:r>
+            <a:r>
+              <a:rPr lang="ko-KR" altLang="en-US" dirty="0" smtClean="0"/>
+              <a:t>로 함</a:t>
+            </a:r>
+            <a:endParaRPr lang="en-US" altLang="ko-KR" dirty="0" smtClean="0"/>
+          </a:p>
+          <a:p>
+            <a:endParaRPr lang="ko-KR" altLang="en-US" dirty="0"/>
+          </a:p>
+        </p:txBody>
+      </p:sp>
+    </p:spTree>
+    <p:extLst>
+      <p:ext uri="{BB962C8B-B14F-4D97-AF65-F5344CB8AC3E}">
+        <p14:creationId xmlns:p14="http://schemas.microsoft.com/office/powerpoint/2010/main" val="3467827953"/>
+      </p:ext>
+    </p:extLst>
+  </p:cSld>
+  <p:clrMapOvr>
+    <a:masterClrMapping/>
+  </p:clrMapOvr>
+  <p:timing>
+    <p:tnLst>
+      <p:par>
+        <p:cTn id="1" dur="indefinite" restart="never" nodeType="tmRoot"/>
+      </p:par>
+    </p:tnLst>
+  </p:timing>
+</p:sld>
+</file>
+
+<file path=ppt/slides/slide8.xml><?xml version="1.0" encoding="utf-8"?>
+<p:sld xmlns:a="http://schemas.openxmlformats.org/drawingml/2006/main" xmlns:r="http://schemas.openxmlformats.org/officeDocument/2006/relationships" xmlns:p="http://schemas.openxmlformats.org/presentationml/2006/main" showMasterSp="0">
+  <p:cSld>
+    <p:spTree>
+      <p:nvGrpSpPr>
+        <p:cNvPr id="1" name=""/>
+        <p:cNvGrpSpPr/>
+        <p:nvPr/>
+      </p:nvGrpSpPr>
+      <p:grpSpPr>
+        <a:xfrm>
+          <a:off x="0" y="0"/>
+          <a:ext cx="0" cy="0"/>
+          <a:chOff x="0" y="0"/>
+          <a:chExt cx="0" cy="0"/>
+        </a:xfrm>
+      </p:grpSpPr>
+      <p:sp>
+        <p:nvSpPr>
+          <p:cNvPr id="2" name="슬라이드 번호 개체 틀 1">
+            <a:extLst>
+              <a:ext uri="{FF2B5EF4-FFF2-40B4-BE49-F238E27FC236}">
+                <a16:creationId xmlns:a16="http://schemas.microsoft.com/office/drawing/2014/main" id="{60AA639D-4C37-403F-9522-62E6EBAC3010}"/>
+              </a:ext>
+            </a:extLst>
+          </p:cNvPr>
+          <p:cNvSpPr>
+            <a:spLocks noGrp="1"/>
+          </p:cNvSpPr>
+          <p:nvPr>
+            <p:ph type="sldNum" sz="quarter" idx="12"/>
+          </p:nvPr>
+        </p:nvSpPr>
+        <p:spPr/>
+        <p:txBody>
+          <a:bodyPr/>
+          <a:lstStyle/>
+          <a:p>
+            <a:fld id="{4EA9F97B-3BCE-4CBD-BEBA-B8BB42B88A80}" type="slidenum">
+              <a:rPr lang="ko-KR" altLang="en-US" smtClean="0">
+                <a:latin typeface="Century Gothic" panose="020B0502020202020204" pitchFamily="34" charset="0"/>
+              </a:rPr>
+              <a:t>8</a:t>
+            </a:fld>
+            <a:endParaRPr lang="ko-KR" altLang="en-US">
+              <a:latin typeface="Century Gothic" panose="020B0502020202020204" pitchFamily="34" charset="0"/>
+            </a:endParaRPr>
+          </a:p>
+        </p:txBody>
+      </p:sp>
+      <p:sp>
+        <p:nvSpPr>
+          <p:cNvPr id="18" name="TextBox 17">
+            <a:extLst>
+              <a:ext uri="{FF2B5EF4-FFF2-40B4-BE49-F238E27FC236}">
+                <a16:creationId xmlns:a16="http://schemas.microsoft.com/office/drawing/2014/main" id="{2B4CCFD3-60B6-49AA-8D71-37F82844AFB6}"/>
+              </a:ext>
+            </a:extLst>
+          </p:cNvPr>
+          <p:cNvSpPr txBox="1"/>
+          <p:nvPr/>
+        </p:nvSpPr>
+        <p:spPr>
+          <a:xfrm>
+            <a:off x="9151269" y="6369635"/>
+            <a:ext cx="1661861" cy="338554"/>
+          </a:xfrm>
+          <a:prstGeom prst="rect">
+            <a:avLst/>
+          </a:prstGeom>
+          <a:solidFill>
+            <a:schemeClr val="accent2"/>
+          </a:solidFill>
+        </p:spPr>
+        <p:txBody>
+          <a:bodyPr wrap="square" rtlCol="0">
+            <a:spAutoFit/>
+          </a:bodyPr>
+          <a:lstStyle/>
+          <a:p>
+            <a:r>
+              <a:rPr lang="en-US" altLang="ko-KR" sz="1600" dirty="0">
+                <a:solidFill>
+                  <a:schemeClr val="bg1"/>
+                </a:solidFill>
+                <a:latin typeface="Century Gothic" panose="020B0502020202020204" pitchFamily="34" charset="0"/>
+                <a:cs typeface="Arial" panose="020B0604020202020204" pitchFamily="34" charset="0"/>
+              </a:rPr>
+              <a:t>CONFIDENTIAL</a:t>
+            </a:r>
+            <a:endParaRPr lang="ko-KR" altLang="en-US" sz="1600" dirty="0">
+              <a:solidFill>
+                <a:schemeClr val="bg1"/>
+              </a:solidFill>
+              <a:latin typeface="Century Gothic" panose="020B0502020202020204" pitchFamily="34" charset="0"/>
+              <a:cs typeface="Arial" panose="020B0604020202020204" pitchFamily="34" charset="0"/>
+            </a:endParaRPr>
+          </a:p>
+        </p:txBody>
+      </p:sp>
+      <p:pic>
+        <p:nvPicPr>
+          <p:cNvPr id="27" name="그림 26">
+            <a:extLst>
+              <a:ext uri="{FF2B5EF4-FFF2-40B4-BE49-F238E27FC236}">
+                <a16:creationId xmlns:a16="http://schemas.microsoft.com/office/drawing/2014/main" id="{6016E56F-A47A-4A2D-BF78-2D5556BA4E3E}"/>
+              </a:ext>
+            </a:extLst>
+          </p:cNvPr>
+          <p:cNvPicPr>
+            <a:picLocks noChangeAspect="1"/>
+          </p:cNvPicPr>
+          <p:nvPr/>
+        </p:nvPicPr>
+        <p:blipFill>
+          <a:blip r:embed="rId2" cstate="print">
+            <a:extLst>
+              <a:ext uri="{28A0092B-C50C-407E-A947-70E740481C1C}">
+                <a14:useLocalDpi xmlns:a14="http://schemas.microsoft.com/office/drawing/2010/main" val="0"/>
+              </a:ext>
+            </a:extLst>
+          </a:blip>
+          <a:stretch>
+            <a:fillRect/>
+          </a:stretch>
+        </p:blipFill>
+        <p:spPr>
+          <a:xfrm>
+            <a:off x="838200" y="6438121"/>
+            <a:ext cx="1106541" cy="201581"/>
+          </a:xfrm>
+          <a:prstGeom prst="rect">
+            <a:avLst/>
+          </a:prstGeom>
+        </p:spPr>
+      </p:pic>
+      <p:cxnSp>
+        <p:nvCxnSpPr>
+          <p:cNvPr id="34" name="직선 연결선 33">
+            <a:extLst>
+              <a:ext uri="{FF2B5EF4-FFF2-40B4-BE49-F238E27FC236}">
+                <a16:creationId xmlns:a16="http://schemas.microsoft.com/office/drawing/2014/main" id="{9B051A9E-2E72-408D-8625-B19A5790FCCE}"/>
+              </a:ext>
+            </a:extLst>
+          </p:cNvPr>
+          <p:cNvCxnSpPr>
+            <a:cxnSpLocks/>
+          </p:cNvCxnSpPr>
+          <p:nvPr/>
+        </p:nvCxnSpPr>
+        <p:spPr>
+          <a:xfrm>
+            <a:off x="909937" y="655251"/>
+            <a:ext cx="10443863" cy="0"/>
+          </a:xfrm>
+          <a:prstGeom prst="line">
+            <a:avLst/>
+          </a:prstGeom>
+          <a:ln w="6350">
+            <a:solidFill>
+              <a:schemeClr val="tx1"/>
+            </a:solidFill>
+          </a:ln>
+        </p:spPr>
+        <p:style>
+          <a:lnRef idx="1">
+            <a:schemeClr val="accent1"/>
+          </a:lnRef>
+          <a:fillRef idx="0">
+            <a:schemeClr val="accent1"/>
+          </a:fillRef>
+          <a:effectRef idx="0">
+            <a:schemeClr val="accent1"/>
+          </a:effectRef>
+          <a:fontRef idx="minor">
+            <a:schemeClr val="tx1"/>
+          </a:fontRef>
+        </p:style>
+      </p:cxnSp>
+      <p:cxnSp>
+        <p:nvCxnSpPr>
+          <p:cNvPr id="35" name="직선 연결선 34">
+            <a:extLst>
+              <a:ext uri="{FF2B5EF4-FFF2-40B4-BE49-F238E27FC236}">
+                <a16:creationId xmlns:a16="http://schemas.microsoft.com/office/drawing/2014/main" id="{8CD1D560-4989-4F2A-94B1-B1AB7E9F7A8E}"/>
+              </a:ext>
+            </a:extLst>
+          </p:cNvPr>
+          <p:cNvCxnSpPr>
+            <a:cxnSpLocks/>
+          </p:cNvCxnSpPr>
+          <p:nvPr/>
+        </p:nvCxnSpPr>
+        <p:spPr>
+          <a:xfrm>
+            <a:off x="838200" y="6258095"/>
+            <a:ext cx="10515600" cy="0"/>
+          </a:xfrm>
+          <a:prstGeom prst="line">
+            <a:avLst/>
+          </a:prstGeom>
+          <a:ln w="6350">
+            <a:solidFill>
+              <a:schemeClr val="tx1"/>
+            </a:solidFill>
+          </a:ln>
+        </p:spPr>
+        <p:style>
+          <a:lnRef idx="1">
+            <a:schemeClr val="accent1"/>
+          </a:lnRef>
+          <a:fillRef idx="0">
+            <a:schemeClr val="accent1"/>
+          </a:fillRef>
+          <a:effectRef idx="0">
+            <a:schemeClr val="accent1"/>
+          </a:effectRef>
+          <a:fontRef idx="minor">
+            <a:schemeClr val="tx1"/>
+          </a:fontRef>
+        </p:style>
+      </p:cxnSp>
+      <p:sp>
+        <p:nvSpPr>
+          <p:cNvPr id="8" name="TextBox 7">
+            <a:extLst>
+              <a:ext uri="{FF2B5EF4-FFF2-40B4-BE49-F238E27FC236}">
+                <a16:creationId xmlns:a16="http://schemas.microsoft.com/office/drawing/2014/main" id="{F8B465D6-7168-490E-A194-31EF06762E2E}"/>
+              </a:ext>
+            </a:extLst>
+          </p:cNvPr>
+          <p:cNvSpPr txBox="1"/>
+          <p:nvPr/>
+        </p:nvSpPr>
+        <p:spPr>
+          <a:xfrm>
+            <a:off x="838199" y="140558"/>
+            <a:ext cx="5307623" cy="584775"/>
+          </a:xfrm>
+          <a:prstGeom prst="rect">
+            <a:avLst/>
+          </a:prstGeom>
+          <a:noFill/>
+        </p:spPr>
+        <p:txBody>
+          <a:bodyPr wrap="square" rtlCol="0">
+            <a:spAutoFit/>
+          </a:bodyPr>
+          <a:lstStyle/>
+          <a:p>
+            <a:r>
+              <a:rPr lang="en-US" altLang="ko-KR" sz="3200" b="1" dirty="0" smtClean="0">
+                <a:latin typeface="Century Gothic" panose="020B0502020202020204" pitchFamily="34" charset="0"/>
+                <a:cs typeface="Arial" panose="020B0604020202020204" pitchFamily="34" charset="0"/>
+              </a:rPr>
+              <a:t>Output: Result</a:t>
+            </a:r>
+            <a:endParaRPr lang="ko-KR" altLang="en-US" sz="3200" b="1" dirty="0">
+              <a:latin typeface="Century Gothic" panose="020B0502020202020204" pitchFamily="34" charset="0"/>
+              <a:cs typeface="Arial" panose="020B0604020202020204" pitchFamily="34" charset="0"/>
+            </a:endParaRPr>
+          </a:p>
+        </p:txBody>
+      </p:sp>
+      <p:sp>
+        <p:nvSpPr>
+          <p:cNvPr id="4" name="TextBox 3"/>
+          <p:cNvSpPr txBox="1"/>
+          <p:nvPr/>
+        </p:nvSpPr>
+        <p:spPr>
+          <a:xfrm>
+            <a:off x="1028699" y="896815"/>
+            <a:ext cx="7599485" cy="369332"/>
+          </a:xfrm>
+          <a:prstGeom prst="rect">
+            <a:avLst/>
+          </a:prstGeom>
+          <a:noFill/>
+        </p:spPr>
+        <p:txBody>
+          <a:bodyPr wrap="square" rtlCol="0">
+            <a:spAutoFit/>
+          </a:bodyPr>
+          <a:lstStyle/>
+          <a:p>
+            <a:endParaRPr lang="ko-KR" altLang="en-US" dirty="0">
+              <a:latin typeface="Century Gothic" panose="020B0502020202020204" pitchFamily="34" charset="0"/>
+            </a:endParaRPr>
+          </a:p>
+        </p:txBody>
+      </p:sp>
+      <p:sp>
+        <p:nvSpPr>
+          <p:cNvPr id="10" name="직사각형 9"/>
+          <p:cNvSpPr/>
+          <p:nvPr/>
+        </p:nvSpPr>
+        <p:spPr>
+          <a:xfrm>
+            <a:off x="312066" y="5978777"/>
+            <a:ext cx="3009157" cy="369332"/>
+          </a:xfrm>
+          <a:prstGeom prst="rect">
+            <a:avLst/>
+          </a:prstGeom>
+        </p:spPr>
+        <p:txBody>
+          <a:bodyPr wrap="none">
+            <a:spAutoFit/>
+          </a:bodyPr>
+          <a:lstStyle/>
+          <a:p>
+            <a:r>
+              <a:rPr lang="ko-KR" altLang="en-US" sz="900" dirty="0">
+                <a:hlinkClick r:id="rId3"/>
+              </a:rPr>
+              <a:t>https://</a:t>
+            </a:r>
+            <a:r>
+              <a:rPr lang="ko-KR" altLang="en-US" sz="900" dirty="0" smtClean="0">
+                <a:hlinkClick r:id="rId3"/>
+              </a:rPr>
+              <a:t>en.oxforddictionaries.com/definition/all-in-one</a:t>
+            </a:r>
+            <a:endParaRPr lang="en-US" altLang="ko-KR" sz="900" dirty="0" smtClean="0"/>
+          </a:p>
+          <a:p>
+            <a:endParaRPr lang="ko-KR" altLang="en-US" sz="900" dirty="0"/>
+          </a:p>
+        </p:txBody>
+      </p:sp>
+      <p:pic>
+        <p:nvPicPr>
+          <p:cNvPr id="11" name="그림 10"/>
+          <p:cNvPicPr>
+            <a:picLocks noChangeAspect="1"/>
+          </p:cNvPicPr>
+          <p:nvPr/>
+        </p:nvPicPr>
+        <p:blipFill>
+          <a:blip r:embed="rId4">
+            <a:clrChange>
+              <a:clrFrom>
+                <a:srgbClr val="FAFAFA"/>
+              </a:clrFrom>
+              <a:clrTo>
+                <a:srgbClr val="FAFAFA">
+                  <a:alpha val="0"/>
+                </a:srgbClr>
+              </a:clrTo>
+            </a:clrChange>
+          </a:blip>
+          <a:stretch>
+            <a:fillRect/>
+          </a:stretch>
+        </p:blipFill>
+        <p:spPr>
+          <a:xfrm>
+            <a:off x="1219988" y="1585069"/>
+            <a:ext cx="1449505" cy="1426497"/>
+          </a:xfrm>
+          <a:prstGeom prst="rect">
+            <a:avLst/>
+          </a:prstGeom>
+        </p:spPr>
+      </p:pic>
+      <p:sp>
+        <p:nvSpPr>
+          <p:cNvPr id="6" name="TextBox 5"/>
+          <p:cNvSpPr txBox="1"/>
+          <p:nvPr/>
+        </p:nvSpPr>
+        <p:spPr>
+          <a:xfrm>
+            <a:off x="3871609" y="1040860"/>
+            <a:ext cx="5963055" cy="1754326"/>
+          </a:xfrm>
+          <a:prstGeom prst="rect">
+            <a:avLst/>
+          </a:prstGeom>
+          <a:noFill/>
+        </p:spPr>
+        <p:txBody>
+          <a:bodyPr wrap="square" rtlCol="0">
+            <a:spAutoFit/>
+          </a:bodyPr>
+          <a:lstStyle/>
+          <a:p>
+            <a:r>
+              <a:rPr lang="ko-KR" altLang="en-US" dirty="0" smtClean="0"/>
+              <a:t>정</a:t>
+            </a:r>
+            <a:r>
+              <a:rPr lang="ko-KR" altLang="en-US" dirty="0"/>
+              <a:t>성</a:t>
+            </a:r>
+            <a:r>
+              <a:rPr lang="ko-KR" altLang="en-US" dirty="0" smtClean="0"/>
+              <a:t> 분석 </a:t>
+            </a:r>
+            <a:r>
+              <a:rPr lang="en-US" altLang="ko-KR" dirty="0" smtClean="0"/>
+              <a:t>(Quality) – </a:t>
+            </a:r>
+            <a:r>
+              <a:rPr lang="ko-KR" altLang="en-US" dirty="0" smtClean="0"/>
+              <a:t>있다 없다</a:t>
+            </a:r>
+            <a:endParaRPr lang="en-US" altLang="ko-KR" dirty="0" smtClean="0"/>
+          </a:p>
+          <a:p>
+            <a:r>
+              <a:rPr lang="ko-KR" altLang="en-US" dirty="0" smtClean="0"/>
+              <a:t>정량 분석 </a:t>
+            </a:r>
+            <a:r>
+              <a:rPr lang="en-US" altLang="ko-KR" dirty="0" smtClean="0"/>
+              <a:t>(Quantity) – </a:t>
+            </a:r>
+            <a:r>
+              <a:rPr lang="ko-KR" altLang="en-US" dirty="0" smtClean="0"/>
+              <a:t>얼마나 </a:t>
+            </a:r>
+            <a:r>
+              <a:rPr lang="ko-KR" altLang="en-US" dirty="0" smtClean="0"/>
+              <a:t>있다</a:t>
+            </a:r>
+            <a:endParaRPr lang="en-US" altLang="ko-KR" dirty="0" smtClean="0"/>
+          </a:p>
+          <a:p>
+            <a:endParaRPr lang="en-US" altLang="ko-KR" dirty="0"/>
+          </a:p>
+          <a:p>
+            <a:r>
+              <a:rPr lang="ko-KR" altLang="en-US" dirty="0" err="1" smtClean="0"/>
+              <a:t>올일원팀</a:t>
+            </a:r>
+            <a:r>
+              <a:rPr lang="en-US" altLang="ko-KR" dirty="0" smtClean="0"/>
+              <a:t> </a:t>
+            </a:r>
+            <a:r>
+              <a:rPr lang="ko-KR" altLang="en-US" dirty="0" err="1" smtClean="0"/>
+              <a:t>하는일</a:t>
+            </a:r>
+            <a:endParaRPr lang="en-US" altLang="ko-KR" dirty="0" smtClean="0"/>
+          </a:p>
+          <a:p>
+            <a:r>
+              <a:rPr lang="ko-KR" altLang="en-US" dirty="0" smtClean="0"/>
+              <a:t>정성 분석</a:t>
+            </a:r>
+            <a:r>
+              <a:rPr lang="en-US" altLang="ko-KR" dirty="0" smtClean="0"/>
+              <a:t>: positive control/negative control </a:t>
+            </a:r>
+            <a:r>
+              <a:rPr lang="ko-KR" altLang="en-US" dirty="0" smtClean="0"/>
+              <a:t>넣기</a:t>
+            </a:r>
+            <a:endParaRPr lang="en-US" altLang="ko-KR" dirty="0" smtClean="0"/>
+          </a:p>
+          <a:p>
+            <a:r>
+              <a:rPr lang="ko-KR" altLang="en-US" dirty="0" smtClean="0"/>
+              <a:t>정량 분석</a:t>
+            </a:r>
+            <a:r>
+              <a:rPr lang="en-US" altLang="ko-KR" dirty="0" smtClean="0"/>
+              <a:t>: standard sample </a:t>
+            </a:r>
+            <a:r>
+              <a:rPr lang="ko-KR" altLang="en-US" dirty="0" smtClean="0"/>
+              <a:t>넣기  </a:t>
+            </a:r>
+            <a:endParaRPr lang="ko-KR" altLang="en-US" dirty="0"/>
+          </a:p>
+        </p:txBody>
+      </p:sp>
+    </p:spTree>
+    <p:extLst>
+      <p:ext uri="{BB962C8B-B14F-4D97-AF65-F5344CB8AC3E}">
+        <p14:creationId xmlns:p14="http://schemas.microsoft.com/office/powerpoint/2010/main" val="864444716"/>
+      </p:ext>
+    </p:extLst>
+  </p:cSld>
+  <p:clrMapOvr>
+    <a:masterClrMapping/>
+  </p:clrMapOvr>
+  <p:timing>
+    <p:tnLst>
+      <p:par>
+        <p:cTn id="1" dur="indefinite" restart="never" nodeType="tmRoot"/>
+      </p:par>
+    </p:tnLst>
+  </p:timing>
+</p:sld>
+</file>
+
 <file path=ppt/slides/slide9.xml><?xml version="1.0" encoding="utf-8"?>
-<p:sld xmlns:a="http://schemas.openxmlformats.org/drawingml/2006/main" xmlns:r="http://schemas.openxmlformats.org/officeDocument/2006/relationships" xmlns:p="http://schemas.openxmlformats.org/presentationml/2006/main">
+<p:sld xmlns:a="http://schemas.openxmlformats.org/drawingml/2006/main" xmlns:r="http://schemas.openxmlformats.org/officeDocument/2006/relationships" xmlns:p="http://schemas.openxmlformats.org/presentationml/2006/main" showMasterSp="0">
   <p:cSld>
     <p:spTree>
       <p:nvGrpSpPr>

--- a/Work/올인원팀 발표자료_181021.pptx
+++ b/Work/올인원팀 발표자료_181021.pptx
@@ -208,7 +208,7 @@
           <a:p>
             <a:fld id="{8939D027-0A03-41F2-8107-7FDE036C3AC1}" type="datetimeFigureOut">
               <a:rPr lang="ko-KR" altLang="en-US" smtClean="0"/>
-              <a:t>2018-10-21</a:t>
+              <a:t>2018-10-22</a:t>
             </a:fld>
             <a:endParaRPr lang="ko-KR" altLang="en-US"/>
           </a:p>
@@ -570,13 +570,7 @@
               <a:rPr lang="ko-KR" altLang="en-US" sz="1200" dirty="0" smtClean="0">
                 <a:hlinkClick r:id="rId3"/>
               </a:rPr>
-              <a:t>https://</a:t>
-            </a:r>
-            <a:r>
-              <a:rPr lang="ko-KR" altLang="en-US" sz="1200" dirty="0" smtClean="0">
-                <a:hlinkClick r:id="rId3"/>
-              </a:rPr>
-              <a:t>en.oxforddictionaries.com/definition/all-in-one</a:t>
+              <a:t>https://en.oxforddictionaries.com/definition/all-in-one</a:t>
             </a:r>
             <a:endParaRPr lang="en-US" altLang="ko-KR" sz="1200" dirty="0" smtClean="0"/>
           </a:p>
@@ -829,7 +823,7 @@
           <a:p>
             <a:fld id="{5141A162-C651-4B4D-AE3C-7E59569DE8B4}" type="datetime1">
               <a:rPr lang="ko-KR" altLang="en-US" smtClean="0"/>
-              <a:t>2018-10-21</a:t>
+              <a:t>2018-10-22</a:t>
             </a:fld>
             <a:endParaRPr lang="ko-KR" altLang="en-US"/>
           </a:p>
@@ -1027,7 +1021,7 @@
           <a:p>
             <a:fld id="{7AC61149-9197-41B8-9A88-FC29B85327E8}" type="datetime1">
               <a:rPr lang="ko-KR" altLang="en-US" smtClean="0"/>
-              <a:t>2018-10-21</a:t>
+              <a:t>2018-10-22</a:t>
             </a:fld>
             <a:endParaRPr lang="ko-KR" altLang="en-US"/>
           </a:p>
@@ -1235,7 +1229,7 @@
           <a:p>
             <a:fld id="{10FF5CB0-9513-44C3-A2C1-15520EE002EF}" type="datetime1">
               <a:rPr lang="ko-KR" altLang="en-US" smtClean="0"/>
-              <a:t>2018-10-21</a:t>
+              <a:t>2018-10-22</a:t>
             </a:fld>
             <a:endParaRPr lang="ko-KR" altLang="en-US"/>
           </a:p>
@@ -1433,7 +1427,7 @@
           <a:p>
             <a:fld id="{D4D5DDFB-08D3-43F2-B7A4-62E1808F6770}" type="datetime1">
               <a:rPr lang="ko-KR" altLang="en-US" smtClean="0"/>
-              <a:t>2018-10-21</a:t>
+              <a:t>2018-10-22</a:t>
             </a:fld>
             <a:endParaRPr lang="ko-KR" altLang="en-US"/>
           </a:p>
@@ -1708,7 +1702,7 @@
           <a:p>
             <a:fld id="{FC1BC4AD-8276-41EA-94F9-C1CD6D3F8F86}" type="datetime1">
               <a:rPr lang="ko-KR" altLang="en-US" smtClean="0"/>
-              <a:t>2018-10-21</a:t>
+              <a:t>2018-10-22</a:t>
             </a:fld>
             <a:endParaRPr lang="ko-KR" altLang="en-US"/>
           </a:p>
@@ -1973,7 +1967,7 @@
           <a:p>
             <a:fld id="{956DAB52-14EE-4121-94DB-4DCA1AF5D129}" type="datetime1">
               <a:rPr lang="ko-KR" altLang="en-US" smtClean="0"/>
-              <a:t>2018-10-21</a:t>
+              <a:t>2018-10-22</a:t>
             </a:fld>
             <a:endParaRPr lang="ko-KR" altLang="en-US"/>
           </a:p>
@@ -2385,7 +2379,7 @@
           <a:p>
             <a:fld id="{2CE3EB99-74E3-49E2-96F6-3C10D2B6FC8B}" type="datetime1">
               <a:rPr lang="ko-KR" altLang="en-US" smtClean="0"/>
-              <a:t>2018-10-21</a:t>
+              <a:t>2018-10-22</a:t>
             </a:fld>
             <a:endParaRPr lang="ko-KR" altLang="en-US"/>
           </a:p>
@@ -2526,7 +2520,7 @@
           <a:p>
             <a:fld id="{75B26A83-3053-4834-9D6D-D866D98A946D}" type="datetime1">
               <a:rPr lang="ko-KR" altLang="en-US" smtClean="0"/>
-              <a:t>2018-10-21</a:t>
+              <a:t>2018-10-22</a:t>
             </a:fld>
             <a:endParaRPr lang="ko-KR" altLang="en-US"/>
           </a:p>
@@ -2639,7 +2633,7 @@
           <a:p>
             <a:fld id="{5A02C096-F5F9-4126-B5D9-70081C4EF774}" type="datetime1">
               <a:rPr lang="ko-KR" altLang="en-US" smtClean="0"/>
-              <a:t>2018-10-21</a:t>
+              <a:t>2018-10-22</a:t>
             </a:fld>
             <a:endParaRPr lang="ko-KR" altLang="en-US"/>
           </a:p>
@@ -2950,7 +2944,7 @@
           <a:p>
             <a:fld id="{039E44AD-50BA-4E3C-BC0B-670EBBF1DFE1}" type="datetime1">
               <a:rPr lang="ko-KR" altLang="en-US" smtClean="0"/>
-              <a:t>2018-10-21</a:t>
+              <a:t>2018-10-22</a:t>
             </a:fld>
             <a:endParaRPr lang="ko-KR" altLang="en-US"/>
           </a:p>
@@ -3238,7 +3232,7 @@
           <a:p>
             <a:fld id="{37460B2B-EDB3-4896-A932-A0180CE20FE3}" type="datetime1">
               <a:rPr lang="ko-KR" altLang="en-US" smtClean="0"/>
-              <a:t>2018-10-21</a:t>
+              <a:t>2018-10-22</a:t>
             </a:fld>
             <a:endParaRPr lang="ko-KR" altLang="en-US"/>
           </a:p>
@@ -3482,7 +3476,7 @@
           <a:p>
             <a:fld id="{E8EC0580-6EA2-4923-AE12-76A6309B16C5}" type="datetime1">
               <a:rPr lang="ko-KR" altLang="en-US" smtClean="0"/>
-              <a:t>2018-10-21</a:t>
+              <a:t>2018-10-22</a:t>
             </a:fld>
             <a:endParaRPr lang="ko-KR" altLang="en-US"/>
           </a:p>
@@ -6344,25 +6338,13 @@
               <a:rPr lang="en-US" altLang="ko-KR" b="1" dirty="0" smtClean="0">
                 <a:latin typeface="Century Gothic" panose="020B0502020202020204" pitchFamily="34" charset="0"/>
               </a:rPr>
-              <a:t>Reduce </a:t>
-            </a:r>
-            <a:r>
-              <a:rPr lang="en-US" altLang="ko-KR" b="1" dirty="0" smtClean="0">
-                <a:latin typeface="Century Gothic" panose="020B0502020202020204" pitchFamily="34" charset="0"/>
-              </a:rPr>
-              <a:t>Cost   </a:t>
+              <a:t>Reduce Cost   </a:t>
             </a:r>
             <a:r>
               <a:rPr lang="ko-KR" altLang="en-US" b="1" dirty="0" smtClean="0">
                 <a:latin typeface="Century Gothic" panose="020B0502020202020204" pitchFamily="34" charset="0"/>
               </a:rPr>
-              <a:t>비용 </a:t>
-            </a:r>
-            <a:r>
-              <a:rPr lang="ko-KR" altLang="en-US" b="1" dirty="0" smtClean="0">
-                <a:latin typeface="Century Gothic" panose="020B0502020202020204" pitchFamily="34" charset="0"/>
-              </a:rPr>
-              <a:t>절약</a:t>
+              <a:t>비용 절약</a:t>
             </a:r>
             <a:endParaRPr lang="en-US" altLang="ko-KR" b="1" dirty="0" smtClean="0">
               <a:latin typeface="Century Gothic" panose="020B0502020202020204" pitchFamily="34" charset="0"/>
@@ -8347,11 +8329,18 @@
           <a:lstStyle/>
           <a:p>
             <a:r>
+              <a:rPr lang="en-US" altLang="ko-KR" sz="3200" b="1" smtClean="0">
+                <a:latin typeface="Century Gothic" panose="020B0502020202020204" pitchFamily="34" charset="0"/>
+                <a:cs typeface="Arial" panose="020B0604020202020204" pitchFamily="34" charset="0"/>
+              </a:rPr>
+              <a:t>Sample Preparation </a:t>
+            </a:r>
+            <a:r>
               <a:rPr lang="en-US" altLang="ko-KR" sz="3200" b="1" dirty="0" smtClean="0">
                 <a:latin typeface="Century Gothic" panose="020B0502020202020204" pitchFamily="34" charset="0"/>
                 <a:cs typeface="Arial" panose="020B0604020202020204" pitchFamily="34" charset="0"/>
               </a:rPr>
-              <a:t>For Sample Prep Components</a:t>
+              <a:t>Components</a:t>
             </a:r>
             <a:endParaRPr lang="ko-KR" altLang="en-US" sz="3200" b="1" dirty="0">
               <a:latin typeface="Century Gothic" panose="020B0502020202020204" pitchFamily="34" charset="0"/>
@@ -9613,11 +9602,7 @@
             </a:r>
             <a:r>
               <a:rPr lang="ko-KR" altLang="en-US" dirty="0" smtClean="0"/>
-              <a:t>얼마나 </a:t>
-            </a:r>
-            <a:r>
-              <a:rPr lang="ko-KR" altLang="en-US" dirty="0" smtClean="0"/>
-              <a:t>있다</a:t>
+              <a:t>얼마나 있다</a:t>
             </a:r>
             <a:endParaRPr lang="en-US" altLang="ko-KR" dirty="0" smtClean="0"/>
           </a:p>

--- a/Work/올인원팀 발표자료_181021.pptx
+++ b/Work/올인원팀 발표자료_181021.pptx
@@ -16,10 +16,10 @@
     <p:sldId id="350" r:id="rId7"/>
     <p:sldId id="352" r:id="rId8"/>
     <p:sldId id="321" r:id="rId9"/>
-    <p:sldId id="341" r:id="rId10"/>
-    <p:sldId id="346" r:id="rId11"/>
-    <p:sldId id="345" r:id="rId12"/>
-    <p:sldId id="343" r:id="rId13"/>
+    <p:sldId id="343" r:id="rId10"/>
+    <p:sldId id="341" r:id="rId11"/>
+    <p:sldId id="346" r:id="rId12"/>
+    <p:sldId id="345" r:id="rId13"/>
     <p:sldId id="344" r:id="rId14"/>
     <p:sldId id="286" r:id="rId15"/>
     <p:sldId id="329" r:id="rId16"/>
@@ -133,7 +133,7 @@
             <a:srgbClr val="A4A3A4"/>
           </p15:clr>
         </p15:guide>
-        <p15:guide id="2" pos="3863" userDrawn="1">
+        <p15:guide id="2" pos="3840" userDrawn="1">
           <p15:clr>
             <a:srgbClr val="A4A3A4"/>
           </p15:clr>
@@ -5109,6 +5109,398 @@
 </file>
 
 <file path=ppt/slides/slide10.xml><?xml version="1.0" encoding="utf-8"?>
+<p:sld xmlns:a="http://schemas.openxmlformats.org/drawingml/2006/main" xmlns:r="http://schemas.openxmlformats.org/officeDocument/2006/relationships" xmlns:p="http://schemas.openxmlformats.org/presentationml/2006/main" showMasterSp="0">
+  <p:cSld>
+    <p:spTree>
+      <p:nvGrpSpPr>
+        <p:cNvPr id="1" name=""/>
+        <p:cNvGrpSpPr/>
+        <p:nvPr/>
+      </p:nvGrpSpPr>
+      <p:grpSpPr>
+        <a:xfrm>
+          <a:off x="0" y="0"/>
+          <a:ext cx="0" cy="0"/>
+          <a:chOff x="0" y="0"/>
+          <a:chExt cx="0" cy="0"/>
+        </a:xfrm>
+      </p:grpSpPr>
+      <p:sp>
+        <p:nvSpPr>
+          <p:cNvPr id="2" name="슬라이드 번호 개체 틀 1">
+            <a:extLst>
+              <a:ext uri="{FF2B5EF4-FFF2-40B4-BE49-F238E27FC236}">
+                <a16:creationId xmlns:a16="http://schemas.microsoft.com/office/drawing/2014/main" id="{60AA639D-4C37-403F-9522-62E6EBAC3010}"/>
+              </a:ext>
+            </a:extLst>
+          </p:cNvPr>
+          <p:cNvSpPr>
+            <a:spLocks noGrp="1"/>
+          </p:cNvSpPr>
+          <p:nvPr>
+            <p:ph type="sldNum" sz="quarter" idx="12"/>
+          </p:nvPr>
+        </p:nvSpPr>
+        <p:spPr/>
+        <p:txBody>
+          <a:bodyPr/>
+          <a:lstStyle/>
+          <a:p>
+            <a:fld id="{4EA9F97B-3BCE-4CBD-BEBA-B8BB42B88A80}" type="slidenum">
+              <a:rPr lang="ko-KR" altLang="en-US" smtClean="0">
+                <a:latin typeface="Century Gothic" panose="020B0502020202020204" pitchFamily="34" charset="0"/>
+              </a:rPr>
+              <a:t>10</a:t>
+            </a:fld>
+            <a:endParaRPr lang="ko-KR" altLang="en-US">
+              <a:latin typeface="Century Gothic" panose="020B0502020202020204" pitchFamily="34" charset="0"/>
+            </a:endParaRPr>
+          </a:p>
+        </p:txBody>
+      </p:sp>
+      <p:sp>
+        <p:nvSpPr>
+          <p:cNvPr id="18" name="TextBox 17">
+            <a:extLst>
+              <a:ext uri="{FF2B5EF4-FFF2-40B4-BE49-F238E27FC236}">
+                <a16:creationId xmlns:a16="http://schemas.microsoft.com/office/drawing/2014/main" id="{2B4CCFD3-60B6-49AA-8D71-37F82844AFB6}"/>
+              </a:ext>
+            </a:extLst>
+          </p:cNvPr>
+          <p:cNvSpPr txBox="1"/>
+          <p:nvPr/>
+        </p:nvSpPr>
+        <p:spPr>
+          <a:xfrm>
+            <a:off x="9151269" y="6369635"/>
+            <a:ext cx="1661861" cy="338554"/>
+          </a:xfrm>
+          <a:prstGeom prst="rect">
+            <a:avLst/>
+          </a:prstGeom>
+          <a:solidFill>
+            <a:schemeClr val="accent2"/>
+          </a:solidFill>
+        </p:spPr>
+        <p:txBody>
+          <a:bodyPr wrap="square" rtlCol="0">
+            <a:spAutoFit/>
+          </a:bodyPr>
+          <a:lstStyle/>
+          <a:p>
+            <a:r>
+              <a:rPr lang="en-US" altLang="ko-KR" sz="1600" dirty="0">
+                <a:solidFill>
+                  <a:schemeClr val="bg1"/>
+                </a:solidFill>
+                <a:latin typeface="Century Gothic" panose="020B0502020202020204" pitchFamily="34" charset="0"/>
+                <a:cs typeface="Arial" panose="020B0604020202020204" pitchFamily="34" charset="0"/>
+              </a:rPr>
+              <a:t>CONFIDENTIAL</a:t>
+            </a:r>
+            <a:endParaRPr lang="ko-KR" altLang="en-US" sz="1600" dirty="0">
+              <a:solidFill>
+                <a:schemeClr val="bg1"/>
+              </a:solidFill>
+              <a:latin typeface="Century Gothic" panose="020B0502020202020204" pitchFamily="34" charset="0"/>
+              <a:cs typeface="Arial" panose="020B0604020202020204" pitchFamily="34" charset="0"/>
+            </a:endParaRPr>
+          </a:p>
+        </p:txBody>
+      </p:sp>
+      <p:pic>
+        <p:nvPicPr>
+          <p:cNvPr id="27" name="그림 26">
+            <a:extLst>
+              <a:ext uri="{FF2B5EF4-FFF2-40B4-BE49-F238E27FC236}">
+                <a16:creationId xmlns:a16="http://schemas.microsoft.com/office/drawing/2014/main" id="{6016E56F-A47A-4A2D-BF78-2D5556BA4E3E}"/>
+              </a:ext>
+            </a:extLst>
+          </p:cNvPr>
+          <p:cNvPicPr>
+            <a:picLocks noChangeAspect="1"/>
+          </p:cNvPicPr>
+          <p:nvPr/>
+        </p:nvPicPr>
+        <p:blipFill>
+          <a:blip r:embed="rId2" cstate="print">
+            <a:extLst>
+              <a:ext uri="{28A0092B-C50C-407E-A947-70E740481C1C}">
+                <a14:useLocalDpi xmlns:a14="http://schemas.microsoft.com/office/drawing/2010/main" val="0"/>
+              </a:ext>
+            </a:extLst>
+          </a:blip>
+          <a:stretch>
+            <a:fillRect/>
+          </a:stretch>
+        </p:blipFill>
+        <p:spPr>
+          <a:xfrm>
+            <a:off x="838200" y="6438121"/>
+            <a:ext cx="1106541" cy="201581"/>
+          </a:xfrm>
+          <a:prstGeom prst="rect">
+            <a:avLst/>
+          </a:prstGeom>
+        </p:spPr>
+      </p:pic>
+      <p:cxnSp>
+        <p:nvCxnSpPr>
+          <p:cNvPr id="34" name="직선 연결선 33">
+            <a:extLst>
+              <a:ext uri="{FF2B5EF4-FFF2-40B4-BE49-F238E27FC236}">
+                <a16:creationId xmlns:a16="http://schemas.microsoft.com/office/drawing/2014/main" id="{9B051A9E-2E72-408D-8625-B19A5790FCCE}"/>
+              </a:ext>
+            </a:extLst>
+          </p:cNvPr>
+          <p:cNvCxnSpPr>
+            <a:cxnSpLocks/>
+          </p:cNvCxnSpPr>
+          <p:nvPr/>
+        </p:nvCxnSpPr>
+        <p:spPr>
+          <a:xfrm>
+            <a:off x="909937" y="655251"/>
+            <a:ext cx="10443863" cy="0"/>
+          </a:xfrm>
+          <a:prstGeom prst="line">
+            <a:avLst/>
+          </a:prstGeom>
+          <a:ln w="6350">
+            <a:solidFill>
+              <a:schemeClr val="tx1"/>
+            </a:solidFill>
+          </a:ln>
+        </p:spPr>
+        <p:style>
+          <a:lnRef idx="1">
+            <a:schemeClr val="accent1"/>
+          </a:lnRef>
+          <a:fillRef idx="0">
+            <a:schemeClr val="accent1"/>
+          </a:fillRef>
+          <a:effectRef idx="0">
+            <a:schemeClr val="accent1"/>
+          </a:effectRef>
+          <a:fontRef idx="minor">
+            <a:schemeClr val="tx1"/>
+          </a:fontRef>
+        </p:style>
+      </p:cxnSp>
+      <p:cxnSp>
+        <p:nvCxnSpPr>
+          <p:cNvPr id="35" name="직선 연결선 34">
+            <a:extLst>
+              <a:ext uri="{FF2B5EF4-FFF2-40B4-BE49-F238E27FC236}">
+                <a16:creationId xmlns:a16="http://schemas.microsoft.com/office/drawing/2014/main" id="{8CD1D560-4989-4F2A-94B1-B1AB7E9F7A8E}"/>
+              </a:ext>
+            </a:extLst>
+          </p:cNvPr>
+          <p:cNvCxnSpPr>
+            <a:cxnSpLocks/>
+          </p:cNvCxnSpPr>
+          <p:nvPr/>
+        </p:nvCxnSpPr>
+        <p:spPr>
+          <a:xfrm>
+            <a:off x="838200" y="6258095"/>
+            <a:ext cx="10515600" cy="0"/>
+          </a:xfrm>
+          <a:prstGeom prst="line">
+            <a:avLst/>
+          </a:prstGeom>
+          <a:ln w="6350">
+            <a:solidFill>
+              <a:schemeClr val="tx1"/>
+            </a:solidFill>
+          </a:ln>
+        </p:spPr>
+        <p:style>
+          <a:lnRef idx="1">
+            <a:schemeClr val="accent1"/>
+          </a:lnRef>
+          <a:fillRef idx="0">
+            <a:schemeClr val="accent1"/>
+          </a:fillRef>
+          <a:effectRef idx="0">
+            <a:schemeClr val="accent1"/>
+          </a:effectRef>
+          <a:fontRef idx="minor">
+            <a:schemeClr val="tx1"/>
+          </a:fontRef>
+        </p:style>
+      </p:cxnSp>
+      <p:sp>
+        <p:nvSpPr>
+          <p:cNvPr id="8" name="TextBox 7">
+            <a:extLst>
+              <a:ext uri="{FF2B5EF4-FFF2-40B4-BE49-F238E27FC236}">
+                <a16:creationId xmlns:a16="http://schemas.microsoft.com/office/drawing/2014/main" id="{F8B465D6-7168-490E-A194-31EF06762E2E}"/>
+              </a:ext>
+            </a:extLst>
+          </p:cNvPr>
+          <p:cNvSpPr txBox="1"/>
+          <p:nvPr/>
+        </p:nvSpPr>
+        <p:spPr>
+          <a:xfrm>
+            <a:off x="838199" y="140558"/>
+            <a:ext cx="5307623" cy="584775"/>
+          </a:xfrm>
+          <a:prstGeom prst="rect">
+            <a:avLst/>
+          </a:prstGeom>
+          <a:noFill/>
+        </p:spPr>
+        <p:txBody>
+          <a:bodyPr wrap="square" rtlCol="0">
+            <a:spAutoFit/>
+          </a:bodyPr>
+          <a:lstStyle/>
+          <a:p>
+            <a:r>
+              <a:rPr lang="en-US" altLang="ko-KR" sz="3200" b="1" dirty="0">
+                <a:latin typeface="Century Gothic" panose="020B0502020202020204" pitchFamily="34" charset="0"/>
+                <a:cs typeface="Arial" panose="020B0604020202020204" pitchFamily="34" charset="0"/>
+              </a:rPr>
+              <a:t>Input: Sample</a:t>
+            </a:r>
+            <a:endParaRPr lang="ko-KR" altLang="en-US" sz="3200" b="1" dirty="0">
+              <a:latin typeface="Century Gothic" panose="020B0502020202020204" pitchFamily="34" charset="0"/>
+              <a:cs typeface="Arial" panose="020B0604020202020204" pitchFamily="34" charset="0"/>
+            </a:endParaRPr>
+          </a:p>
+        </p:txBody>
+      </p:sp>
+      <p:sp>
+        <p:nvSpPr>
+          <p:cNvPr id="17" name="TextBox 16">
+            <a:extLst>
+              <a:ext uri="{FF2B5EF4-FFF2-40B4-BE49-F238E27FC236}">
+                <a16:creationId xmlns:a16="http://schemas.microsoft.com/office/drawing/2014/main" id="{57D97842-B3BA-48DE-ADD1-B65AE3299D42}"/>
+              </a:ext>
+            </a:extLst>
+          </p:cNvPr>
+          <p:cNvSpPr txBox="1"/>
+          <p:nvPr/>
+        </p:nvSpPr>
+        <p:spPr>
+          <a:xfrm>
+            <a:off x="2789348" y="4405292"/>
+            <a:ext cx="8908698" cy="723275"/>
+          </a:xfrm>
+          <a:prstGeom prst="rect">
+            <a:avLst/>
+          </a:prstGeom>
+          <a:noFill/>
+        </p:spPr>
+        <p:txBody>
+          <a:bodyPr wrap="square" rtlCol="0">
+            <a:spAutoFit/>
+          </a:bodyPr>
+          <a:lstStyle/>
+          <a:p>
+            <a:pPr algn="ctr"/>
+            <a:r>
+              <a:rPr lang="en-US" altLang="ko-KR" b="1" dirty="0">
+                <a:latin typeface="Century Gothic" panose="020B0502020202020204" pitchFamily="34" charset="0"/>
+              </a:rPr>
+              <a:t>Sample Prep: Analyte Extraction</a:t>
+            </a:r>
+          </a:p>
+          <a:p>
+            <a:pPr algn="ctr"/>
+            <a:endParaRPr lang="en-US" altLang="ko-KR" sz="500" b="1" dirty="0">
+              <a:latin typeface="Century Gothic" panose="020B0502020202020204" pitchFamily="34" charset="0"/>
+            </a:endParaRPr>
+          </a:p>
+          <a:p>
+            <a:pPr algn="ctr"/>
+            <a:r>
+              <a:rPr lang="ko-KR" altLang="en-US" b="1" dirty="0">
+                <a:latin typeface="Century Gothic" panose="020B0502020202020204" pitchFamily="34" charset="0"/>
+              </a:rPr>
+              <a:t>시료 준비</a:t>
+            </a:r>
+            <a:r>
+              <a:rPr lang="en-US" altLang="ko-KR" b="1" dirty="0">
+                <a:latin typeface="Century Gothic" panose="020B0502020202020204" pitchFamily="34" charset="0"/>
+              </a:rPr>
+              <a:t>: </a:t>
+            </a:r>
+            <a:r>
+              <a:rPr lang="ko-KR" altLang="en-US" b="1" dirty="0">
+                <a:latin typeface="Century Gothic" panose="020B0502020202020204" pitchFamily="34" charset="0"/>
+              </a:rPr>
+              <a:t>분석 대상 추출</a:t>
+            </a:r>
+            <a:endParaRPr lang="en-US" altLang="ko-KR" b="1" dirty="0">
+              <a:latin typeface="Century Gothic" panose="020B0502020202020204" pitchFamily="34" charset="0"/>
+            </a:endParaRPr>
+          </a:p>
+        </p:txBody>
+      </p:sp>
+      <p:pic>
+        <p:nvPicPr>
+          <p:cNvPr id="19" name="Picture 6" descr="https://static.thenounproject.com/png/1699532-200.png">
+            <a:extLst>
+              <a:ext uri="{FF2B5EF4-FFF2-40B4-BE49-F238E27FC236}">
+                <a16:creationId xmlns:a16="http://schemas.microsoft.com/office/drawing/2014/main" id="{E65E7008-6AD0-4A25-BD51-62FD400FCD7C}"/>
+              </a:ext>
+            </a:extLst>
+          </p:cNvPr>
+          <p:cNvPicPr>
+            <a:picLocks noChangeAspect="1" noChangeArrowheads="1"/>
+          </p:cNvPicPr>
+          <p:nvPr/>
+        </p:nvPicPr>
+        <p:blipFill>
+          <a:blip r:embed="rId3">
+            <a:extLst>
+              <a:ext uri="{28A0092B-C50C-407E-A947-70E740481C1C}">
+                <a14:useLocalDpi xmlns:a14="http://schemas.microsoft.com/office/drawing/2010/main" val="0"/>
+              </a:ext>
+            </a:extLst>
+          </a:blip>
+          <a:srcRect/>
+          <a:stretch>
+            <a:fillRect/>
+          </a:stretch>
+        </p:blipFill>
+        <p:spPr bwMode="auto">
+          <a:xfrm>
+            <a:off x="-314631" y="4297532"/>
+            <a:ext cx="1905000" cy="1905000"/>
+          </a:xfrm>
+          <a:prstGeom prst="rect">
+            <a:avLst/>
+          </a:prstGeom>
+          <a:noFill/>
+          <a:extLst>
+            <a:ext uri="{909E8E84-426E-40DD-AFC4-6F175D3DCCD1}">
+              <a14:hiddenFill xmlns:a14="http://schemas.microsoft.com/office/drawing/2010/main">
+                <a:solidFill>
+                  <a:srgbClr val="FFFFFF"/>
+                </a:solidFill>
+              </a14:hiddenFill>
+            </a:ext>
+          </a:extLst>
+        </p:spPr>
+      </p:pic>
+    </p:spTree>
+    <p:extLst>
+      <p:ext uri="{BB962C8B-B14F-4D97-AF65-F5344CB8AC3E}">
+        <p14:creationId xmlns:p14="http://schemas.microsoft.com/office/powerpoint/2010/main" val="3159634283"/>
+      </p:ext>
+    </p:extLst>
+  </p:cSld>
+  <p:clrMapOvr>
+    <a:masterClrMapping/>
+  </p:clrMapOvr>
+</p:sld>
+</file>
+
+<file path=ppt/slides/slide11.xml><?xml version="1.0" encoding="utf-8"?>
 <p:sld xmlns:a="http://schemas.openxmlformats.org/drawingml/2006/main" xmlns:r="http://schemas.openxmlformats.org/officeDocument/2006/relationships" xmlns:p="http://schemas.openxmlformats.org/presentationml/2006/main">
   <p:cSld>
     <p:spTree>
@@ -5148,7 +5540,7 @@
           <a:p>
             <a:fld id="{4EA9F97B-3BCE-4CBD-BEBA-B8BB42B88A80}" type="slidenum">
               <a:rPr lang="ko-KR" altLang="en-US" smtClean="0"/>
-              <a:t>10</a:t>
+              <a:t>11</a:t>
             </a:fld>
             <a:endParaRPr lang="ko-KR" altLang="en-US"/>
           </a:p>
@@ -5214,7 +5606,7 @@
 </p:sld>
 </file>
 
-<file path=ppt/slides/slide11.xml><?xml version="1.0" encoding="utf-8"?>
+<file path=ppt/slides/slide12.xml><?xml version="1.0" encoding="utf-8"?>
 <p:sld xmlns:a="http://schemas.openxmlformats.org/drawingml/2006/main" xmlns:r="http://schemas.openxmlformats.org/officeDocument/2006/relationships" xmlns:p="http://schemas.openxmlformats.org/presentationml/2006/main" showMasterSp="0">
   <p:cSld>
     <p:spTree>
@@ -5256,7 +5648,7 @@
               <a:rPr lang="ko-KR" altLang="en-US" smtClean="0">
                 <a:latin typeface="Century Gothic" panose="020B0502020202020204" pitchFamily="34" charset="0"/>
               </a:rPr>
-              <a:t>11</a:t>
+              <a:t>12</a:t>
             </a:fld>
             <a:endParaRPr lang="ko-KR" altLang="en-US">
               <a:latin typeface="Century Gothic" panose="020B0502020202020204" pitchFamily="34" charset="0"/>
@@ -5892,442 +6284,6 @@
     <p:extLst>
       <p:ext uri="{BB962C8B-B14F-4D97-AF65-F5344CB8AC3E}">
         <p14:creationId xmlns:p14="http://schemas.microsoft.com/office/powerpoint/2010/main" val="3083908284"/>
-      </p:ext>
-    </p:extLst>
-  </p:cSld>
-  <p:clrMapOvr>
-    <a:masterClrMapping/>
-  </p:clrMapOvr>
-</p:sld>
-</file>
-
-<file path=ppt/slides/slide12.xml><?xml version="1.0" encoding="utf-8"?>
-<p:sld xmlns:a="http://schemas.openxmlformats.org/drawingml/2006/main" xmlns:r="http://schemas.openxmlformats.org/officeDocument/2006/relationships" xmlns:p="http://schemas.openxmlformats.org/presentationml/2006/main" showMasterSp="0">
-  <p:cSld>
-    <p:spTree>
-      <p:nvGrpSpPr>
-        <p:cNvPr id="1" name=""/>
-        <p:cNvGrpSpPr/>
-        <p:nvPr/>
-      </p:nvGrpSpPr>
-      <p:grpSpPr>
-        <a:xfrm>
-          <a:off x="0" y="0"/>
-          <a:ext cx="0" cy="0"/>
-          <a:chOff x="0" y="0"/>
-          <a:chExt cx="0" cy="0"/>
-        </a:xfrm>
-      </p:grpSpPr>
-      <p:sp>
-        <p:nvSpPr>
-          <p:cNvPr id="2" name="슬라이드 번호 개체 틀 1">
-            <a:extLst>
-              <a:ext uri="{FF2B5EF4-FFF2-40B4-BE49-F238E27FC236}">
-                <a16:creationId xmlns:a16="http://schemas.microsoft.com/office/drawing/2014/main" id="{60AA639D-4C37-403F-9522-62E6EBAC3010}"/>
-              </a:ext>
-            </a:extLst>
-          </p:cNvPr>
-          <p:cNvSpPr>
-            <a:spLocks noGrp="1"/>
-          </p:cNvSpPr>
-          <p:nvPr>
-            <p:ph type="sldNum" sz="quarter" idx="12"/>
-          </p:nvPr>
-        </p:nvSpPr>
-        <p:spPr/>
-        <p:txBody>
-          <a:bodyPr/>
-          <a:lstStyle/>
-          <a:p>
-            <a:fld id="{4EA9F97B-3BCE-4CBD-BEBA-B8BB42B88A80}" type="slidenum">
-              <a:rPr lang="ko-KR" altLang="en-US" smtClean="0">
-                <a:latin typeface="Century Gothic" panose="020B0502020202020204" pitchFamily="34" charset="0"/>
-              </a:rPr>
-              <a:t>12</a:t>
-            </a:fld>
-            <a:endParaRPr lang="ko-KR" altLang="en-US">
-              <a:latin typeface="Century Gothic" panose="020B0502020202020204" pitchFamily="34" charset="0"/>
-            </a:endParaRPr>
-          </a:p>
-        </p:txBody>
-      </p:sp>
-      <p:sp>
-        <p:nvSpPr>
-          <p:cNvPr id="18" name="TextBox 17">
-            <a:extLst>
-              <a:ext uri="{FF2B5EF4-FFF2-40B4-BE49-F238E27FC236}">
-                <a16:creationId xmlns:a16="http://schemas.microsoft.com/office/drawing/2014/main" id="{2B4CCFD3-60B6-49AA-8D71-37F82844AFB6}"/>
-              </a:ext>
-            </a:extLst>
-          </p:cNvPr>
-          <p:cNvSpPr txBox="1"/>
-          <p:nvPr/>
-        </p:nvSpPr>
-        <p:spPr>
-          <a:xfrm>
-            <a:off x="9151269" y="6369635"/>
-            <a:ext cx="1661861" cy="338554"/>
-          </a:xfrm>
-          <a:prstGeom prst="rect">
-            <a:avLst/>
-          </a:prstGeom>
-          <a:solidFill>
-            <a:schemeClr val="accent2"/>
-          </a:solidFill>
-        </p:spPr>
-        <p:txBody>
-          <a:bodyPr wrap="square" rtlCol="0">
-            <a:spAutoFit/>
-          </a:bodyPr>
-          <a:lstStyle/>
-          <a:p>
-            <a:r>
-              <a:rPr lang="en-US" altLang="ko-KR" sz="1600" dirty="0">
-                <a:solidFill>
-                  <a:schemeClr val="bg1"/>
-                </a:solidFill>
-                <a:latin typeface="Century Gothic" panose="020B0502020202020204" pitchFamily="34" charset="0"/>
-                <a:cs typeface="Arial" panose="020B0604020202020204" pitchFamily="34" charset="0"/>
-              </a:rPr>
-              <a:t>CONFIDENTIAL</a:t>
-            </a:r>
-            <a:endParaRPr lang="ko-KR" altLang="en-US" sz="1600" dirty="0">
-              <a:solidFill>
-                <a:schemeClr val="bg1"/>
-              </a:solidFill>
-              <a:latin typeface="Century Gothic" panose="020B0502020202020204" pitchFamily="34" charset="0"/>
-              <a:cs typeface="Arial" panose="020B0604020202020204" pitchFamily="34" charset="0"/>
-            </a:endParaRPr>
-          </a:p>
-        </p:txBody>
-      </p:sp>
-      <p:pic>
-        <p:nvPicPr>
-          <p:cNvPr id="27" name="그림 26">
-            <a:extLst>
-              <a:ext uri="{FF2B5EF4-FFF2-40B4-BE49-F238E27FC236}">
-                <a16:creationId xmlns:a16="http://schemas.microsoft.com/office/drawing/2014/main" id="{6016E56F-A47A-4A2D-BF78-2D5556BA4E3E}"/>
-              </a:ext>
-            </a:extLst>
-          </p:cNvPr>
-          <p:cNvPicPr>
-            <a:picLocks noChangeAspect="1"/>
-          </p:cNvPicPr>
-          <p:nvPr/>
-        </p:nvPicPr>
-        <p:blipFill>
-          <a:blip r:embed="rId2" cstate="print">
-            <a:extLst>
-              <a:ext uri="{28A0092B-C50C-407E-A947-70E740481C1C}">
-                <a14:useLocalDpi xmlns:a14="http://schemas.microsoft.com/office/drawing/2010/main" val="0"/>
-              </a:ext>
-            </a:extLst>
-          </a:blip>
-          <a:stretch>
-            <a:fillRect/>
-          </a:stretch>
-        </p:blipFill>
-        <p:spPr>
-          <a:xfrm>
-            <a:off x="838200" y="6438121"/>
-            <a:ext cx="1106541" cy="201581"/>
-          </a:xfrm>
-          <a:prstGeom prst="rect">
-            <a:avLst/>
-          </a:prstGeom>
-        </p:spPr>
-      </p:pic>
-      <p:cxnSp>
-        <p:nvCxnSpPr>
-          <p:cNvPr id="34" name="직선 연결선 33">
-            <a:extLst>
-              <a:ext uri="{FF2B5EF4-FFF2-40B4-BE49-F238E27FC236}">
-                <a16:creationId xmlns:a16="http://schemas.microsoft.com/office/drawing/2014/main" id="{9B051A9E-2E72-408D-8625-B19A5790FCCE}"/>
-              </a:ext>
-            </a:extLst>
-          </p:cNvPr>
-          <p:cNvCxnSpPr>
-            <a:cxnSpLocks/>
-          </p:cNvCxnSpPr>
-          <p:nvPr/>
-        </p:nvCxnSpPr>
-        <p:spPr>
-          <a:xfrm>
-            <a:off x="909937" y="655251"/>
-            <a:ext cx="10443863" cy="0"/>
-          </a:xfrm>
-          <a:prstGeom prst="line">
-            <a:avLst/>
-          </a:prstGeom>
-          <a:ln w="6350">
-            <a:solidFill>
-              <a:schemeClr val="tx1"/>
-            </a:solidFill>
-          </a:ln>
-        </p:spPr>
-        <p:style>
-          <a:lnRef idx="1">
-            <a:schemeClr val="accent1"/>
-          </a:lnRef>
-          <a:fillRef idx="0">
-            <a:schemeClr val="accent1"/>
-          </a:fillRef>
-          <a:effectRef idx="0">
-            <a:schemeClr val="accent1"/>
-          </a:effectRef>
-          <a:fontRef idx="minor">
-            <a:schemeClr val="tx1"/>
-          </a:fontRef>
-        </p:style>
-      </p:cxnSp>
-      <p:cxnSp>
-        <p:nvCxnSpPr>
-          <p:cNvPr id="35" name="직선 연결선 34">
-            <a:extLst>
-              <a:ext uri="{FF2B5EF4-FFF2-40B4-BE49-F238E27FC236}">
-                <a16:creationId xmlns:a16="http://schemas.microsoft.com/office/drawing/2014/main" id="{8CD1D560-4989-4F2A-94B1-B1AB7E9F7A8E}"/>
-              </a:ext>
-            </a:extLst>
-          </p:cNvPr>
-          <p:cNvCxnSpPr>
-            <a:cxnSpLocks/>
-          </p:cNvCxnSpPr>
-          <p:nvPr/>
-        </p:nvCxnSpPr>
-        <p:spPr>
-          <a:xfrm>
-            <a:off x="838200" y="6258095"/>
-            <a:ext cx="10515600" cy="0"/>
-          </a:xfrm>
-          <a:prstGeom prst="line">
-            <a:avLst/>
-          </a:prstGeom>
-          <a:ln w="6350">
-            <a:solidFill>
-              <a:schemeClr val="tx1"/>
-            </a:solidFill>
-          </a:ln>
-        </p:spPr>
-        <p:style>
-          <a:lnRef idx="1">
-            <a:schemeClr val="accent1"/>
-          </a:lnRef>
-          <a:fillRef idx="0">
-            <a:schemeClr val="accent1"/>
-          </a:fillRef>
-          <a:effectRef idx="0">
-            <a:schemeClr val="accent1"/>
-          </a:effectRef>
-          <a:fontRef idx="minor">
-            <a:schemeClr val="tx1"/>
-          </a:fontRef>
-        </p:style>
-      </p:cxnSp>
-      <p:sp>
-        <p:nvSpPr>
-          <p:cNvPr id="8" name="TextBox 7">
-            <a:extLst>
-              <a:ext uri="{FF2B5EF4-FFF2-40B4-BE49-F238E27FC236}">
-                <a16:creationId xmlns:a16="http://schemas.microsoft.com/office/drawing/2014/main" id="{F8B465D6-7168-490E-A194-31EF06762E2E}"/>
-              </a:ext>
-            </a:extLst>
-          </p:cNvPr>
-          <p:cNvSpPr txBox="1"/>
-          <p:nvPr/>
-        </p:nvSpPr>
-        <p:spPr>
-          <a:xfrm>
-            <a:off x="838199" y="140558"/>
-            <a:ext cx="5307623" cy="584775"/>
-          </a:xfrm>
-          <a:prstGeom prst="rect">
-            <a:avLst/>
-          </a:prstGeom>
-          <a:noFill/>
-        </p:spPr>
-        <p:txBody>
-          <a:bodyPr wrap="square" rtlCol="0">
-            <a:spAutoFit/>
-          </a:bodyPr>
-          <a:lstStyle/>
-          <a:p>
-            <a:r>
-              <a:rPr lang="en-US" altLang="ko-KR" sz="3200" b="1" dirty="0">
-                <a:latin typeface="Century Gothic" panose="020B0502020202020204" pitchFamily="34" charset="0"/>
-                <a:cs typeface="Arial" panose="020B0604020202020204" pitchFamily="34" charset="0"/>
-              </a:rPr>
-              <a:t>Detection</a:t>
-            </a:r>
-            <a:endParaRPr lang="ko-KR" altLang="en-US" sz="3200" b="1" dirty="0">
-              <a:latin typeface="Century Gothic" panose="020B0502020202020204" pitchFamily="34" charset="0"/>
-              <a:cs typeface="Arial" panose="020B0604020202020204" pitchFamily="34" charset="0"/>
-            </a:endParaRPr>
-          </a:p>
-        </p:txBody>
-      </p:sp>
-      <p:sp>
-        <p:nvSpPr>
-          <p:cNvPr id="4" name="TextBox 3"/>
-          <p:cNvSpPr txBox="1"/>
-          <p:nvPr/>
-        </p:nvSpPr>
-        <p:spPr>
-          <a:xfrm>
-            <a:off x="1028699" y="896815"/>
-            <a:ext cx="7599485" cy="369332"/>
-          </a:xfrm>
-          <a:prstGeom prst="rect">
-            <a:avLst/>
-          </a:prstGeom>
-          <a:noFill/>
-        </p:spPr>
-        <p:txBody>
-          <a:bodyPr wrap="square" rtlCol="0">
-            <a:spAutoFit/>
-          </a:bodyPr>
-          <a:lstStyle/>
-          <a:p>
-            <a:endParaRPr lang="ko-KR" altLang="en-US" dirty="0">
-              <a:latin typeface="Century Gothic" panose="020B0502020202020204" pitchFamily="34" charset="0"/>
-            </a:endParaRPr>
-          </a:p>
-        </p:txBody>
-      </p:sp>
-      <p:sp>
-        <p:nvSpPr>
-          <p:cNvPr id="10" name="직사각형 9"/>
-          <p:cNvSpPr/>
-          <p:nvPr/>
-        </p:nvSpPr>
-        <p:spPr>
-          <a:xfrm>
-            <a:off x="312066" y="5978777"/>
-            <a:ext cx="3009157" cy="369332"/>
-          </a:xfrm>
-          <a:prstGeom prst="rect">
-            <a:avLst/>
-          </a:prstGeom>
-        </p:spPr>
-        <p:txBody>
-          <a:bodyPr wrap="none">
-            <a:spAutoFit/>
-          </a:bodyPr>
-          <a:lstStyle/>
-          <a:p>
-            <a:r>
-              <a:rPr lang="ko-KR" altLang="en-US" sz="900" dirty="0">
-                <a:hlinkClick r:id="rId3"/>
-              </a:rPr>
-              <a:t>https://en.oxforddictionaries.com/definition/all-in-one</a:t>
-            </a:r>
-            <a:endParaRPr lang="en-US" altLang="ko-KR" sz="900" dirty="0"/>
-          </a:p>
-          <a:p>
-            <a:endParaRPr lang="ko-KR" altLang="en-US" sz="900" dirty="0"/>
-          </a:p>
-        </p:txBody>
-      </p:sp>
-      <p:pic>
-        <p:nvPicPr>
-          <p:cNvPr id="5" name="그림 4"/>
-          <p:cNvPicPr>
-            <a:picLocks noChangeAspect="1"/>
-          </p:cNvPicPr>
-          <p:nvPr/>
-        </p:nvPicPr>
-        <p:blipFill>
-          <a:blip r:embed="rId4">
-            <a:extLst>
-              <a:ext uri="{28A0092B-C50C-407E-A947-70E740481C1C}">
-                <a14:useLocalDpi xmlns:a14="http://schemas.microsoft.com/office/drawing/2010/main" val="0"/>
-              </a:ext>
-            </a:extLst>
-          </a:blip>
-          <a:stretch>
-            <a:fillRect/>
-          </a:stretch>
-        </p:blipFill>
-        <p:spPr>
-          <a:xfrm>
-            <a:off x="1333500" y="600075"/>
-            <a:ext cx="8112057" cy="4818562"/>
-          </a:xfrm>
-          <a:prstGeom prst="rect">
-            <a:avLst/>
-          </a:prstGeom>
-        </p:spPr>
-      </p:pic>
-      <p:sp>
-        <p:nvSpPr>
-          <p:cNvPr id="6" name="TextBox 5"/>
-          <p:cNvSpPr txBox="1"/>
-          <p:nvPr/>
-        </p:nvSpPr>
-        <p:spPr>
-          <a:xfrm>
-            <a:off x="7622030" y="2533343"/>
-            <a:ext cx="4494179" cy="1200329"/>
-          </a:xfrm>
-          <a:prstGeom prst="rect">
-            <a:avLst/>
-          </a:prstGeom>
-          <a:noFill/>
-        </p:spPr>
-        <p:txBody>
-          <a:bodyPr wrap="square" rtlCol="0">
-            <a:spAutoFit/>
-          </a:bodyPr>
-          <a:lstStyle/>
-          <a:p>
-            <a:r>
-              <a:rPr lang="en-US" altLang="ko-KR" dirty="0"/>
-              <a:t>PCR </a:t>
-            </a:r>
-            <a:r>
-              <a:rPr lang="ko-KR" altLang="en-US" dirty="0"/>
-              <a:t>로 분석 왜</a:t>
-            </a:r>
-            <a:r>
-              <a:rPr lang="en-US" altLang="ko-KR" dirty="0"/>
-              <a:t>? </a:t>
-            </a:r>
-            <a:r>
-              <a:rPr lang="ko-KR" altLang="en-US" dirty="0"/>
-              <a:t>양이 작으니까</a:t>
-            </a:r>
-            <a:endParaRPr lang="en-US" altLang="ko-KR" dirty="0"/>
-          </a:p>
-          <a:p>
-            <a:endParaRPr lang="en-US" altLang="ko-KR" dirty="0"/>
-          </a:p>
-          <a:p>
-            <a:r>
-              <a:rPr lang="en-US" altLang="ko-KR" dirty="0"/>
-              <a:t>qPCR or </a:t>
-            </a:r>
-            <a:r>
-              <a:rPr lang="en-US" altLang="ko-KR" dirty="0" err="1"/>
-              <a:t>dPCR</a:t>
-            </a:r>
-            <a:r>
-              <a:rPr lang="en-US" altLang="ko-KR" dirty="0"/>
-              <a:t> </a:t>
-            </a:r>
-            <a:r>
-              <a:rPr lang="ko-KR" altLang="en-US" dirty="0"/>
-              <a:t>로 함</a:t>
-            </a:r>
-            <a:endParaRPr lang="en-US" altLang="ko-KR" dirty="0"/>
-          </a:p>
-          <a:p>
-            <a:endParaRPr lang="ko-KR" altLang="en-US" dirty="0"/>
-          </a:p>
-        </p:txBody>
-      </p:sp>
-    </p:spTree>
-    <p:extLst>
-      <p:ext uri="{BB962C8B-B14F-4D97-AF65-F5344CB8AC3E}">
-        <p14:creationId xmlns:p14="http://schemas.microsoft.com/office/powerpoint/2010/main" val="3467827953"/>
       </p:ext>
     </p:extLst>
   </p:cSld>
@@ -11117,641 +11073,12 @@
           </a:p>
         </p:txBody>
       </p:sp>
-      <p:sp>
-        <p:nvSpPr>
-          <p:cNvPr id="36" name="TextBox 35">
-            <a:extLst>
-              <a:ext uri="{FF2B5EF4-FFF2-40B4-BE49-F238E27FC236}">
-                <a16:creationId xmlns:a16="http://schemas.microsoft.com/office/drawing/2014/main" id="{AF892C4A-B64E-4F18-9452-9945F7DA9335}"/>
-              </a:ext>
-            </a:extLst>
-          </p:cNvPr>
-          <p:cNvSpPr txBox="1"/>
-          <p:nvPr/>
-        </p:nvSpPr>
-        <p:spPr>
-          <a:xfrm>
-            <a:off x="1391470" y="5295347"/>
-            <a:ext cx="8908698" cy="723275"/>
-          </a:xfrm>
-          <a:prstGeom prst="rect">
-            <a:avLst/>
-          </a:prstGeom>
-          <a:noFill/>
-        </p:spPr>
-        <p:txBody>
-          <a:bodyPr wrap="square" rtlCol="0">
-            <a:spAutoFit/>
-          </a:bodyPr>
-          <a:lstStyle/>
-          <a:p>
-            <a:pPr algn="ctr"/>
-            <a:r>
-              <a:rPr lang="en-US" altLang="ko-KR" b="1" dirty="0">
-                <a:latin typeface="Century Gothic" panose="020B0502020202020204" pitchFamily="34" charset="0"/>
-              </a:rPr>
-              <a:t>Developing Interface B/W Sample &amp; Cartridge</a:t>
-            </a:r>
-          </a:p>
-          <a:p>
-            <a:pPr algn="ctr"/>
-            <a:endParaRPr lang="en-US" altLang="ko-KR" sz="500" b="1" dirty="0">
-              <a:latin typeface="Century Gothic" panose="020B0502020202020204" pitchFamily="34" charset="0"/>
-            </a:endParaRPr>
-          </a:p>
-          <a:p>
-            <a:pPr algn="ctr"/>
-            <a:r>
-              <a:rPr lang="ko-KR" altLang="en-US" b="1" dirty="0">
-                <a:latin typeface="Century Gothic" panose="020B0502020202020204" pitchFamily="34" charset="0"/>
-              </a:rPr>
-              <a:t>시료를 카트리지내로 쉽고 안전하게 도입하는</a:t>
-            </a:r>
-            <a:r>
-              <a:rPr lang="en-US" altLang="ko-KR" b="1" dirty="0">
-                <a:latin typeface="Century Gothic" panose="020B0502020202020204" pitchFamily="34" charset="0"/>
-              </a:rPr>
-              <a:t> </a:t>
-            </a:r>
-            <a:r>
-              <a:rPr lang="ko-KR" altLang="en-US" b="1" dirty="0">
-                <a:latin typeface="Century Gothic" panose="020B0502020202020204" pitchFamily="34" charset="0"/>
-              </a:rPr>
-              <a:t>인터페이스 개발</a:t>
-            </a:r>
-            <a:endParaRPr lang="en-US" altLang="ko-KR" b="1" dirty="0">
-              <a:latin typeface="Century Gothic" panose="020B0502020202020204" pitchFamily="34" charset="0"/>
-            </a:endParaRPr>
-          </a:p>
-        </p:txBody>
-      </p:sp>
-      <p:grpSp>
-        <p:nvGrpSpPr>
-          <p:cNvPr id="17" name="그룹 16">
-            <a:extLst>
-              <a:ext uri="{FF2B5EF4-FFF2-40B4-BE49-F238E27FC236}">
-                <a16:creationId xmlns:a16="http://schemas.microsoft.com/office/drawing/2014/main" id="{40E5AC8D-0D87-42F8-AD2B-099FB0FE6ECC}"/>
-              </a:ext>
-            </a:extLst>
-          </p:cNvPr>
-          <p:cNvGrpSpPr/>
-          <p:nvPr/>
-        </p:nvGrpSpPr>
-        <p:grpSpPr>
-          <a:xfrm>
-            <a:off x="1944741" y="1274171"/>
-            <a:ext cx="8924843" cy="3789846"/>
-            <a:chOff x="2263857" y="1377551"/>
-            <a:chExt cx="8924843" cy="3789846"/>
-          </a:xfrm>
-        </p:grpSpPr>
-        <p:pic>
-          <p:nvPicPr>
-            <p:cNvPr id="3090" name="Picture 18" descr="https://static.thenounproject.com/png/590605-200.png">
-              <a:extLst>
-                <a:ext uri="{FF2B5EF4-FFF2-40B4-BE49-F238E27FC236}">
-                  <a16:creationId xmlns:a16="http://schemas.microsoft.com/office/drawing/2014/main" id="{B18B83DB-A821-4E12-97F1-30FAD4BDB513}"/>
-                </a:ext>
-              </a:extLst>
-            </p:cNvPr>
-            <p:cNvPicPr>
-              <a:picLocks noChangeAspect="1" noChangeArrowheads="1"/>
-            </p:cNvPicPr>
-            <p:nvPr/>
-          </p:nvPicPr>
-          <p:blipFill>
-            <a:blip r:embed="rId4">
-              <a:extLst>
-                <a:ext uri="{28A0092B-C50C-407E-A947-70E740481C1C}">
-                  <a14:useLocalDpi xmlns:a14="http://schemas.microsoft.com/office/drawing/2010/main" val="0"/>
-                </a:ext>
-              </a:extLst>
-            </a:blip>
-            <a:srcRect/>
-            <a:stretch>
-              <a:fillRect/>
-            </a:stretch>
-          </p:blipFill>
-          <p:spPr bwMode="auto">
-            <a:xfrm>
-              <a:off x="5585475" y="1470909"/>
-              <a:ext cx="1009399" cy="1009399"/>
-            </a:xfrm>
-            <a:prstGeom prst="rect">
-              <a:avLst/>
-            </a:prstGeom>
-            <a:noFill/>
-            <a:extLst>
-              <a:ext uri="{909E8E84-426E-40DD-AFC4-6F175D3DCCD1}">
-                <a14:hiddenFill xmlns:a14="http://schemas.microsoft.com/office/drawing/2010/main">
-                  <a:solidFill>
-                    <a:srgbClr val="FFFFFF"/>
-                  </a:solidFill>
-                </a14:hiddenFill>
-              </a:ext>
-            </a:extLst>
-          </p:spPr>
-        </p:pic>
-        <p:grpSp>
-          <p:nvGrpSpPr>
-            <p:cNvPr id="13" name="그룹 12">
-              <a:extLst>
-                <a:ext uri="{FF2B5EF4-FFF2-40B4-BE49-F238E27FC236}">
-                  <a16:creationId xmlns:a16="http://schemas.microsoft.com/office/drawing/2014/main" id="{149511E4-0796-46AC-9474-DDF979920D35}"/>
-                </a:ext>
-              </a:extLst>
-            </p:cNvPr>
-            <p:cNvGrpSpPr/>
-            <p:nvPr/>
-          </p:nvGrpSpPr>
-          <p:grpSpPr>
-            <a:xfrm>
-              <a:off x="2263857" y="1377551"/>
-              <a:ext cx="1016723" cy="3789846"/>
-              <a:chOff x="3185520" y="1479894"/>
-              <a:chExt cx="1187265" cy="4267942"/>
-            </a:xfrm>
-          </p:grpSpPr>
-          <p:pic>
-            <p:nvPicPr>
-              <p:cNvPr id="3" name="그림 2"/>
-              <p:cNvPicPr>
-                <a:picLocks noChangeAspect="1"/>
-              </p:cNvPicPr>
-              <p:nvPr/>
-            </p:nvPicPr>
-            <p:blipFill>
-              <a:blip r:embed="rId5">
-                <a:clrChange>
-                  <a:clrFrom>
-                    <a:srgbClr val="FAFAFA"/>
-                  </a:clrFrom>
-                  <a:clrTo>
-                    <a:srgbClr val="FAFAFA">
-                      <a:alpha val="0"/>
-                    </a:srgbClr>
-                  </a:clrTo>
-                </a:clrChange>
-              </a:blip>
-              <a:stretch>
-                <a:fillRect/>
-              </a:stretch>
-            </p:blipFill>
-            <p:spPr>
-              <a:xfrm>
-                <a:off x="3194073" y="1479894"/>
-                <a:ext cx="1178712" cy="1118778"/>
-              </a:xfrm>
-              <a:prstGeom prst="rect">
-                <a:avLst/>
-              </a:prstGeom>
-            </p:spPr>
-          </p:pic>
-          <p:pic>
-            <p:nvPicPr>
-              <p:cNvPr id="5" name="그림 4"/>
-              <p:cNvPicPr>
-                <a:picLocks noChangeAspect="1"/>
-              </p:cNvPicPr>
-              <p:nvPr/>
-            </p:nvPicPr>
-            <p:blipFill>
-              <a:blip r:embed="rId6">
-                <a:clrChange>
-                  <a:clrFrom>
-                    <a:srgbClr val="FAFAFA"/>
-                  </a:clrFrom>
-                  <a:clrTo>
-                    <a:srgbClr val="FAFAFA">
-                      <a:alpha val="0"/>
-                    </a:srgbClr>
-                  </a:clrTo>
-                </a:clrChange>
-              </a:blip>
-              <a:stretch>
-                <a:fillRect/>
-              </a:stretch>
-            </p:blipFill>
-            <p:spPr>
-              <a:xfrm>
-                <a:off x="3211374" y="2895558"/>
-                <a:ext cx="1144109" cy="1436616"/>
-              </a:xfrm>
-              <a:prstGeom prst="rect">
-                <a:avLst/>
-              </a:prstGeom>
-            </p:spPr>
-          </p:pic>
-          <p:pic>
-            <p:nvPicPr>
-              <p:cNvPr id="3092" name="Picture 20" descr="https://static.thenounproject.com/png/591975-200.png">
-                <a:extLst>
-                  <a:ext uri="{FF2B5EF4-FFF2-40B4-BE49-F238E27FC236}">
-                    <a16:creationId xmlns:a16="http://schemas.microsoft.com/office/drawing/2014/main" id="{1CC03012-AE66-4006-B27C-A3F2DE86F622}"/>
-                  </a:ext>
-                </a:extLst>
-              </p:cNvPr>
-              <p:cNvPicPr>
-                <a:picLocks noChangeAspect="1" noChangeArrowheads="1"/>
-              </p:cNvPicPr>
-              <p:nvPr/>
-            </p:nvPicPr>
-            <p:blipFill>
-              <a:blip r:embed="rId7">
-                <a:extLst>
-                  <a:ext uri="{28A0092B-C50C-407E-A947-70E740481C1C}">
-                    <a14:useLocalDpi xmlns:a14="http://schemas.microsoft.com/office/drawing/2010/main" val="0"/>
-                  </a:ext>
-                </a:extLst>
-              </a:blip>
-              <a:srcRect/>
-              <a:stretch>
-                <a:fillRect/>
-              </a:stretch>
-            </p:blipFill>
-            <p:spPr bwMode="auto">
-              <a:xfrm>
-                <a:off x="3185520" y="4629061"/>
-                <a:ext cx="1118775" cy="1118775"/>
-              </a:xfrm>
-              <a:prstGeom prst="rect">
-                <a:avLst/>
-              </a:prstGeom>
-              <a:noFill/>
-              <a:extLst>
-                <a:ext uri="{909E8E84-426E-40DD-AFC4-6F175D3DCCD1}">
-                  <a14:hiddenFill xmlns:a14="http://schemas.microsoft.com/office/drawing/2010/main">
-                    <a:solidFill>
-                      <a:srgbClr val="FFFFFF"/>
-                    </a:solidFill>
-                  </a14:hiddenFill>
-                </a:ext>
-              </a:extLst>
-            </p:spPr>
-          </p:pic>
-        </p:grpSp>
-        <p:pic>
-          <p:nvPicPr>
-            <p:cNvPr id="3098" name="Picture 26" descr="https://static.thenounproject.com/png/793630-200.png">
-              <a:extLst>
-                <a:ext uri="{FF2B5EF4-FFF2-40B4-BE49-F238E27FC236}">
-                  <a16:creationId xmlns:a16="http://schemas.microsoft.com/office/drawing/2014/main" id="{9A1F9FFC-F54C-46FD-B27E-B9A267A46DDF}"/>
-                </a:ext>
-              </a:extLst>
-            </p:cNvPr>
-            <p:cNvPicPr>
-              <a:picLocks noChangeAspect="1" noChangeArrowheads="1"/>
-            </p:cNvPicPr>
-            <p:nvPr/>
-          </p:nvPicPr>
-          <p:blipFill>
-            <a:blip r:embed="rId8">
-              <a:extLst>
-                <a:ext uri="{28A0092B-C50C-407E-A947-70E740481C1C}">
-                  <a14:useLocalDpi xmlns:a14="http://schemas.microsoft.com/office/drawing/2010/main" val="0"/>
-                </a:ext>
-              </a:extLst>
-            </a:blip>
-            <a:srcRect/>
-            <a:stretch>
-              <a:fillRect/>
-            </a:stretch>
-          </p:blipFill>
-          <p:spPr bwMode="auto">
-            <a:xfrm rot="5400000">
-              <a:off x="5457216" y="2551049"/>
-              <a:ext cx="1321093" cy="1527048"/>
-            </a:xfrm>
-            <a:prstGeom prst="rect">
-              <a:avLst/>
-            </a:prstGeom>
-            <a:noFill/>
-            <a:extLst>
-              <a:ext uri="{909E8E84-426E-40DD-AFC4-6F175D3DCCD1}">
-                <a14:hiddenFill xmlns:a14="http://schemas.microsoft.com/office/drawing/2010/main">
-                  <a:solidFill>
-                    <a:srgbClr val="FFFFFF"/>
-                  </a:solidFill>
-                </a14:hiddenFill>
-              </a:ext>
-            </a:extLst>
-          </p:spPr>
-        </p:pic>
-        <p:grpSp>
-          <p:nvGrpSpPr>
-            <p:cNvPr id="15" name="그룹 14">
-              <a:extLst>
-                <a:ext uri="{FF2B5EF4-FFF2-40B4-BE49-F238E27FC236}">
-                  <a16:creationId xmlns:a16="http://schemas.microsoft.com/office/drawing/2014/main" id="{6CA6530C-FE8D-4054-8C4F-5754FF55EBE4}"/>
-                </a:ext>
-              </a:extLst>
-            </p:cNvPr>
-            <p:cNvGrpSpPr/>
-            <p:nvPr/>
-          </p:nvGrpSpPr>
-          <p:grpSpPr>
-            <a:xfrm>
-              <a:off x="8040370" y="2371003"/>
-              <a:ext cx="3148330" cy="1703248"/>
-              <a:chOff x="7529939" y="2198213"/>
-              <a:chExt cx="3242660" cy="1870160"/>
-            </a:xfrm>
-          </p:grpSpPr>
-          <p:pic>
-            <p:nvPicPr>
-              <p:cNvPr id="32" name="Picture 2" descr="APIs Rising: Understanding the Newest Integration Technology">
-                <a:extLst>
-                  <a:ext uri="{FF2B5EF4-FFF2-40B4-BE49-F238E27FC236}">
-                    <a16:creationId xmlns:a16="http://schemas.microsoft.com/office/drawing/2014/main" id="{BE685B71-1314-4100-8C73-409C8C50102C}"/>
-                  </a:ext>
-                </a:extLst>
-              </p:cNvPr>
-              <p:cNvPicPr>
-                <a:picLocks noChangeAspect="1" noChangeArrowheads="1"/>
-              </p:cNvPicPr>
-              <p:nvPr/>
-            </p:nvPicPr>
-            <p:blipFill>
-              <a:blip r:embed="rId9">
-                <a:extLst>
-                  <a:ext uri="{28A0092B-C50C-407E-A947-70E740481C1C}">
-                    <a14:useLocalDpi xmlns:a14="http://schemas.microsoft.com/office/drawing/2010/main" val="0"/>
-                  </a:ext>
-                </a:extLst>
-              </a:blip>
-              <a:srcRect/>
-              <a:stretch>
-                <a:fillRect/>
-              </a:stretch>
-            </p:blipFill>
-            <p:spPr bwMode="auto">
-              <a:xfrm>
-                <a:off x="7529939" y="2244861"/>
-                <a:ext cx="3242660" cy="1693295"/>
-              </a:xfrm>
-              <a:prstGeom prst="rect">
-                <a:avLst/>
-              </a:prstGeom>
-              <a:noFill/>
-              <a:extLst>
-                <a:ext uri="{909E8E84-426E-40DD-AFC4-6F175D3DCCD1}">
-                  <a14:hiddenFill xmlns:a14="http://schemas.microsoft.com/office/drawing/2010/main">
-                    <a:solidFill>
-                      <a:srgbClr val="FFFFFF"/>
-                    </a:solidFill>
-                  </a14:hiddenFill>
-                </a:ext>
-              </a:extLst>
-            </p:spPr>
-          </p:pic>
-          <p:sp>
-            <p:nvSpPr>
-              <p:cNvPr id="14" name="사각형: 둥근 모서리 13">
-                <a:extLst>
-                  <a:ext uri="{FF2B5EF4-FFF2-40B4-BE49-F238E27FC236}">
-                    <a16:creationId xmlns:a16="http://schemas.microsoft.com/office/drawing/2014/main" id="{7EF031A5-6A9C-4E2C-ACED-B13108B5ED66}"/>
-                  </a:ext>
-                </a:extLst>
-              </p:cNvPr>
-              <p:cNvSpPr/>
-              <p:nvPr/>
-            </p:nvSpPr>
-            <p:spPr>
-              <a:xfrm>
-                <a:off x="7605796" y="2198213"/>
-                <a:ext cx="3021217" cy="1870160"/>
-              </a:xfrm>
-              <a:prstGeom prst="roundRect">
-                <a:avLst/>
-              </a:prstGeom>
-              <a:noFill/>
-              <a:ln w="63500">
-                <a:solidFill>
-                  <a:schemeClr val="tx1"/>
-                </a:solidFill>
-              </a:ln>
-            </p:spPr>
-            <p:style>
-              <a:lnRef idx="2">
-                <a:schemeClr val="accent1">
-                  <a:shade val="50000"/>
-                </a:schemeClr>
-              </a:lnRef>
-              <a:fillRef idx="1">
-                <a:schemeClr val="accent1"/>
-              </a:fillRef>
-              <a:effectRef idx="0">
-                <a:schemeClr val="accent1"/>
-              </a:effectRef>
-              <a:fontRef idx="minor">
-                <a:schemeClr val="lt1"/>
-              </a:fontRef>
-            </p:style>
-            <p:txBody>
-              <a:bodyPr rtlCol="0" anchor="ctr"/>
-              <a:lstStyle/>
-              <a:p>
-                <a:pPr algn="ctr"/>
-                <a:endParaRPr lang="ko-KR" altLang="en-US"/>
-              </a:p>
-            </p:txBody>
-          </p:sp>
-        </p:grpSp>
-        <p:pic>
-          <p:nvPicPr>
-            <p:cNvPr id="37" name="Picture 24" descr="https://static.thenounproject.com/png/791668-200.png">
-              <a:extLst>
-                <a:ext uri="{FF2B5EF4-FFF2-40B4-BE49-F238E27FC236}">
-                  <a16:creationId xmlns:a16="http://schemas.microsoft.com/office/drawing/2014/main" id="{9D90B4F2-D1BB-44FC-9209-BF742B09CB08}"/>
-                </a:ext>
-              </a:extLst>
-            </p:cNvPr>
-            <p:cNvPicPr>
-              <a:picLocks noChangeAspect="1" noChangeArrowheads="1"/>
-            </p:cNvPicPr>
-            <p:nvPr/>
-          </p:nvPicPr>
-          <p:blipFill>
-            <a:blip r:embed="rId10" cstate="hqprint">
-              <a:extLst>
-                <a:ext uri="{28A0092B-C50C-407E-A947-70E740481C1C}">
-                  <a14:useLocalDpi xmlns:a14="http://schemas.microsoft.com/office/drawing/2010/main" val="0"/>
-                </a:ext>
-              </a:extLst>
-            </a:blip>
-            <a:srcRect/>
-            <a:stretch>
-              <a:fillRect/>
-            </a:stretch>
-          </p:blipFill>
-          <p:spPr bwMode="auto">
-            <a:xfrm>
-              <a:off x="7206757" y="2714484"/>
-              <a:ext cx="508143" cy="508143"/>
-            </a:xfrm>
-            <a:prstGeom prst="rect">
-              <a:avLst/>
-            </a:prstGeom>
-            <a:noFill/>
-            <a:extLst>
-              <a:ext uri="{909E8E84-426E-40DD-AFC4-6F175D3DCCD1}">
-                <a14:hiddenFill xmlns:a14="http://schemas.microsoft.com/office/drawing/2010/main">
-                  <a:solidFill>
-                    <a:srgbClr val="FFFFFF"/>
-                  </a:solidFill>
-                </a14:hiddenFill>
-              </a:ext>
-            </a:extLst>
-          </p:spPr>
-        </p:pic>
-        <p:pic>
-          <p:nvPicPr>
-            <p:cNvPr id="38" name="Picture 2" descr="https://static.thenounproject.com/png/791665-200.png">
-              <a:extLst>
-                <a:ext uri="{FF2B5EF4-FFF2-40B4-BE49-F238E27FC236}">
-                  <a16:creationId xmlns:a16="http://schemas.microsoft.com/office/drawing/2014/main" id="{A935E5D2-7774-4AE7-9B0D-E6C7C7FCD214}"/>
-                </a:ext>
-              </a:extLst>
-            </p:cNvPr>
-            <p:cNvPicPr>
-              <a:picLocks noChangeAspect="1" noChangeArrowheads="1"/>
-            </p:cNvPicPr>
-            <p:nvPr/>
-          </p:nvPicPr>
-          <p:blipFill>
-            <a:blip r:embed="rId11" cstate="hqprint">
-              <a:extLst>
-                <a:ext uri="{28A0092B-C50C-407E-A947-70E740481C1C}">
-                  <a14:useLocalDpi xmlns:a14="http://schemas.microsoft.com/office/drawing/2010/main" val="0"/>
-                </a:ext>
-              </a:extLst>
-            </a:blip>
-            <a:srcRect/>
-            <a:stretch>
-              <a:fillRect/>
-            </a:stretch>
-          </p:blipFill>
-          <p:spPr bwMode="auto">
-            <a:xfrm>
-              <a:off x="4374059" y="2668508"/>
-              <a:ext cx="508143" cy="508143"/>
-            </a:xfrm>
-            <a:prstGeom prst="rect">
-              <a:avLst/>
-            </a:prstGeom>
-            <a:noFill/>
-            <a:extLst>
-              <a:ext uri="{909E8E84-426E-40DD-AFC4-6F175D3DCCD1}">
-                <a14:hiddenFill xmlns:a14="http://schemas.microsoft.com/office/drawing/2010/main">
-                  <a:solidFill>
-                    <a:srgbClr val="FFFFFF"/>
-                  </a:solidFill>
-                </a14:hiddenFill>
-              </a:ext>
-            </a:extLst>
-          </p:spPr>
-        </p:pic>
-      </p:grpSp>
-      <p:sp>
-        <p:nvSpPr>
-          <p:cNvPr id="39" name="TextBox 38">
-            <a:extLst>
-              <a:ext uri="{FF2B5EF4-FFF2-40B4-BE49-F238E27FC236}">
-                <a16:creationId xmlns:a16="http://schemas.microsoft.com/office/drawing/2014/main" id="{B17FBE3B-0EC3-41D6-8A2F-56AB9AF149C4}"/>
-              </a:ext>
-            </a:extLst>
-          </p:cNvPr>
-          <p:cNvSpPr txBox="1"/>
-          <p:nvPr/>
-        </p:nvSpPr>
-        <p:spPr>
-          <a:xfrm>
-            <a:off x="10389429" y="3008018"/>
-            <a:ext cx="2194083" cy="646331"/>
-          </a:xfrm>
-          <a:prstGeom prst="rect">
-            <a:avLst/>
-          </a:prstGeom>
-          <a:noFill/>
-        </p:spPr>
-        <p:txBody>
-          <a:bodyPr wrap="square" rtlCol="0">
-            <a:spAutoFit/>
-          </a:bodyPr>
-          <a:lstStyle/>
-          <a:p>
-            <a:pPr algn="ctr"/>
-            <a:r>
-              <a:rPr lang="en-US" altLang="ko-KR" b="1" dirty="0">
-                <a:latin typeface="Century Gothic" panose="020B0502020202020204" pitchFamily="34" charset="0"/>
-              </a:rPr>
-              <a:t>Cartridge</a:t>
-            </a:r>
-          </a:p>
-          <a:p>
-            <a:pPr algn="ctr"/>
-            <a:r>
-              <a:rPr lang="ko-KR" altLang="en-US" b="1" dirty="0">
-                <a:latin typeface="Century Gothic" panose="020B0502020202020204" pitchFamily="34" charset="0"/>
-              </a:rPr>
-              <a:t>카트리지</a:t>
-            </a:r>
-          </a:p>
-        </p:txBody>
-      </p:sp>
-      <p:sp>
-        <p:nvSpPr>
-          <p:cNvPr id="40" name="TextBox 39">
-            <a:extLst>
-              <a:ext uri="{FF2B5EF4-FFF2-40B4-BE49-F238E27FC236}">
-                <a16:creationId xmlns:a16="http://schemas.microsoft.com/office/drawing/2014/main" id="{856E0C2F-29C0-4826-A822-DCC13732D596}"/>
-              </a:ext>
-            </a:extLst>
-          </p:cNvPr>
-          <p:cNvSpPr txBox="1"/>
-          <p:nvPr/>
-        </p:nvSpPr>
-        <p:spPr>
-          <a:xfrm>
-            <a:off x="110267" y="2890482"/>
-            <a:ext cx="2194083" cy="646331"/>
-          </a:xfrm>
-          <a:prstGeom prst="rect">
-            <a:avLst/>
-          </a:prstGeom>
-          <a:noFill/>
-        </p:spPr>
-        <p:txBody>
-          <a:bodyPr wrap="square" rtlCol="0">
-            <a:spAutoFit/>
-          </a:bodyPr>
-          <a:lstStyle/>
-          <a:p>
-            <a:pPr algn="ctr"/>
-            <a:r>
-              <a:rPr lang="en-US" altLang="ko-KR" b="1" dirty="0">
-                <a:latin typeface="Century Gothic" panose="020B0502020202020204" pitchFamily="34" charset="0"/>
-              </a:rPr>
-              <a:t>Sample</a:t>
-            </a:r>
-          </a:p>
-          <a:p>
-            <a:pPr algn="ctr"/>
-            <a:r>
-              <a:rPr lang="ko-KR" altLang="en-US" b="1" dirty="0">
-                <a:latin typeface="Century Gothic" panose="020B0502020202020204" pitchFamily="34" charset="0"/>
-              </a:rPr>
-              <a:t>시료</a:t>
-            </a:r>
-          </a:p>
-        </p:txBody>
-      </p:sp>
       <p:pic>
         <p:nvPicPr>
-          <p:cNvPr id="3110" name="Picture 38" descr="https://static.thenounproject.com/png/540776-200.png">
-            <a:extLst>
-              <a:ext uri="{FF2B5EF4-FFF2-40B4-BE49-F238E27FC236}">
-                <a16:creationId xmlns:a16="http://schemas.microsoft.com/office/drawing/2014/main" id="{471B0DE5-45F2-4DFE-8DD6-3CCD9B17F3F2}"/>
+          <p:cNvPr id="3090" name="Picture 18" descr="https://static.thenounproject.com/png/590605-200.png">
+            <a:extLst>
+              <a:ext uri="{FF2B5EF4-FFF2-40B4-BE49-F238E27FC236}">
+                <a16:creationId xmlns:a16="http://schemas.microsoft.com/office/drawing/2014/main" id="{B18B83DB-A821-4E12-97F1-30FAD4BDB513}"/>
               </a:ext>
             </a:extLst>
           </p:cNvPr>
@@ -11761,7 +11088,7 @@
           <p:nvPr/>
         </p:nvPicPr>
         <p:blipFill>
-          <a:blip r:embed="rId12">
+          <a:blip r:embed="rId4">
             <a:extLst>
               <a:ext uri="{28A0092B-C50C-407E-A947-70E740481C1C}">
                 <a14:useLocalDpi xmlns:a14="http://schemas.microsoft.com/office/drawing/2010/main" val="0"/>
@@ -11775,8 +11102,8 @@
         </p:blipFill>
         <p:spPr bwMode="auto">
           <a:xfrm>
-            <a:off x="4025984" y="3169095"/>
-            <a:ext cx="586842" cy="586842"/>
+            <a:off x="5591300" y="787973"/>
+            <a:ext cx="1009399" cy="1009399"/>
           </a:xfrm>
           <a:prstGeom prst="rect">
             <a:avLst/>
@@ -11793,12 +11120,150 @@
           </a:extLst>
         </p:spPr>
       </p:pic>
+      <p:grpSp>
+        <p:nvGrpSpPr>
+          <p:cNvPr id="13" name="그룹 12">
+            <a:extLst>
+              <a:ext uri="{FF2B5EF4-FFF2-40B4-BE49-F238E27FC236}">
+                <a16:creationId xmlns:a16="http://schemas.microsoft.com/office/drawing/2014/main" id="{149511E4-0796-46AC-9474-DDF979920D35}"/>
+              </a:ext>
+            </a:extLst>
+          </p:cNvPr>
+          <p:cNvGrpSpPr/>
+          <p:nvPr/>
+        </p:nvGrpSpPr>
+        <p:grpSpPr>
+          <a:xfrm>
+            <a:off x="2467064" y="1224324"/>
+            <a:ext cx="1016723" cy="3789846"/>
+            <a:chOff x="3185520" y="1479894"/>
+            <a:chExt cx="1187265" cy="4267942"/>
+          </a:xfrm>
+        </p:grpSpPr>
+        <p:pic>
+          <p:nvPicPr>
+            <p:cNvPr id="3" name="그림 2"/>
+            <p:cNvPicPr>
+              <a:picLocks noChangeAspect="1"/>
+            </p:cNvPicPr>
+            <p:nvPr/>
+          </p:nvPicPr>
+          <p:blipFill>
+            <a:blip r:embed="rId5">
+              <a:clrChange>
+                <a:clrFrom>
+                  <a:srgbClr val="FAFAFA"/>
+                </a:clrFrom>
+                <a:clrTo>
+                  <a:srgbClr val="FAFAFA">
+                    <a:alpha val="0"/>
+                  </a:srgbClr>
+                </a:clrTo>
+              </a:clrChange>
+            </a:blip>
+            <a:stretch>
+              <a:fillRect/>
+            </a:stretch>
+          </p:blipFill>
+          <p:spPr>
+            <a:xfrm>
+              <a:off x="3194073" y="1479894"/>
+              <a:ext cx="1178712" cy="1118778"/>
+            </a:xfrm>
+            <a:prstGeom prst="rect">
+              <a:avLst/>
+            </a:prstGeom>
+          </p:spPr>
+        </p:pic>
+        <p:pic>
+          <p:nvPicPr>
+            <p:cNvPr id="5" name="그림 4"/>
+            <p:cNvPicPr>
+              <a:picLocks noChangeAspect="1"/>
+            </p:cNvPicPr>
+            <p:nvPr/>
+          </p:nvPicPr>
+          <p:blipFill>
+            <a:blip r:embed="rId6">
+              <a:clrChange>
+                <a:clrFrom>
+                  <a:srgbClr val="FAFAFA"/>
+                </a:clrFrom>
+                <a:clrTo>
+                  <a:srgbClr val="FAFAFA">
+                    <a:alpha val="0"/>
+                  </a:srgbClr>
+                </a:clrTo>
+              </a:clrChange>
+            </a:blip>
+            <a:stretch>
+              <a:fillRect/>
+            </a:stretch>
+          </p:blipFill>
+          <p:spPr>
+            <a:xfrm>
+              <a:off x="3211374" y="2895558"/>
+              <a:ext cx="1144109" cy="1436616"/>
+            </a:xfrm>
+            <a:prstGeom prst="rect">
+              <a:avLst/>
+            </a:prstGeom>
+          </p:spPr>
+        </p:pic>
+        <p:pic>
+          <p:nvPicPr>
+            <p:cNvPr id="3092" name="Picture 20" descr="https://static.thenounproject.com/png/591975-200.png">
+              <a:extLst>
+                <a:ext uri="{FF2B5EF4-FFF2-40B4-BE49-F238E27FC236}">
+                  <a16:creationId xmlns:a16="http://schemas.microsoft.com/office/drawing/2014/main" id="{1CC03012-AE66-4006-B27C-A3F2DE86F622}"/>
+                </a:ext>
+              </a:extLst>
+            </p:cNvPr>
+            <p:cNvPicPr>
+              <a:picLocks noChangeAspect="1" noChangeArrowheads="1"/>
+            </p:cNvPicPr>
+            <p:nvPr/>
+          </p:nvPicPr>
+          <p:blipFill>
+            <a:blip r:embed="rId7">
+              <a:extLst>
+                <a:ext uri="{28A0092B-C50C-407E-A947-70E740481C1C}">
+                  <a14:useLocalDpi xmlns:a14="http://schemas.microsoft.com/office/drawing/2010/main" val="0"/>
+                </a:ext>
+              </a:extLst>
+            </a:blip>
+            <a:srcRect/>
+            <a:stretch>
+              <a:fillRect/>
+            </a:stretch>
+          </p:blipFill>
+          <p:spPr bwMode="auto">
+            <a:xfrm>
+              <a:off x="3185520" y="4629061"/>
+              <a:ext cx="1118775" cy="1118775"/>
+            </a:xfrm>
+            <a:prstGeom prst="rect">
+              <a:avLst/>
+            </a:prstGeom>
+            <a:noFill/>
+            <a:extLst>
+              <a:ext uri="{909E8E84-426E-40DD-AFC4-6F175D3DCCD1}">
+                <a14:hiddenFill xmlns:a14="http://schemas.microsoft.com/office/drawing/2010/main">
+                  <a:solidFill>
+                    <a:srgbClr val="FFFFFF"/>
+                  </a:solidFill>
+                </a14:hiddenFill>
+              </a:ext>
+            </a:extLst>
+          </p:spPr>
+        </p:pic>
+      </p:grpSp>
       <p:pic>
         <p:nvPicPr>
-          <p:cNvPr id="3112" name="Picture 40" descr="https://static.thenounproject.com/png/553916-200.png">
-            <a:extLst>
-              <a:ext uri="{FF2B5EF4-FFF2-40B4-BE49-F238E27FC236}">
-                <a16:creationId xmlns:a16="http://schemas.microsoft.com/office/drawing/2014/main" id="{D45FBA53-726E-4013-99DA-3708740A2AD7}"/>
+          <p:cNvPr id="3098" name="Picture 26" descr="https://static.thenounproject.com/png/793630-200.png">
+            <a:extLst>
+              <a:ext uri="{FF2B5EF4-FFF2-40B4-BE49-F238E27FC236}">
+                <a16:creationId xmlns:a16="http://schemas.microsoft.com/office/drawing/2014/main" id="{9A1F9FFC-F54C-46FD-B27E-B9A267A46DDF}"/>
               </a:ext>
             </a:extLst>
           </p:cNvPr>
@@ -11808,7 +11273,7 @@
           <p:nvPr/>
         </p:nvPicPr>
         <p:blipFill>
-          <a:blip r:embed="rId13">
+          <a:blip r:embed="rId8">
             <a:extLst>
               <a:ext uri="{28A0092B-C50C-407E-A947-70E740481C1C}">
                 <a14:useLocalDpi xmlns:a14="http://schemas.microsoft.com/office/drawing/2010/main" val="0"/>
@@ -11821,9 +11286,9 @@
           </a:stretch>
         </p:blipFill>
         <p:spPr bwMode="auto">
-          <a:xfrm>
-            <a:off x="6856556" y="3183911"/>
-            <a:ext cx="572026" cy="572026"/>
+          <a:xfrm rot="5400000">
+            <a:off x="5368869" y="2330875"/>
+            <a:ext cx="1363247" cy="2116518"/>
           </a:xfrm>
           <a:prstGeom prst="rect">
             <a:avLst/>
@@ -11840,6 +11305,612 @@
           </a:extLst>
         </p:spPr>
       </p:pic>
+      <p:grpSp>
+        <p:nvGrpSpPr>
+          <p:cNvPr id="15" name="그룹 14">
+            <a:extLst>
+              <a:ext uri="{FF2B5EF4-FFF2-40B4-BE49-F238E27FC236}">
+                <a16:creationId xmlns:a16="http://schemas.microsoft.com/office/drawing/2014/main" id="{6CA6530C-FE8D-4054-8C4F-5754FF55EBE4}"/>
+              </a:ext>
+            </a:extLst>
+          </p:cNvPr>
+          <p:cNvGrpSpPr/>
+          <p:nvPr/>
+        </p:nvGrpSpPr>
+        <p:grpSpPr>
+          <a:xfrm>
+            <a:off x="7720556" y="2267623"/>
+            <a:ext cx="3148330" cy="1703248"/>
+            <a:chOff x="7529939" y="2198213"/>
+            <a:chExt cx="3242660" cy="1870160"/>
+          </a:xfrm>
+        </p:grpSpPr>
+        <p:pic>
+          <p:nvPicPr>
+            <p:cNvPr id="32" name="Picture 2" descr="APIs Rising: Understanding the Newest Integration Technology">
+              <a:extLst>
+                <a:ext uri="{FF2B5EF4-FFF2-40B4-BE49-F238E27FC236}">
+                  <a16:creationId xmlns:a16="http://schemas.microsoft.com/office/drawing/2014/main" id="{BE685B71-1314-4100-8C73-409C8C50102C}"/>
+                </a:ext>
+              </a:extLst>
+            </p:cNvPr>
+            <p:cNvPicPr>
+              <a:picLocks noChangeAspect="1" noChangeArrowheads="1"/>
+            </p:cNvPicPr>
+            <p:nvPr/>
+          </p:nvPicPr>
+          <p:blipFill>
+            <a:blip r:embed="rId9">
+              <a:extLst>
+                <a:ext uri="{28A0092B-C50C-407E-A947-70E740481C1C}">
+                  <a14:useLocalDpi xmlns:a14="http://schemas.microsoft.com/office/drawing/2010/main" val="0"/>
+                </a:ext>
+              </a:extLst>
+            </a:blip>
+            <a:srcRect/>
+            <a:stretch>
+              <a:fillRect/>
+            </a:stretch>
+          </p:blipFill>
+          <p:spPr bwMode="auto">
+            <a:xfrm>
+              <a:off x="7529939" y="2244861"/>
+              <a:ext cx="3242660" cy="1693295"/>
+            </a:xfrm>
+            <a:prstGeom prst="rect">
+              <a:avLst/>
+            </a:prstGeom>
+            <a:noFill/>
+            <a:extLst>
+              <a:ext uri="{909E8E84-426E-40DD-AFC4-6F175D3DCCD1}">
+                <a14:hiddenFill xmlns:a14="http://schemas.microsoft.com/office/drawing/2010/main">
+                  <a:solidFill>
+                    <a:srgbClr val="FFFFFF"/>
+                  </a:solidFill>
+                </a14:hiddenFill>
+              </a:ext>
+            </a:extLst>
+          </p:spPr>
+        </p:pic>
+        <p:sp>
+          <p:nvSpPr>
+            <p:cNvPr id="14" name="사각형: 둥근 모서리 13">
+              <a:extLst>
+                <a:ext uri="{FF2B5EF4-FFF2-40B4-BE49-F238E27FC236}">
+                  <a16:creationId xmlns:a16="http://schemas.microsoft.com/office/drawing/2014/main" id="{7EF031A5-6A9C-4E2C-ACED-B13108B5ED66}"/>
+                </a:ext>
+              </a:extLst>
+            </p:cNvPr>
+            <p:cNvSpPr/>
+            <p:nvPr/>
+          </p:nvSpPr>
+          <p:spPr>
+            <a:xfrm>
+              <a:off x="7605796" y="2198213"/>
+              <a:ext cx="3021217" cy="1870160"/>
+            </a:xfrm>
+            <a:prstGeom prst="roundRect">
+              <a:avLst/>
+            </a:prstGeom>
+            <a:noFill/>
+            <a:ln w="63500">
+              <a:solidFill>
+                <a:schemeClr val="tx1"/>
+              </a:solidFill>
+            </a:ln>
+          </p:spPr>
+          <p:style>
+            <a:lnRef idx="2">
+              <a:schemeClr val="accent1">
+                <a:shade val="50000"/>
+              </a:schemeClr>
+            </a:lnRef>
+            <a:fillRef idx="1">
+              <a:schemeClr val="accent1"/>
+            </a:fillRef>
+            <a:effectRef idx="0">
+              <a:schemeClr val="accent1"/>
+            </a:effectRef>
+            <a:fontRef idx="minor">
+              <a:schemeClr val="lt1"/>
+            </a:fontRef>
+          </p:style>
+          <p:txBody>
+            <a:bodyPr rtlCol="0" anchor="ctr"/>
+            <a:lstStyle/>
+            <a:p>
+              <a:pPr algn="ctr"/>
+              <a:endParaRPr lang="ko-KR" altLang="en-US"/>
+            </a:p>
+          </p:txBody>
+        </p:sp>
+      </p:grpSp>
+      <p:sp>
+        <p:nvSpPr>
+          <p:cNvPr id="39" name="TextBox 38">
+            <a:extLst>
+              <a:ext uri="{FF2B5EF4-FFF2-40B4-BE49-F238E27FC236}">
+                <a16:creationId xmlns:a16="http://schemas.microsoft.com/office/drawing/2014/main" id="{B17FBE3B-0EC3-41D6-8A2F-56AB9AF149C4}"/>
+              </a:ext>
+            </a:extLst>
+          </p:cNvPr>
+          <p:cNvSpPr txBox="1"/>
+          <p:nvPr/>
+        </p:nvSpPr>
+        <p:spPr>
+          <a:xfrm>
+            <a:off x="8163828" y="1414401"/>
+            <a:ext cx="2194083" cy="646331"/>
+          </a:xfrm>
+          <a:prstGeom prst="rect">
+            <a:avLst/>
+          </a:prstGeom>
+          <a:noFill/>
+        </p:spPr>
+        <p:txBody>
+          <a:bodyPr wrap="square" rtlCol="0">
+            <a:spAutoFit/>
+          </a:bodyPr>
+          <a:lstStyle/>
+          <a:p>
+            <a:pPr algn="ctr"/>
+            <a:r>
+              <a:rPr lang="en-US" altLang="ko-KR" b="1" dirty="0">
+                <a:latin typeface="Century Gothic" panose="020B0502020202020204" pitchFamily="34" charset="0"/>
+              </a:rPr>
+              <a:t>Cartridge</a:t>
+            </a:r>
+          </a:p>
+          <a:p>
+            <a:pPr algn="ctr"/>
+            <a:r>
+              <a:rPr lang="ko-KR" altLang="en-US" b="1" dirty="0">
+                <a:latin typeface="Century Gothic" panose="020B0502020202020204" pitchFamily="34" charset="0"/>
+              </a:rPr>
+              <a:t>카트리지</a:t>
+            </a:r>
+          </a:p>
+        </p:txBody>
+      </p:sp>
+      <p:sp>
+        <p:nvSpPr>
+          <p:cNvPr id="40" name="TextBox 39">
+            <a:extLst>
+              <a:ext uri="{FF2B5EF4-FFF2-40B4-BE49-F238E27FC236}">
+                <a16:creationId xmlns:a16="http://schemas.microsoft.com/office/drawing/2014/main" id="{856E0C2F-29C0-4826-A822-DCC13732D596}"/>
+              </a:ext>
+            </a:extLst>
+          </p:cNvPr>
+          <p:cNvSpPr txBox="1"/>
+          <p:nvPr/>
+        </p:nvSpPr>
+        <p:spPr>
+          <a:xfrm>
+            <a:off x="498293" y="2869413"/>
+            <a:ext cx="2194083" cy="646331"/>
+          </a:xfrm>
+          <a:prstGeom prst="rect">
+            <a:avLst/>
+          </a:prstGeom>
+          <a:noFill/>
+        </p:spPr>
+        <p:txBody>
+          <a:bodyPr wrap="square" rtlCol="0">
+            <a:spAutoFit/>
+          </a:bodyPr>
+          <a:lstStyle/>
+          <a:p>
+            <a:pPr algn="ctr"/>
+            <a:r>
+              <a:rPr lang="en-US" altLang="ko-KR" b="1" dirty="0">
+                <a:latin typeface="Century Gothic" panose="020B0502020202020204" pitchFamily="34" charset="0"/>
+              </a:rPr>
+              <a:t>Sample</a:t>
+            </a:r>
+          </a:p>
+          <a:p>
+            <a:pPr algn="ctr"/>
+            <a:r>
+              <a:rPr lang="ko-KR" altLang="en-US" b="1" dirty="0">
+                <a:latin typeface="Century Gothic" panose="020B0502020202020204" pitchFamily="34" charset="0"/>
+              </a:rPr>
+              <a:t>시료</a:t>
+            </a:r>
+          </a:p>
+        </p:txBody>
+      </p:sp>
+      <p:grpSp>
+        <p:nvGrpSpPr>
+          <p:cNvPr id="7" name="그룹 6"/>
+          <p:cNvGrpSpPr/>
+          <p:nvPr/>
+        </p:nvGrpSpPr>
+        <p:grpSpPr>
+          <a:xfrm>
+            <a:off x="4553540" y="2082003"/>
+            <a:ext cx="2863517" cy="646331"/>
+            <a:chOff x="4617423" y="4352915"/>
+            <a:chExt cx="2863517" cy="646331"/>
+          </a:xfrm>
+        </p:grpSpPr>
+        <p:sp>
+          <p:nvSpPr>
+            <p:cNvPr id="36" name="TextBox 35">
+              <a:extLst>
+                <a:ext uri="{FF2B5EF4-FFF2-40B4-BE49-F238E27FC236}">
+                  <a16:creationId xmlns:a16="http://schemas.microsoft.com/office/drawing/2014/main" id="{AF892C4A-B64E-4F18-9452-9945F7DA9335}"/>
+                </a:ext>
+              </a:extLst>
+            </p:cNvPr>
+            <p:cNvSpPr txBox="1"/>
+            <p:nvPr/>
+          </p:nvSpPr>
+          <p:spPr>
+            <a:xfrm>
+              <a:off x="5094383" y="4352915"/>
+              <a:ext cx="2039987" cy="646331"/>
+            </a:xfrm>
+            <a:prstGeom prst="rect">
+              <a:avLst/>
+            </a:prstGeom>
+            <a:noFill/>
+          </p:spPr>
+          <p:txBody>
+            <a:bodyPr wrap="square" rtlCol="0">
+              <a:spAutoFit/>
+            </a:bodyPr>
+            <a:lstStyle/>
+            <a:p>
+              <a:pPr algn="ctr"/>
+              <a:r>
+                <a:rPr lang="en-US" altLang="ko-KR" b="1" dirty="0" smtClean="0">
+                  <a:latin typeface="Century Gothic" panose="020B0502020202020204" pitchFamily="34" charset="0"/>
+                </a:rPr>
+                <a:t>Metering</a:t>
+              </a:r>
+            </a:p>
+            <a:p>
+              <a:pPr algn="ctr"/>
+              <a:r>
+                <a:rPr lang="ko-KR" altLang="en-US" b="1" dirty="0">
+                  <a:latin typeface="Century Gothic" panose="020B0502020202020204" pitchFamily="34" charset="0"/>
+                </a:rPr>
+                <a:t>일</a:t>
+              </a:r>
+              <a:r>
+                <a:rPr lang="ko-KR" altLang="en-US" b="1" dirty="0" smtClean="0">
+                  <a:latin typeface="Century Gothic" panose="020B0502020202020204" pitchFamily="34" charset="0"/>
+                </a:rPr>
+                <a:t>정량 주입</a:t>
+              </a:r>
+              <a:endParaRPr lang="en-US" altLang="ko-KR" b="1" dirty="0">
+                <a:latin typeface="Century Gothic" panose="020B0502020202020204" pitchFamily="34" charset="0"/>
+              </a:endParaRPr>
+            </a:p>
+          </p:txBody>
+        </p:sp>
+        <p:pic>
+          <p:nvPicPr>
+            <p:cNvPr id="3110" name="Picture 38" descr="https://static.thenounproject.com/png/540776-200.png">
+              <a:extLst>
+                <a:ext uri="{FF2B5EF4-FFF2-40B4-BE49-F238E27FC236}">
+                  <a16:creationId xmlns:a16="http://schemas.microsoft.com/office/drawing/2014/main" id="{471B0DE5-45F2-4DFE-8DD6-3CCD9B17F3F2}"/>
+                </a:ext>
+              </a:extLst>
+            </p:cNvPr>
+            <p:cNvPicPr>
+              <a:picLocks noChangeAspect="1" noChangeArrowheads="1"/>
+            </p:cNvPicPr>
+            <p:nvPr/>
+          </p:nvPicPr>
+          <p:blipFill>
+            <a:blip r:embed="rId10">
+              <a:extLst>
+                <a:ext uri="{28A0092B-C50C-407E-A947-70E740481C1C}">
+                  <a14:useLocalDpi xmlns:a14="http://schemas.microsoft.com/office/drawing/2010/main" val="0"/>
+                </a:ext>
+              </a:extLst>
+            </a:blip>
+            <a:srcRect/>
+            <a:stretch>
+              <a:fillRect/>
+            </a:stretch>
+          </p:blipFill>
+          <p:spPr bwMode="auto">
+            <a:xfrm>
+              <a:off x="4617423" y="4382659"/>
+              <a:ext cx="586842" cy="586842"/>
+            </a:xfrm>
+            <a:prstGeom prst="rect">
+              <a:avLst/>
+            </a:prstGeom>
+            <a:noFill/>
+            <a:extLst>
+              <a:ext uri="{909E8E84-426E-40DD-AFC4-6F175D3DCCD1}">
+                <a14:hiddenFill xmlns:a14="http://schemas.microsoft.com/office/drawing/2010/main">
+                  <a:solidFill>
+                    <a:srgbClr val="FFFFFF"/>
+                  </a:solidFill>
+                </a14:hiddenFill>
+              </a:ext>
+            </a:extLst>
+          </p:spPr>
+        </p:pic>
+        <p:pic>
+          <p:nvPicPr>
+            <p:cNvPr id="3112" name="Picture 40" descr="https://static.thenounproject.com/png/553916-200.png">
+              <a:extLst>
+                <a:ext uri="{FF2B5EF4-FFF2-40B4-BE49-F238E27FC236}">
+                  <a16:creationId xmlns:a16="http://schemas.microsoft.com/office/drawing/2014/main" id="{D45FBA53-726E-4013-99DA-3708740A2AD7}"/>
+                </a:ext>
+              </a:extLst>
+            </p:cNvPr>
+            <p:cNvPicPr>
+              <a:picLocks noChangeAspect="1" noChangeArrowheads="1"/>
+            </p:cNvPicPr>
+            <p:nvPr/>
+          </p:nvPicPr>
+          <p:blipFill>
+            <a:blip r:embed="rId11">
+              <a:extLst>
+                <a:ext uri="{28A0092B-C50C-407E-A947-70E740481C1C}">
+                  <a14:useLocalDpi xmlns:a14="http://schemas.microsoft.com/office/drawing/2010/main" val="0"/>
+                </a:ext>
+              </a:extLst>
+            </a:blip>
+            <a:srcRect/>
+            <a:stretch>
+              <a:fillRect/>
+            </a:stretch>
+          </p:blipFill>
+          <p:spPr bwMode="auto">
+            <a:xfrm>
+              <a:off x="6908914" y="4390067"/>
+              <a:ext cx="572026" cy="572026"/>
+            </a:xfrm>
+            <a:prstGeom prst="rect">
+              <a:avLst/>
+            </a:prstGeom>
+            <a:noFill/>
+            <a:extLst>
+              <a:ext uri="{909E8E84-426E-40DD-AFC4-6F175D3DCCD1}">
+                <a14:hiddenFill xmlns:a14="http://schemas.microsoft.com/office/drawing/2010/main">
+                  <a:solidFill>
+                    <a:srgbClr val="FFFFFF"/>
+                  </a:solidFill>
+                </a14:hiddenFill>
+              </a:ext>
+            </a:extLst>
+          </p:spPr>
+        </p:pic>
+      </p:grpSp>
+      <p:sp>
+        <p:nvSpPr>
+          <p:cNvPr id="26" name="TextBox 25">
+            <a:extLst>
+              <a:ext uri="{FF2B5EF4-FFF2-40B4-BE49-F238E27FC236}">
+                <a16:creationId xmlns:a16="http://schemas.microsoft.com/office/drawing/2014/main" id="{AF892C4A-B64E-4F18-9452-9945F7DA9335}"/>
+              </a:ext>
+            </a:extLst>
+          </p:cNvPr>
+          <p:cNvSpPr txBox="1"/>
+          <p:nvPr/>
+        </p:nvSpPr>
+        <p:spPr>
+          <a:xfrm>
+            <a:off x="1543870" y="5447747"/>
+            <a:ext cx="8908698" cy="723275"/>
+          </a:xfrm>
+          <a:prstGeom prst="rect">
+            <a:avLst/>
+          </a:prstGeom>
+          <a:noFill/>
+        </p:spPr>
+        <p:txBody>
+          <a:bodyPr wrap="square" rtlCol="0">
+            <a:spAutoFit/>
+          </a:bodyPr>
+          <a:lstStyle/>
+          <a:p>
+            <a:pPr algn="ctr"/>
+            <a:r>
+              <a:rPr lang="en-US" altLang="ko-KR" b="1" dirty="0">
+                <a:latin typeface="Century Gothic" panose="020B0502020202020204" pitchFamily="34" charset="0"/>
+              </a:rPr>
+              <a:t>Developing Interface B/W Sample &amp; Cartridge</a:t>
+            </a:r>
+          </a:p>
+          <a:p>
+            <a:pPr algn="ctr"/>
+            <a:endParaRPr lang="en-US" altLang="ko-KR" sz="500" b="1" dirty="0">
+              <a:latin typeface="Century Gothic" panose="020B0502020202020204" pitchFamily="34" charset="0"/>
+            </a:endParaRPr>
+          </a:p>
+          <a:p>
+            <a:pPr algn="ctr"/>
+            <a:r>
+              <a:rPr lang="ko-KR" altLang="en-US" b="1" dirty="0">
+                <a:latin typeface="Century Gothic" panose="020B0502020202020204" pitchFamily="34" charset="0"/>
+              </a:rPr>
+              <a:t>시료를 카트리지내로 쉽고 안전하게 도입하는</a:t>
+            </a:r>
+            <a:r>
+              <a:rPr lang="en-US" altLang="ko-KR" b="1" dirty="0">
+                <a:latin typeface="Century Gothic" panose="020B0502020202020204" pitchFamily="34" charset="0"/>
+              </a:rPr>
+              <a:t> </a:t>
+            </a:r>
+            <a:r>
+              <a:rPr lang="ko-KR" altLang="en-US" b="1" dirty="0">
+                <a:latin typeface="Century Gothic" panose="020B0502020202020204" pitchFamily="34" charset="0"/>
+              </a:rPr>
+              <a:t>인터페이스 개발</a:t>
+            </a:r>
+            <a:endParaRPr lang="en-US" altLang="ko-KR" b="1" dirty="0">
+              <a:latin typeface="Century Gothic" panose="020B0502020202020204" pitchFamily="34" charset="0"/>
+            </a:endParaRPr>
+          </a:p>
+        </p:txBody>
+      </p:sp>
+      <p:grpSp>
+        <p:nvGrpSpPr>
+          <p:cNvPr id="6" name="그룹 5"/>
+          <p:cNvGrpSpPr/>
+          <p:nvPr/>
+        </p:nvGrpSpPr>
+        <p:grpSpPr>
+          <a:xfrm>
+            <a:off x="4686267" y="4162492"/>
+            <a:ext cx="2819463" cy="646331"/>
+            <a:chOff x="4597594" y="2218618"/>
+            <a:chExt cx="2819463" cy="646331"/>
+          </a:xfrm>
+        </p:grpSpPr>
+        <p:pic>
+          <p:nvPicPr>
+            <p:cNvPr id="38" name="Picture 2" descr="https://static.thenounproject.com/png/791665-200.png">
+              <a:extLst>
+                <a:ext uri="{FF2B5EF4-FFF2-40B4-BE49-F238E27FC236}">
+                  <a16:creationId xmlns:a16="http://schemas.microsoft.com/office/drawing/2014/main" id="{A935E5D2-7774-4AE7-9B0D-E6C7C7FCD214}"/>
+                </a:ext>
+              </a:extLst>
+            </p:cNvPr>
+            <p:cNvPicPr>
+              <a:picLocks noChangeAspect="1" noChangeArrowheads="1"/>
+            </p:cNvPicPr>
+            <p:nvPr/>
+          </p:nvPicPr>
+          <p:blipFill>
+            <a:blip r:embed="rId12" cstate="hqprint">
+              <a:extLst>
+                <a:ext uri="{28A0092B-C50C-407E-A947-70E740481C1C}">
+                  <a14:useLocalDpi xmlns:a14="http://schemas.microsoft.com/office/drawing/2010/main" val="0"/>
+                </a:ext>
+              </a:extLst>
+            </a:blip>
+            <a:srcRect/>
+            <a:stretch>
+              <a:fillRect/>
+            </a:stretch>
+          </p:blipFill>
+          <p:spPr bwMode="auto">
+            <a:xfrm>
+              <a:off x="4597594" y="2287955"/>
+              <a:ext cx="508143" cy="508143"/>
+            </a:xfrm>
+            <a:prstGeom prst="rect">
+              <a:avLst/>
+            </a:prstGeom>
+            <a:noFill/>
+            <a:extLst>
+              <a:ext uri="{909E8E84-426E-40DD-AFC4-6F175D3DCCD1}">
+                <a14:hiddenFill xmlns:a14="http://schemas.microsoft.com/office/drawing/2010/main">
+                  <a:solidFill>
+                    <a:srgbClr val="FFFFFF"/>
+                  </a:solidFill>
+                </a14:hiddenFill>
+              </a:ext>
+            </a:extLst>
+          </p:spPr>
+        </p:pic>
+        <p:pic>
+          <p:nvPicPr>
+            <p:cNvPr id="37" name="Picture 24" descr="https://static.thenounproject.com/png/791668-200.png">
+              <a:extLst>
+                <a:ext uri="{FF2B5EF4-FFF2-40B4-BE49-F238E27FC236}">
+                  <a16:creationId xmlns:a16="http://schemas.microsoft.com/office/drawing/2014/main" id="{9D90B4F2-D1BB-44FC-9209-BF742B09CB08}"/>
+                </a:ext>
+              </a:extLst>
+            </p:cNvPr>
+            <p:cNvPicPr>
+              <a:picLocks noChangeAspect="1" noChangeArrowheads="1"/>
+            </p:cNvPicPr>
+            <p:nvPr/>
+          </p:nvPicPr>
+          <p:blipFill>
+            <a:blip r:embed="rId13" cstate="hqprint">
+              <a:extLst>
+                <a:ext uri="{28A0092B-C50C-407E-A947-70E740481C1C}">
+                  <a14:useLocalDpi xmlns:a14="http://schemas.microsoft.com/office/drawing/2010/main" val="0"/>
+                </a:ext>
+              </a:extLst>
+            </a:blip>
+            <a:srcRect/>
+            <a:stretch>
+              <a:fillRect/>
+            </a:stretch>
+          </p:blipFill>
+          <p:spPr bwMode="auto">
+            <a:xfrm>
+              <a:off x="6908914" y="2287955"/>
+              <a:ext cx="508143" cy="508143"/>
+            </a:xfrm>
+            <a:prstGeom prst="rect">
+              <a:avLst/>
+            </a:prstGeom>
+            <a:noFill/>
+            <a:extLst>
+              <a:ext uri="{909E8E84-426E-40DD-AFC4-6F175D3DCCD1}">
+                <a14:hiddenFill xmlns:a14="http://schemas.microsoft.com/office/drawing/2010/main">
+                  <a:solidFill>
+                    <a:srgbClr val="FFFFFF"/>
+                  </a:solidFill>
+                </a14:hiddenFill>
+              </a:ext>
+            </a:extLst>
+          </p:spPr>
+        </p:pic>
+        <p:sp>
+          <p:nvSpPr>
+            <p:cNvPr id="28" name="TextBox 27">
+              <a:extLst>
+                <a:ext uri="{FF2B5EF4-FFF2-40B4-BE49-F238E27FC236}">
+                  <a16:creationId xmlns:a16="http://schemas.microsoft.com/office/drawing/2014/main" id="{AF892C4A-B64E-4F18-9452-9945F7DA9335}"/>
+                </a:ext>
+              </a:extLst>
+            </p:cNvPr>
+            <p:cNvSpPr txBox="1"/>
+            <p:nvPr/>
+          </p:nvSpPr>
+          <p:spPr>
+            <a:xfrm>
+              <a:off x="5037155" y="2218618"/>
+              <a:ext cx="2039987" cy="646331"/>
+            </a:xfrm>
+            <a:prstGeom prst="rect">
+              <a:avLst/>
+            </a:prstGeom>
+            <a:noFill/>
+          </p:spPr>
+          <p:txBody>
+            <a:bodyPr wrap="square" rtlCol="0">
+              <a:spAutoFit/>
+            </a:bodyPr>
+            <a:lstStyle/>
+            <a:p>
+              <a:pPr algn="ctr"/>
+              <a:r>
+                <a:rPr lang="en-US" altLang="ko-KR" b="1" dirty="0" smtClean="0">
+                  <a:latin typeface="Century Gothic" panose="020B0502020202020204" pitchFamily="34" charset="0"/>
+                </a:rPr>
+                <a:t>Sealing</a:t>
+              </a:r>
+            </a:p>
+            <a:p>
+              <a:pPr algn="ctr"/>
+              <a:r>
+                <a:rPr lang="ko-KR" altLang="en-US" b="1" dirty="0" smtClean="0">
+                  <a:latin typeface="Century Gothic" panose="020B0502020202020204" pitchFamily="34" charset="0"/>
+                </a:rPr>
+                <a:t>밀봉</a:t>
+              </a:r>
+              <a:endParaRPr lang="en-US" altLang="ko-KR" b="1" dirty="0">
+                <a:latin typeface="Century Gothic" panose="020B0502020202020204" pitchFamily="34" charset="0"/>
+              </a:endParaRPr>
+            </a:p>
+          </p:txBody>
+        </p:sp>
+      </p:grpSp>
     </p:spTree>
     <p:extLst>
       <p:ext uri="{BB962C8B-B14F-4D97-AF65-F5344CB8AC3E}">
@@ -20105,8 +20176,8 @@
         </p:blipFill>
         <p:spPr bwMode="auto">
           <a:xfrm>
-            <a:off x="10491726" y="3513475"/>
-            <a:ext cx="848698" cy="848698"/>
+            <a:off x="10614018" y="3537426"/>
+            <a:ext cx="739782" cy="739782"/>
           </a:xfrm>
           <a:prstGeom prst="rect">
             <a:avLst/>
@@ -20202,7 +20273,486 @@
         </p:blipFill>
         <p:spPr bwMode="auto">
           <a:xfrm>
-            <a:off x="9264611" y="3462276"/>
+            <a:off x="9386440" y="3537426"/>
+            <a:ext cx="745930" cy="745930"/>
+          </a:xfrm>
+          <a:prstGeom prst="rect">
+            <a:avLst/>
+          </a:prstGeom>
+          <a:noFill/>
+          <a:extLst>
+            <a:ext uri="{909E8E84-426E-40DD-AFC4-6F175D3DCCD1}">
+              <a14:hiddenFill xmlns:a14="http://schemas.microsoft.com/office/drawing/2010/main">
+                <a:solidFill>
+                  <a:srgbClr val="FFFFFF"/>
+                </a:solidFill>
+              </a14:hiddenFill>
+            </a:ext>
+          </a:extLst>
+        </p:spPr>
+      </p:pic>
+      <p:sp>
+        <p:nvSpPr>
+          <p:cNvPr id="405" name="TextBox 404">
+            <a:extLst>
+              <a:ext uri="{FF2B5EF4-FFF2-40B4-BE49-F238E27FC236}">
+                <a16:creationId xmlns:a16="http://schemas.microsoft.com/office/drawing/2014/main" id="{6A6D79D9-C7E3-423A-8B02-37B50C88F11D}"/>
+              </a:ext>
+            </a:extLst>
+          </p:cNvPr>
+          <p:cNvSpPr txBox="1"/>
+          <p:nvPr/>
+        </p:nvSpPr>
+        <p:spPr>
+          <a:xfrm>
+            <a:off x="8940811" y="4499596"/>
+            <a:ext cx="1714500" cy="553998"/>
+          </a:xfrm>
+          <a:prstGeom prst="rect">
+            <a:avLst/>
+          </a:prstGeom>
+          <a:noFill/>
+        </p:spPr>
+        <p:txBody>
+          <a:bodyPr wrap="square" rtlCol="0">
+            <a:spAutoFit/>
+          </a:bodyPr>
+          <a:lstStyle/>
+          <a:p>
+            <a:pPr algn="ctr"/>
+            <a:r>
+              <a:rPr lang="en-US" altLang="ko-KR" sz="1500" dirty="0">
+                <a:latin typeface="Century Gothic" panose="020B0502020202020204" pitchFamily="34" charset="0"/>
+              </a:rPr>
+              <a:t>Magnet</a:t>
+            </a:r>
+          </a:p>
+          <a:p>
+            <a:pPr algn="ctr"/>
+            <a:r>
+              <a:rPr lang="ko-KR" altLang="en-US" sz="1500" dirty="0">
+                <a:latin typeface="Century Gothic" panose="020B0502020202020204" pitchFamily="34" charset="0"/>
+              </a:rPr>
+              <a:t>자석</a:t>
+            </a:r>
+            <a:endParaRPr lang="en-US" altLang="ko-KR" sz="1500" dirty="0">
+              <a:latin typeface="Century Gothic" panose="020B0502020202020204" pitchFamily="34" charset="0"/>
+            </a:endParaRPr>
+          </a:p>
+        </p:txBody>
+      </p:sp>
+      <p:pic>
+        <p:nvPicPr>
+          <p:cNvPr id="397" name="그림 396">
+            <a:extLst>
+              <a:ext uri="{FF2B5EF4-FFF2-40B4-BE49-F238E27FC236}">
+                <a16:creationId xmlns:a16="http://schemas.microsoft.com/office/drawing/2014/main" id="{0E593C8C-0D81-46FD-9CF9-248372B26FD0}"/>
+              </a:ext>
+            </a:extLst>
+          </p:cNvPr>
+          <p:cNvPicPr>
+            <a:picLocks noChangeAspect="1"/>
+          </p:cNvPicPr>
+          <p:nvPr/>
+        </p:nvPicPr>
+        <p:blipFill>
+          <a:blip r:embed="rId7">
+            <a:clrChange>
+              <a:clrFrom>
+                <a:srgbClr val="FAFAFA"/>
+              </a:clrFrom>
+              <a:clrTo>
+                <a:srgbClr val="FAFAFA">
+                  <a:alpha val="0"/>
+                </a:srgbClr>
+              </a:clrTo>
+            </a:clrChange>
+          </a:blip>
+          <a:stretch>
+            <a:fillRect/>
+          </a:stretch>
+        </p:blipFill>
+        <p:spPr>
+          <a:xfrm>
+            <a:off x="670846" y="3430743"/>
+            <a:ext cx="698501" cy="1010800"/>
+          </a:xfrm>
+          <a:prstGeom prst="rect">
+            <a:avLst/>
+          </a:prstGeom>
+        </p:spPr>
+      </p:pic>
+      <p:sp>
+        <p:nvSpPr>
+          <p:cNvPr id="9" name="TextBox 8">
+            <a:extLst>
+              <a:ext uri="{FF2B5EF4-FFF2-40B4-BE49-F238E27FC236}">
+                <a16:creationId xmlns:a16="http://schemas.microsoft.com/office/drawing/2014/main" id="{B39F2987-FD80-43A6-9F9D-775AC57CA602}"/>
+              </a:ext>
+            </a:extLst>
+          </p:cNvPr>
+          <p:cNvSpPr txBox="1"/>
+          <p:nvPr/>
+        </p:nvSpPr>
+        <p:spPr>
+          <a:xfrm>
+            <a:off x="194505" y="4501215"/>
+            <a:ext cx="1714500" cy="553998"/>
+          </a:xfrm>
+          <a:prstGeom prst="rect">
+            <a:avLst/>
+          </a:prstGeom>
+          <a:noFill/>
+        </p:spPr>
+        <p:txBody>
+          <a:bodyPr wrap="square" rtlCol="0">
+            <a:spAutoFit/>
+          </a:bodyPr>
+          <a:lstStyle/>
+          <a:p>
+            <a:pPr algn="ctr"/>
+            <a:r>
+              <a:rPr lang="en-US" altLang="ko-KR" sz="1500" dirty="0">
+                <a:latin typeface="Century Gothic" panose="020B0502020202020204" pitchFamily="34" charset="0"/>
+              </a:rPr>
+              <a:t>Reservoir </a:t>
+            </a:r>
+          </a:p>
+          <a:p>
+            <a:pPr algn="ctr"/>
+            <a:r>
+              <a:rPr lang="ko-KR" altLang="en-US" sz="1500" dirty="0">
+                <a:latin typeface="Century Gothic" panose="020B0502020202020204" pitchFamily="34" charset="0"/>
+              </a:rPr>
+              <a:t>시약 보관소</a:t>
+            </a:r>
+            <a:endParaRPr lang="en-US" altLang="ko-KR" sz="1500" dirty="0">
+              <a:latin typeface="Century Gothic" panose="020B0502020202020204" pitchFamily="34" charset="0"/>
+            </a:endParaRPr>
+          </a:p>
+        </p:txBody>
+      </p:sp>
+      <p:pic>
+        <p:nvPicPr>
+          <p:cNvPr id="398" name="그림 397">
+            <a:extLst>
+              <a:ext uri="{FF2B5EF4-FFF2-40B4-BE49-F238E27FC236}">
+                <a16:creationId xmlns:a16="http://schemas.microsoft.com/office/drawing/2014/main" id="{71713DA1-A025-474B-9281-B32C6057F6AA}"/>
+              </a:ext>
+            </a:extLst>
+          </p:cNvPr>
+          <p:cNvPicPr>
+            <a:picLocks noChangeAspect="1"/>
+          </p:cNvPicPr>
+          <p:nvPr/>
+        </p:nvPicPr>
+        <p:blipFill>
+          <a:blip r:embed="rId8">
+            <a:clrChange>
+              <a:clrFrom>
+                <a:srgbClr val="FAFAFA"/>
+              </a:clrFrom>
+              <a:clrTo>
+                <a:srgbClr val="FAFAFA">
+                  <a:alpha val="0"/>
+                </a:srgbClr>
+              </a:clrTo>
+            </a:clrChange>
+          </a:blip>
+          <a:stretch>
+            <a:fillRect/>
+          </a:stretch>
+        </p:blipFill>
+        <p:spPr>
+          <a:xfrm>
+            <a:off x="2014598" y="3373157"/>
+            <a:ext cx="799180" cy="1010801"/>
+          </a:xfrm>
+          <a:prstGeom prst="rect">
+            <a:avLst/>
+          </a:prstGeom>
+        </p:spPr>
+      </p:pic>
+      <p:sp>
+        <p:nvSpPr>
+          <p:cNvPr id="399" name="TextBox 398">
+            <a:extLst>
+              <a:ext uri="{FF2B5EF4-FFF2-40B4-BE49-F238E27FC236}">
+                <a16:creationId xmlns:a16="http://schemas.microsoft.com/office/drawing/2014/main" id="{E9D2D03C-FF8C-4A2C-B736-B1BF0D106204}"/>
+              </a:ext>
+            </a:extLst>
+          </p:cNvPr>
+          <p:cNvSpPr txBox="1"/>
+          <p:nvPr/>
+        </p:nvSpPr>
+        <p:spPr>
+          <a:xfrm>
+            <a:off x="1556938" y="4499629"/>
+            <a:ext cx="1714500" cy="553998"/>
+          </a:xfrm>
+          <a:prstGeom prst="rect">
+            <a:avLst/>
+          </a:prstGeom>
+          <a:noFill/>
+        </p:spPr>
+        <p:txBody>
+          <a:bodyPr wrap="square" rtlCol="0">
+            <a:spAutoFit/>
+          </a:bodyPr>
+          <a:lstStyle/>
+          <a:p>
+            <a:pPr algn="ctr"/>
+            <a:r>
+              <a:rPr lang="en-US" altLang="ko-KR" sz="1500" dirty="0">
+                <a:latin typeface="Century Gothic" panose="020B0502020202020204" pitchFamily="34" charset="0"/>
+              </a:rPr>
+              <a:t>Pump (actuator)</a:t>
+            </a:r>
+          </a:p>
+          <a:p>
+            <a:pPr algn="ctr"/>
+            <a:r>
+              <a:rPr lang="ko-KR" altLang="en-US" sz="1500" dirty="0">
+                <a:latin typeface="Century Gothic" panose="020B0502020202020204" pitchFamily="34" charset="0"/>
+              </a:rPr>
+              <a:t>이송 장치</a:t>
+            </a:r>
+            <a:endParaRPr lang="en-US" altLang="ko-KR" sz="1500" dirty="0">
+              <a:latin typeface="Century Gothic" panose="020B0502020202020204" pitchFamily="34" charset="0"/>
+            </a:endParaRPr>
+          </a:p>
+        </p:txBody>
+      </p:sp>
+      <p:pic>
+        <p:nvPicPr>
+          <p:cNvPr id="400" name="그림 399">
+            <a:extLst>
+              <a:ext uri="{FF2B5EF4-FFF2-40B4-BE49-F238E27FC236}">
+                <a16:creationId xmlns:a16="http://schemas.microsoft.com/office/drawing/2014/main" id="{319B1276-FFE4-4102-94AF-D23E66B9447B}"/>
+              </a:ext>
+            </a:extLst>
+          </p:cNvPr>
+          <p:cNvPicPr>
+            <a:picLocks noChangeAspect="1"/>
+          </p:cNvPicPr>
+          <p:nvPr/>
+        </p:nvPicPr>
+        <p:blipFill>
+          <a:blip r:embed="rId9">
+            <a:clrChange>
+              <a:clrFrom>
+                <a:srgbClr val="FAFAFA"/>
+              </a:clrFrom>
+              <a:clrTo>
+                <a:srgbClr val="FAFAFA">
+                  <a:alpha val="0"/>
+                </a:srgbClr>
+              </a:clrTo>
+            </a:clrChange>
+          </a:blip>
+          <a:stretch>
+            <a:fillRect/>
+          </a:stretch>
+        </p:blipFill>
+        <p:spPr>
+          <a:xfrm>
+            <a:off x="3183242" y="3404556"/>
+            <a:ext cx="1086002" cy="848701"/>
+          </a:xfrm>
+          <a:prstGeom prst="rect">
+            <a:avLst/>
+          </a:prstGeom>
+        </p:spPr>
+      </p:pic>
+      <p:sp>
+        <p:nvSpPr>
+          <p:cNvPr id="401" name="TextBox 400">
+            <a:extLst>
+              <a:ext uri="{FF2B5EF4-FFF2-40B4-BE49-F238E27FC236}">
+                <a16:creationId xmlns:a16="http://schemas.microsoft.com/office/drawing/2014/main" id="{73EFDE00-9D0A-4660-BA62-3709D166E9B3}"/>
+              </a:ext>
+            </a:extLst>
+          </p:cNvPr>
+          <p:cNvSpPr txBox="1"/>
+          <p:nvPr/>
+        </p:nvSpPr>
+        <p:spPr>
+          <a:xfrm>
+            <a:off x="2883194" y="4467311"/>
+            <a:ext cx="1714500" cy="553998"/>
+          </a:xfrm>
+          <a:prstGeom prst="rect">
+            <a:avLst/>
+          </a:prstGeom>
+          <a:noFill/>
+        </p:spPr>
+        <p:txBody>
+          <a:bodyPr wrap="square" rtlCol="0">
+            <a:spAutoFit/>
+          </a:bodyPr>
+          <a:lstStyle/>
+          <a:p>
+            <a:pPr algn="ctr"/>
+            <a:r>
+              <a:rPr lang="en-US" altLang="ko-KR" sz="1500" dirty="0">
+                <a:latin typeface="Century Gothic" panose="020B0502020202020204" pitchFamily="34" charset="0"/>
+              </a:rPr>
+              <a:t>Valve</a:t>
+            </a:r>
+          </a:p>
+          <a:p>
+            <a:pPr algn="ctr"/>
+            <a:r>
+              <a:rPr lang="ko-KR" altLang="en-US" sz="1500" dirty="0">
+                <a:latin typeface="Century Gothic" panose="020B0502020202020204" pitchFamily="34" charset="0"/>
+              </a:rPr>
+              <a:t>제어</a:t>
+            </a:r>
+            <a:r>
+              <a:rPr lang="en-US" altLang="ko-KR" sz="1500" dirty="0">
+                <a:latin typeface="Century Gothic" panose="020B0502020202020204" pitchFamily="34" charset="0"/>
+              </a:rPr>
+              <a:t> </a:t>
+            </a:r>
+            <a:r>
+              <a:rPr lang="ko-KR" altLang="en-US" sz="1500" dirty="0">
+                <a:latin typeface="Century Gothic" panose="020B0502020202020204" pitchFamily="34" charset="0"/>
+              </a:rPr>
+              <a:t>장치</a:t>
+            </a:r>
+            <a:endParaRPr lang="en-US" altLang="ko-KR" sz="1500" dirty="0">
+              <a:latin typeface="Century Gothic" panose="020B0502020202020204" pitchFamily="34" charset="0"/>
+            </a:endParaRPr>
+          </a:p>
+        </p:txBody>
+      </p:sp>
+      <p:pic>
+        <p:nvPicPr>
+          <p:cNvPr id="10248" name="Picture 8" descr="https://static.thenounproject.com/png/186061-200.png">
+            <a:extLst>
+              <a:ext uri="{FF2B5EF4-FFF2-40B4-BE49-F238E27FC236}">
+                <a16:creationId xmlns:a16="http://schemas.microsoft.com/office/drawing/2014/main" id="{FD081779-A93B-4172-B2FD-5D34CCCA9176}"/>
+              </a:ext>
+            </a:extLst>
+          </p:cNvPr>
+          <p:cNvPicPr>
+            <a:picLocks noChangeAspect="1" noChangeArrowheads="1"/>
+          </p:cNvPicPr>
+          <p:nvPr/>
+        </p:nvPicPr>
+        <p:blipFill>
+          <a:blip r:embed="rId10">
+            <a:extLst>
+              <a:ext uri="{28A0092B-C50C-407E-A947-70E740481C1C}">
+                <a14:useLocalDpi xmlns:a14="http://schemas.microsoft.com/office/drawing/2010/main" val="0"/>
+              </a:ext>
+            </a:extLst>
+          </a:blip>
+          <a:srcRect/>
+          <a:stretch>
+            <a:fillRect/>
+          </a:stretch>
+        </p:blipFill>
+        <p:spPr bwMode="auto">
+          <a:xfrm>
+            <a:off x="4181399" y="3079700"/>
+            <a:ext cx="1408956" cy="1408956"/>
+          </a:xfrm>
+          <a:prstGeom prst="rect">
+            <a:avLst/>
+          </a:prstGeom>
+          <a:noFill/>
+          <a:extLst>
+            <a:ext uri="{909E8E84-426E-40DD-AFC4-6F175D3DCCD1}">
+              <a14:hiddenFill xmlns:a14="http://schemas.microsoft.com/office/drawing/2010/main">
+                <a:solidFill>
+                  <a:srgbClr val="FFFFFF"/>
+                </a:solidFill>
+              </a14:hiddenFill>
+            </a:ext>
+          </a:extLst>
+        </p:spPr>
+      </p:pic>
+      <p:sp>
+        <p:nvSpPr>
+          <p:cNvPr id="404" name="TextBox 403">
+            <a:extLst>
+              <a:ext uri="{FF2B5EF4-FFF2-40B4-BE49-F238E27FC236}">
+                <a16:creationId xmlns:a16="http://schemas.microsoft.com/office/drawing/2014/main" id="{D95BB46D-7003-402C-81D0-21426996A467}"/>
+              </a:ext>
+            </a:extLst>
+          </p:cNvPr>
+          <p:cNvSpPr txBox="1"/>
+          <p:nvPr/>
+        </p:nvSpPr>
+        <p:spPr>
+          <a:xfrm>
+            <a:off x="4034084" y="4488656"/>
+            <a:ext cx="1714500" cy="553998"/>
+          </a:xfrm>
+          <a:prstGeom prst="rect">
+            <a:avLst/>
+          </a:prstGeom>
+          <a:noFill/>
+        </p:spPr>
+        <p:txBody>
+          <a:bodyPr wrap="square" rtlCol="0">
+            <a:spAutoFit/>
+          </a:bodyPr>
+          <a:lstStyle/>
+          <a:p>
+            <a:pPr algn="ctr"/>
+            <a:r>
+              <a:rPr lang="en-US" altLang="ko-KR" sz="1500" dirty="0">
+                <a:latin typeface="Century Gothic" panose="020B0502020202020204" pitchFamily="34" charset="0"/>
+              </a:rPr>
+              <a:t>Mixer</a:t>
+            </a:r>
+          </a:p>
+          <a:p>
+            <a:pPr algn="ctr"/>
+            <a:r>
+              <a:rPr lang="ko-KR" altLang="en-US" sz="1500" dirty="0">
+                <a:latin typeface="Century Gothic" panose="020B0502020202020204" pitchFamily="34" charset="0"/>
+              </a:rPr>
+              <a:t>교반 장치</a:t>
+            </a:r>
+            <a:endParaRPr lang="en-US" altLang="ko-KR" sz="1500" dirty="0">
+              <a:latin typeface="Century Gothic" panose="020B0502020202020204" pitchFamily="34" charset="0"/>
+            </a:endParaRPr>
+          </a:p>
+        </p:txBody>
+      </p:sp>
+      <p:pic>
+        <p:nvPicPr>
+          <p:cNvPr id="10252" name="Picture 12" descr="https://static.thenounproject.com/png/1156439-200.png">
+            <a:extLst>
+              <a:ext uri="{FF2B5EF4-FFF2-40B4-BE49-F238E27FC236}">
+                <a16:creationId xmlns:a16="http://schemas.microsoft.com/office/drawing/2014/main" id="{80090F68-780C-4B11-9FCE-A0C017879C37}"/>
+              </a:ext>
+            </a:extLst>
+          </p:cNvPr>
+          <p:cNvPicPr>
+            <a:picLocks noChangeAspect="1" noChangeArrowheads="1"/>
+          </p:cNvPicPr>
+          <p:nvPr/>
+        </p:nvPicPr>
+        <p:blipFill>
+          <a:blip r:embed="rId11">
+            <a:extLst>
+              <a:ext uri="{28A0092B-C50C-407E-A947-70E740481C1C}">
+                <a14:useLocalDpi xmlns:a14="http://schemas.microsoft.com/office/drawing/2010/main" val="0"/>
+              </a:ext>
+            </a:extLst>
+          </a:blip>
+          <a:srcRect/>
+          <a:stretch>
+            <a:fillRect/>
+          </a:stretch>
+        </p:blipFill>
+        <p:spPr bwMode="auto">
+          <a:xfrm>
+            <a:off x="5592941" y="3404556"/>
             <a:ext cx="824665" cy="824665"/>
           </a:xfrm>
           <a:prstGeom prst="rect">
@@ -20222,10 +20772,10 @@
       </p:pic>
       <p:sp>
         <p:nvSpPr>
-          <p:cNvPr id="405" name="TextBox 404">
-            <a:extLst>
-              <a:ext uri="{FF2B5EF4-FFF2-40B4-BE49-F238E27FC236}">
-                <a16:creationId xmlns:a16="http://schemas.microsoft.com/office/drawing/2014/main" id="{6A6D79D9-C7E3-423A-8B02-37B50C88F11D}"/>
+          <p:cNvPr id="406" name="TextBox 405">
+            <a:extLst>
+              <a:ext uri="{FF2B5EF4-FFF2-40B4-BE49-F238E27FC236}">
+                <a16:creationId xmlns:a16="http://schemas.microsoft.com/office/drawing/2014/main" id="{B5BE3191-9ACA-410A-AB1E-3A096A0DCCD7}"/>
               </a:ext>
             </a:extLst>
           </p:cNvPr>
@@ -20234,7 +20784,7 @@
         </p:nvSpPr>
         <p:spPr>
           <a:xfrm>
-            <a:off x="8777226" y="4501216"/>
+            <a:off x="5271623" y="4477984"/>
             <a:ext cx="1714500" cy="553998"/>
           </a:xfrm>
           <a:prstGeom prst="rect">
@@ -20253,7 +20803,7 @@
               <a:rPr lang="en-US" altLang="ko-KR" sz="1500" dirty="0">
                 <a:latin typeface="Century Gothic" panose="020B0502020202020204" pitchFamily="34" charset="0"/>
               </a:rPr>
-              <a:t>Magnet</a:t>
+              <a:t>Chamber</a:t>
             </a:r>
           </a:p>
           <a:p>
@@ -20262,7 +20812,7 @@
               <a:rPr lang="ko-KR" altLang="en-US" sz="1500" dirty="0">
                 <a:latin typeface="Century Gothic" panose="020B0502020202020204" pitchFamily="34" charset="0"/>
               </a:rPr>
-              <a:t>자석</a:t>
+              <a:t>반응장소</a:t>
             </a:r>
             <a:endParaRPr lang="en-US" altLang="ko-KR" sz="1500" dirty="0">
               <a:latin typeface="Century Gothic" panose="020B0502020202020204" pitchFamily="34" charset="0"/>
@@ -20270,506 +20820,6 @@
           </a:p>
         </p:txBody>
       </p:sp>
-      <p:grpSp>
-        <p:nvGrpSpPr>
-          <p:cNvPr id="10" name="그룹 9">
-            <a:extLst>
-              <a:ext uri="{FF2B5EF4-FFF2-40B4-BE49-F238E27FC236}">
-                <a16:creationId xmlns:a16="http://schemas.microsoft.com/office/drawing/2014/main" id="{7380D115-FE2A-4248-B791-7C6A1FFC6173}"/>
-              </a:ext>
-            </a:extLst>
-          </p:cNvPr>
-          <p:cNvGrpSpPr/>
-          <p:nvPr/>
-        </p:nvGrpSpPr>
-        <p:grpSpPr>
-          <a:xfrm>
-            <a:off x="532314" y="3127778"/>
-            <a:ext cx="7284489" cy="1980912"/>
-            <a:chOff x="163762" y="3301165"/>
-            <a:chExt cx="7284489" cy="1980912"/>
-          </a:xfrm>
-        </p:grpSpPr>
-        <p:pic>
-          <p:nvPicPr>
-            <p:cNvPr id="397" name="그림 396">
-              <a:extLst>
-                <a:ext uri="{FF2B5EF4-FFF2-40B4-BE49-F238E27FC236}">
-                  <a16:creationId xmlns:a16="http://schemas.microsoft.com/office/drawing/2014/main" id="{0E593C8C-0D81-46FD-9CF9-248372B26FD0}"/>
-                </a:ext>
-              </a:extLst>
-            </p:cNvPr>
-            <p:cNvPicPr>
-              <a:picLocks noChangeAspect="1"/>
-            </p:cNvPicPr>
-            <p:nvPr/>
-          </p:nvPicPr>
-          <p:blipFill>
-            <a:blip r:embed="rId7">
-              <a:clrChange>
-                <a:clrFrom>
-                  <a:srgbClr val="FAFAFA"/>
-                </a:clrFrom>
-                <a:clrTo>
-                  <a:srgbClr val="FAFAFA">
-                    <a:alpha val="0"/>
-                  </a:srgbClr>
-                </a:clrTo>
-              </a:clrChange>
-            </a:blip>
-            <a:stretch>
-              <a:fillRect/>
-            </a:stretch>
-          </p:blipFill>
-          <p:spPr>
-            <a:xfrm>
-              <a:off x="640103" y="3604131"/>
-              <a:ext cx="698501" cy="1010800"/>
-            </a:xfrm>
-            <a:prstGeom prst="rect">
-              <a:avLst/>
-            </a:prstGeom>
-          </p:spPr>
-        </p:pic>
-        <p:sp>
-          <p:nvSpPr>
-            <p:cNvPr id="9" name="TextBox 8">
-              <a:extLst>
-                <a:ext uri="{FF2B5EF4-FFF2-40B4-BE49-F238E27FC236}">
-                  <a16:creationId xmlns:a16="http://schemas.microsoft.com/office/drawing/2014/main" id="{B39F2987-FD80-43A6-9F9D-775AC57CA602}"/>
-                </a:ext>
-              </a:extLst>
-            </p:cNvPr>
-            <p:cNvSpPr txBox="1"/>
-            <p:nvPr/>
-          </p:nvSpPr>
-          <p:spPr>
-            <a:xfrm>
-              <a:off x="163762" y="4674603"/>
-              <a:ext cx="1714500" cy="553998"/>
-            </a:xfrm>
-            <a:prstGeom prst="rect">
-              <a:avLst/>
-            </a:prstGeom>
-            <a:noFill/>
-          </p:spPr>
-          <p:txBody>
-            <a:bodyPr wrap="square" rtlCol="0">
-              <a:spAutoFit/>
-            </a:bodyPr>
-            <a:lstStyle/>
-            <a:p>
-              <a:pPr algn="ctr"/>
-              <a:r>
-                <a:rPr lang="en-US" altLang="ko-KR" sz="1500" dirty="0">
-                  <a:latin typeface="Century Gothic" panose="020B0502020202020204" pitchFamily="34" charset="0"/>
-                </a:rPr>
-                <a:t>Reservoir </a:t>
-              </a:r>
-            </a:p>
-            <a:p>
-              <a:pPr algn="ctr"/>
-              <a:r>
-                <a:rPr lang="ko-KR" altLang="en-US" sz="1500" dirty="0">
-                  <a:latin typeface="Century Gothic" panose="020B0502020202020204" pitchFamily="34" charset="0"/>
-                </a:rPr>
-                <a:t>시약 보관소</a:t>
-              </a:r>
-              <a:endParaRPr lang="en-US" altLang="ko-KR" sz="1500" dirty="0">
-                <a:latin typeface="Century Gothic" panose="020B0502020202020204" pitchFamily="34" charset="0"/>
-              </a:endParaRPr>
-            </a:p>
-          </p:txBody>
-        </p:sp>
-        <p:pic>
-          <p:nvPicPr>
-            <p:cNvPr id="398" name="그림 397">
-              <a:extLst>
-                <a:ext uri="{FF2B5EF4-FFF2-40B4-BE49-F238E27FC236}">
-                  <a16:creationId xmlns:a16="http://schemas.microsoft.com/office/drawing/2014/main" id="{71713DA1-A025-474B-9281-B32C6057F6AA}"/>
-                </a:ext>
-              </a:extLst>
-            </p:cNvPr>
-            <p:cNvPicPr>
-              <a:picLocks noChangeAspect="1"/>
-            </p:cNvPicPr>
-            <p:nvPr/>
-          </p:nvPicPr>
-          <p:blipFill>
-            <a:blip r:embed="rId8">
-              <a:clrChange>
-                <a:clrFrom>
-                  <a:srgbClr val="FAFAFA"/>
-                </a:clrFrom>
-                <a:clrTo>
-                  <a:srgbClr val="FAFAFA">
-                    <a:alpha val="0"/>
-                  </a:srgbClr>
-                </a:clrTo>
-              </a:clrChange>
-            </a:blip>
-            <a:stretch>
-              <a:fillRect/>
-            </a:stretch>
-          </p:blipFill>
-          <p:spPr>
-            <a:xfrm>
-              <a:off x="2181214" y="3554423"/>
-              <a:ext cx="799180" cy="1010801"/>
-            </a:xfrm>
-            <a:prstGeom prst="rect">
-              <a:avLst/>
-            </a:prstGeom>
-          </p:spPr>
-        </p:pic>
-        <p:sp>
-          <p:nvSpPr>
-            <p:cNvPr id="399" name="TextBox 398">
-              <a:extLst>
-                <a:ext uri="{FF2B5EF4-FFF2-40B4-BE49-F238E27FC236}">
-                  <a16:creationId xmlns:a16="http://schemas.microsoft.com/office/drawing/2014/main" id="{E9D2D03C-FF8C-4A2C-B736-B1BF0D106204}"/>
-                </a:ext>
-              </a:extLst>
-            </p:cNvPr>
-            <p:cNvSpPr txBox="1"/>
-            <p:nvPr/>
-          </p:nvSpPr>
-          <p:spPr>
-            <a:xfrm>
-              <a:off x="1723554" y="4680895"/>
-              <a:ext cx="1714500" cy="553998"/>
-            </a:xfrm>
-            <a:prstGeom prst="rect">
-              <a:avLst/>
-            </a:prstGeom>
-            <a:noFill/>
-          </p:spPr>
-          <p:txBody>
-            <a:bodyPr wrap="square" rtlCol="0">
-              <a:spAutoFit/>
-            </a:bodyPr>
-            <a:lstStyle/>
-            <a:p>
-              <a:pPr algn="ctr"/>
-              <a:r>
-                <a:rPr lang="en-US" altLang="ko-KR" sz="1500" dirty="0">
-                  <a:latin typeface="Century Gothic" panose="020B0502020202020204" pitchFamily="34" charset="0"/>
-                </a:rPr>
-                <a:t>Pump (actuator)</a:t>
-              </a:r>
-            </a:p>
-            <a:p>
-              <a:pPr algn="ctr"/>
-              <a:r>
-                <a:rPr lang="ko-KR" altLang="en-US" sz="1500" dirty="0">
-                  <a:latin typeface="Century Gothic" panose="020B0502020202020204" pitchFamily="34" charset="0"/>
-                </a:rPr>
-                <a:t>이송 장치</a:t>
-              </a:r>
-              <a:endParaRPr lang="en-US" altLang="ko-KR" sz="1500" dirty="0">
-                <a:latin typeface="Century Gothic" panose="020B0502020202020204" pitchFamily="34" charset="0"/>
-              </a:endParaRPr>
-            </a:p>
-          </p:txBody>
-        </p:sp>
-        <p:pic>
-          <p:nvPicPr>
-            <p:cNvPr id="400" name="그림 399">
-              <a:extLst>
-                <a:ext uri="{FF2B5EF4-FFF2-40B4-BE49-F238E27FC236}">
-                  <a16:creationId xmlns:a16="http://schemas.microsoft.com/office/drawing/2014/main" id="{319B1276-FFE4-4102-94AF-D23E66B9447B}"/>
-                </a:ext>
-              </a:extLst>
-            </p:cNvPr>
-            <p:cNvPicPr>
-              <a:picLocks noChangeAspect="1"/>
-            </p:cNvPicPr>
-            <p:nvPr/>
-          </p:nvPicPr>
-          <p:blipFill>
-            <a:blip r:embed="rId9">
-              <a:clrChange>
-                <a:clrFrom>
-                  <a:srgbClr val="FAFAFA"/>
-                </a:clrFrom>
-                <a:clrTo>
-                  <a:srgbClr val="FAFAFA">
-                    <a:alpha val="0"/>
-                  </a:srgbClr>
-                </a:clrTo>
-              </a:clrChange>
-            </a:blip>
-            <a:stretch>
-              <a:fillRect/>
-            </a:stretch>
-          </p:blipFill>
-          <p:spPr>
-            <a:xfrm>
-              <a:off x="3438054" y="3611627"/>
-              <a:ext cx="1086002" cy="848701"/>
-            </a:xfrm>
-            <a:prstGeom prst="rect">
-              <a:avLst/>
-            </a:prstGeom>
-          </p:spPr>
-        </p:pic>
-        <p:sp>
-          <p:nvSpPr>
-            <p:cNvPr id="401" name="TextBox 400">
-              <a:extLst>
-                <a:ext uri="{FF2B5EF4-FFF2-40B4-BE49-F238E27FC236}">
-                  <a16:creationId xmlns:a16="http://schemas.microsoft.com/office/drawing/2014/main" id="{73EFDE00-9D0A-4660-BA62-3709D166E9B3}"/>
-                </a:ext>
-              </a:extLst>
-            </p:cNvPr>
-            <p:cNvSpPr txBox="1"/>
-            <p:nvPr/>
-          </p:nvSpPr>
-          <p:spPr>
-            <a:xfrm>
-              <a:off x="3123805" y="4694930"/>
-              <a:ext cx="1714500" cy="553998"/>
-            </a:xfrm>
-            <a:prstGeom prst="rect">
-              <a:avLst/>
-            </a:prstGeom>
-            <a:noFill/>
-          </p:spPr>
-          <p:txBody>
-            <a:bodyPr wrap="square" rtlCol="0">
-              <a:spAutoFit/>
-            </a:bodyPr>
-            <a:lstStyle/>
-            <a:p>
-              <a:pPr algn="ctr"/>
-              <a:r>
-                <a:rPr lang="en-US" altLang="ko-KR" sz="1500" dirty="0">
-                  <a:latin typeface="Century Gothic" panose="020B0502020202020204" pitchFamily="34" charset="0"/>
-                </a:rPr>
-                <a:t>Valve</a:t>
-              </a:r>
-            </a:p>
-            <a:p>
-              <a:pPr algn="ctr"/>
-              <a:r>
-                <a:rPr lang="ko-KR" altLang="en-US" sz="1500" dirty="0">
-                  <a:latin typeface="Century Gothic" panose="020B0502020202020204" pitchFamily="34" charset="0"/>
-                </a:rPr>
-                <a:t>제어</a:t>
-              </a:r>
-              <a:r>
-                <a:rPr lang="en-US" altLang="ko-KR" sz="1500" dirty="0">
-                  <a:latin typeface="Century Gothic" panose="020B0502020202020204" pitchFamily="34" charset="0"/>
-                </a:rPr>
-                <a:t> </a:t>
-              </a:r>
-              <a:r>
-                <a:rPr lang="ko-KR" altLang="en-US" sz="1500" dirty="0">
-                  <a:latin typeface="Century Gothic" panose="020B0502020202020204" pitchFamily="34" charset="0"/>
-                </a:rPr>
-                <a:t>장치</a:t>
-              </a:r>
-              <a:endParaRPr lang="en-US" altLang="ko-KR" sz="1500" dirty="0">
-                <a:latin typeface="Century Gothic" panose="020B0502020202020204" pitchFamily="34" charset="0"/>
-              </a:endParaRPr>
-            </a:p>
-          </p:txBody>
-        </p:sp>
-        <p:pic>
-          <p:nvPicPr>
-            <p:cNvPr id="10248" name="Picture 8" descr="https://static.thenounproject.com/png/186061-200.png">
-              <a:extLst>
-                <a:ext uri="{FF2B5EF4-FFF2-40B4-BE49-F238E27FC236}">
-                  <a16:creationId xmlns:a16="http://schemas.microsoft.com/office/drawing/2014/main" id="{FD081779-A93B-4172-B2FD-5D34CCCA9176}"/>
-                </a:ext>
-              </a:extLst>
-            </p:cNvPr>
-            <p:cNvPicPr>
-              <a:picLocks noChangeAspect="1" noChangeArrowheads="1"/>
-            </p:cNvPicPr>
-            <p:nvPr/>
-          </p:nvPicPr>
-          <p:blipFill>
-            <a:blip r:embed="rId10">
-              <a:extLst>
-                <a:ext uri="{28A0092B-C50C-407E-A947-70E740481C1C}">
-                  <a14:useLocalDpi xmlns:a14="http://schemas.microsoft.com/office/drawing/2010/main" val="0"/>
-                </a:ext>
-              </a:extLst>
-            </a:blip>
-            <a:srcRect/>
-            <a:stretch>
-              <a:fillRect/>
-            </a:stretch>
-          </p:blipFill>
-          <p:spPr bwMode="auto">
-            <a:xfrm>
-              <a:off x="4591487" y="3301165"/>
-              <a:ext cx="1408956" cy="1408956"/>
-            </a:xfrm>
-            <a:prstGeom prst="rect">
-              <a:avLst/>
-            </a:prstGeom>
-            <a:noFill/>
-            <a:extLst>
-              <a:ext uri="{909E8E84-426E-40DD-AFC4-6F175D3DCCD1}">
-                <a14:hiddenFill xmlns:a14="http://schemas.microsoft.com/office/drawing/2010/main">
-                  <a:solidFill>
-                    <a:srgbClr val="FFFFFF"/>
-                  </a:solidFill>
-                </a14:hiddenFill>
-              </a:ext>
-            </a:extLst>
-          </p:spPr>
-        </p:pic>
-        <p:sp>
-          <p:nvSpPr>
-            <p:cNvPr id="404" name="TextBox 403">
-              <a:extLst>
-                <a:ext uri="{FF2B5EF4-FFF2-40B4-BE49-F238E27FC236}">
-                  <a16:creationId xmlns:a16="http://schemas.microsoft.com/office/drawing/2014/main" id="{D95BB46D-7003-402C-81D0-21426996A467}"/>
-                </a:ext>
-              </a:extLst>
-            </p:cNvPr>
-            <p:cNvSpPr txBox="1"/>
-            <p:nvPr/>
-          </p:nvSpPr>
-          <p:spPr>
-            <a:xfrm>
-              <a:off x="4426595" y="4728079"/>
-              <a:ext cx="1714500" cy="553998"/>
-            </a:xfrm>
-            <a:prstGeom prst="rect">
-              <a:avLst/>
-            </a:prstGeom>
-            <a:noFill/>
-          </p:spPr>
-          <p:txBody>
-            <a:bodyPr wrap="square" rtlCol="0">
-              <a:spAutoFit/>
-            </a:bodyPr>
-            <a:lstStyle/>
-            <a:p>
-              <a:pPr algn="ctr"/>
-              <a:r>
-                <a:rPr lang="en-US" altLang="ko-KR" sz="1500" dirty="0">
-                  <a:latin typeface="Century Gothic" panose="020B0502020202020204" pitchFamily="34" charset="0"/>
-                </a:rPr>
-                <a:t>Mixer</a:t>
-              </a:r>
-            </a:p>
-            <a:p>
-              <a:pPr algn="ctr"/>
-              <a:r>
-                <a:rPr lang="ko-KR" altLang="en-US" sz="1500" dirty="0">
-                  <a:latin typeface="Century Gothic" panose="020B0502020202020204" pitchFamily="34" charset="0"/>
-                </a:rPr>
-                <a:t>교반 장치</a:t>
-              </a:r>
-              <a:endParaRPr lang="en-US" altLang="ko-KR" sz="1500" dirty="0">
-                <a:latin typeface="Century Gothic" panose="020B0502020202020204" pitchFamily="34" charset="0"/>
-              </a:endParaRPr>
-            </a:p>
-          </p:txBody>
-        </p:sp>
-        <p:pic>
-          <p:nvPicPr>
-            <p:cNvPr id="10252" name="Picture 12" descr="https://static.thenounproject.com/png/1156439-200.png">
-              <a:extLst>
-                <a:ext uri="{FF2B5EF4-FFF2-40B4-BE49-F238E27FC236}">
-                  <a16:creationId xmlns:a16="http://schemas.microsoft.com/office/drawing/2014/main" id="{80090F68-780C-4B11-9FCE-A0C017879C37}"/>
-                </a:ext>
-              </a:extLst>
-            </p:cNvPr>
-            <p:cNvPicPr>
-              <a:picLocks noChangeAspect="1" noChangeArrowheads="1"/>
-            </p:cNvPicPr>
-            <p:nvPr/>
-          </p:nvPicPr>
-          <p:blipFill>
-            <a:blip r:embed="rId11">
-              <a:extLst>
-                <a:ext uri="{28A0092B-C50C-407E-A947-70E740481C1C}">
-                  <a14:useLocalDpi xmlns:a14="http://schemas.microsoft.com/office/drawing/2010/main" val="0"/>
-                </a:ext>
-              </a:extLst>
-            </a:blip>
-            <a:srcRect/>
-            <a:stretch>
-              <a:fillRect/>
-            </a:stretch>
-          </p:blipFill>
-          <p:spPr bwMode="auto">
-            <a:xfrm>
-              <a:off x="6153215" y="3635663"/>
-              <a:ext cx="824665" cy="824665"/>
-            </a:xfrm>
-            <a:prstGeom prst="rect">
-              <a:avLst/>
-            </a:prstGeom>
-            <a:noFill/>
-            <a:extLst>
-              <a:ext uri="{909E8E84-426E-40DD-AFC4-6F175D3DCCD1}">
-                <a14:hiddenFill xmlns:a14="http://schemas.microsoft.com/office/drawing/2010/main">
-                  <a:solidFill>
-                    <a:srgbClr val="FFFFFF"/>
-                  </a:solidFill>
-                </a14:hiddenFill>
-              </a:ext>
-            </a:extLst>
-          </p:spPr>
-        </p:pic>
-        <p:sp>
-          <p:nvSpPr>
-            <p:cNvPr id="406" name="TextBox 405">
-              <a:extLst>
-                <a:ext uri="{FF2B5EF4-FFF2-40B4-BE49-F238E27FC236}">
-                  <a16:creationId xmlns:a16="http://schemas.microsoft.com/office/drawing/2014/main" id="{B5BE3191-9ACA-410A-AB1E-3A096A0DCCD7}"/>
-                </a:ext>
-              </a:extLst>
-            </p:cNvPr>
-            <p:cNvSpPr txBox="1"/>
-            <p:nvPr/>
-          </p:nvSpPr>
-          <p:spPr>
-            <a:xfrm>
-              <a:off x="5733751" y="4706865"/>
-              <a:ext cx="1714500" cy="553998"/>
-            </a:xfrm>
-            <a:prstGeom prst="rect">
-              <a:avLst/>
-            </a:prstGeom>
-            <a:noFill/>
-          </p:spPr>
-          <p:txBody>
-            <a:bodyPr wrap="square" rtlCol="0">
-              <a:spAutoFit/>
-            </a:bodyPr>
-            <a:lstStyle/>
-            <a:p>
-              <a:pPr algn="ctr"/>
-              <a:r>
-                <a:rPr lang="en-US" altLang="ko-KR" sz="1500" dirty="0">
-                  <a:latin typeface="Century Gothic" panose="020B0502020202020204" pitchFamily="34" charset="0"/>
-                </a:rPr>
-                <a:t>Chamber</a:t>
-              </a:r>
-            </a:p>
-            <a:p>
-              <a:pPr algn="ctr"/>
-              <a:r>
-                <a:rPr lang="ko-KR" altLang="en-US" sz="1500" dirty="0">
-                  <a:latin typeface="Century Gothic" panose="020B0502020202020204" pitchFamily="34" charset="0"/>
-                </a:rPr>
-                <a:t>반응장소</a:t>
-              </a:r>
-              <a:endParaRPr lang="en-US" altLang="ko-KR" sz="1500" dirty="0">
-                <a:latin typeface="Century Gothic" panose="020B0502020202020204" pitchFamily="34" charset="0"/>
-              </a:endParaRPr>
-            </a:p>
-          </p:txBody>
-        </p:sp>
-      </p:grpSp>
       <p:sp>
         <p:nvSpPr>
           <p:cNvPr id="407" name="사각형: 둥근 모서리 406">
@@ -20970,103 +21020,118 @@
           </a:p>
         </p:txBody>
       </p:sp>
-      <p:pic>
-        <p:nvPicPr>
-          <p:cNvPr id="10254" name="Picture 14" descr="https://static.thenounproject.com/png/1866028-200.png">
-            <a:extLst>
-              <a:ext uri="{FF2B5EF4-FFF2-40B4-BE49-F238E27FC236}">
-                <a16:creationId xmlns:a16="http://schemas.microsoft.com/office/drawing/2014/main" id="{77D4C1C0-E39E-438C-9555-A3729DEA19B9}"/>
-              </a:ext>
-            </a:extLst>
-          </p:cNvPr>
-          <p:cNvPicPr>
-            <a:picLocks noChangeAspect="1" noChangeArrowheads="1"/>
-          </p:cNvPicPr>
+      <p:grpSp>
+        <p:nvGrpSpPr>
+          <p:cNvPr id="3" name="그룹 2"/>
+          <p:cNvGrpSpPr/>
           <p:nvPr/>
-        </p:nvPicPr>
-        <p:blipFill>
-          <a:blip r:embed="rId12">
-            <a:extLst>
-              <a:ext uri="{28A0092B-C50C-407E-A947-70E740481C1C}">
-                <a14:useLocalDpi xmlns:a14="http://schemas.microsoft.com/office/drawing/2010/main" val="0"/>
-              </a:ext>
-            </a:extLst>
-          </a:blip>
-          <a:srcRect/>
-          <a:stretch>
-            <a:fillRect/>
-          </a:stretch>
-        </p:blipFill>
-        <p:spPr bwMode="auto">
+        </p:nvGrpSpPr>
+        <p:grpSpPr>
           <a:xfrm>
-            <a:off x="7838350" y="3458691"/>
-            <a:ext cx="824665" cy="824665"/>
+            <a:off x="6476173" y="3431838"/>
+            <a:ext cx="1714500" cy="1595496"/>
+            <a:chOff x="6904532" y="3448194"/>
+            <a:chExt cx="1714500" cy="1595496"/>
           </a:xfrm>
-          <a:prstGeom prst="rect">
-            <a:avLst/>
-          </a:prstGeom>
-          <a:noFill/>
-          <a:extLst>
-            <a:ext uri="{909E8E84-426E-40DD-AFC4-6F175D3DCCD1}">
-              <a14:hiddenFill xmlns:a14="http://schemas.microsoft.com/office/drawing/2010/main">
-                <a:solidFill>
-                  <a:srgbClr val="FFFFFF"/>
-                </a:solidFill>
-              </a14:hiddenFill>
-            </a:ext>
-          </a:extLst>
-        </p:spPr>
-      </p:pic>
-      <p:sp>
-        <p:nvSpPr>
-          <p:cNvPr id="410" name="TextBox 409">
-            <a:extLst>
-              <a:ext uri="{FF2B5EF4-FFF2-40B4-BE49-F238E27FC236}">
-                <a16:creationId xmlns:a16="http://schemas.microsoft.com/office/drawing/2014/main" id="{EB4CA50D-ED2E-4DC2-944C-F0802CB36BB1}"/>
-              </a:ext>
-            </a:extLst>
-          </p:cNvPr>
-          <p:cNvSpPr txBox="1"/>
-          <p:nvPr/>
-        </p:nvSpPr>
-        <p:spPr>
-          <a:xfrm>
-            <a:off x="7409459" y="4549833"/>
-            <a:ext cx="1714500" cy="553998"/>
-          </a:xfrm>
-          <a:prstGeom prst="rect">
-            <a:avLst/>
-          </a:prstGeom>
-          <a:noFill/>
-        </p:spPr>
-        <p:txBody>
-          <a:bodyPr wrap="square" rtlCol="0">
-            <a:spAutoFit/>
-          </a:bodyPr>
-          <a:lstStyle/>
-          <a:p>
-            <a:pPr algn="ctr"/>
-            <a:r>
-              <a:rPr lang="en-US" altLang="ko-KR" sz="1500" dirty="0">
+        </p:grpSpPr>
+        <p:pic>
+          <p:nvPicPr>
+            <p:cNvPr id="10254" name="Picture 14" descr="https://static.thenounproject.com/png/1866028-200.png">
+              <a:extLst>
+                <a:ext uri="{FF2B5EF4-FFF2-40B4-BE49-F238E27FC236}">
+                  <a16:creationId xmlns:a16="http://schemas.microsoft.com/office/drawing/2014/main" id="{77D4C1C0-E39E-438C-9555-A3729DEA19B9}"/>
+                </a:ext>
+              </a:extLst>
+            </p:cNvPr>
+            <p:cNvPicPr>
+              <a:picLocks noChangeAspect="1" noChangeArrowheads="1"/>
+            </p:cNvPicPr>
+            <p:nvPr/>
+          </p:nvPicPr>
+          <p:blipFill>
+            <a:blip r:embed="rId12">
+              <a:extLst>
+                <a:ext uri="{28A0092B-C50C-407E-A947-70E740481C1C}">
+                  <a14:useLocalDpi xmlns:a14="http://schemas.microsoft.com/office/drawing/2010/main" val="0"/>
+                </a:ext>
+              </a:extLst>
+            </a:blip>
+            <a:srcRect/>
+            <a:stretch>
+              <a:fillRect/>
+            </a:stretch>
+          </p:blipFill>
+          <p:spPr bwMode="auto">
+            <a:xfrm>
+              <a:off x="7280874" y="3448194"/>
+              <a:ext cx="739271" cy="739271"/>
+            </a:xfrm>
+            <a:prstGeom prst="rect">
+              <a:avLst/>
+            </a:prstGeom>
+            <a:noFill/>
+            <a:extLst>
+              <a:ext uri="{909E8E84-426E-40DD-AFC4-6F175D3DCCD1}">
+                <a14:hiddenFill xmlns:a14="http://schemas.microsoft.com/office/drawing/2010/main">
+                  <a:solidFill>
+                    <a:srgbClr val="FFFFFF"/>
+                  </a:solidFill>
+                </a14:hiddenFill>
+              </a:ext>
+            </a:extLst>
+          </p:spPr>
+        </p:pic>
+        <p:sp>
+          <p:nvSpPr>
+            <p:cNvPr id="410" name="TextBox 409">
+              <a:extLst>
+                <a:ext uri="{FF2B5EF4-FFF2-40B4-BE49-F238E27FC236}">
+                  <a16:creationId xmlns:a16="http://schemas.microsoft.com/office/drawing/2014/main" id="{EB4CA50D-ED2E-4DC2-944C-F0802CB36BB1}"/>
+                </a:ext>
+              </a:extLst>
+            </p:cNvPr>
+            <p:cNvSpPr txBox="1"/>
+            <p:nvPr/>
+          </p:nvSpPr>
+          <p:spPr>
+            <a:xfrm>
+              <a:off x="6904532" y="4489692"/>
+              <a:ext cx="1714500" cy="553998"/>
+            </a:xfrm>
+            <a:prstGeom prst="rect">
+              <a:avLst/>
+            </a:prstGeom>
+            <a:noFill/>
+          </p:spPr>
+          <p:txBody>
+            <a:bodyPr wrap="square" rtlCol="0">
+              <a:spAutoFit/>
+            </a:bodyPr>
+            <a:lstStyle/>
+            <a:p>
+              <a:pPr algn="ctr"/>
+              <a:r>
+                <a:rPr lang="en-US" altLang="ko-KR" sz="1500" dirty="0">
+                  <a:latin typeface="Century Gothic" panose="020B0502020202020204" pitchFamily="34" charset="0"/>
+                </a:rPr>
+                <a:t>Waste</a:t>
+              </a:r>
+            </a:p>
+            <a:p>
+              <a:pPr algn="ctr"/>
+              <a:r>
+                <a:rPr lang="ko-KR" altLang="en-US" sz="1500" dirty="0">
+                  <a:latin typeface="Century Gothic" panose="020B0502020202020204" pitchFamily="34" charset="0"/>
+                </a:rPr>
+                <a:t>폐기장소</a:t>
+              </a:r>
+              <a:endParaRPr lang="en-US" altLang="ko-KR" sz="1500" dirty="0">
                 <a:latin typeface="Century Gothic" panose="020B0502020202020204" pitchFamily="34" charset="0"/>
-              </a:rPr>
-              <a:t>Waste</a:t>
-            </a:r>
-          </a:p>
-          <a:p>
-            <a:pPr algn="ctr"/>
-            <a:r>
-              <a:rPr lang="ko-KR" altLang="en-US" sz="1500" dirty="0">
-                <a:latin typeface="Century Gothic" panose="020B0502020202020204" pitchFamily="34" charset="0"/>
-              </a:rPr>
-              <a:t>폐기장소</a:t>
-            </a:r>
-            <a:endParaRPr lang="en-US" altLang="ko-KR" sz="1500" dirty="0">
-              <a:latin typeface="Century Gothic" panose="020B0502020202020204" pitchFamily="34" charset="0"/>
-            </a:endParaRPr>
-          </a:p>
-        </p:txBody>
-      </p:sp>
+              </a:endParaRPr>
+            </a:p>
+          </p:txBody>
+        </p:sp>
+      </p:grpSp>
       <p:pic>
         <p:nvPicPr>
           <p:cNvPr id="411" name="Picture 18" descr="https://static.thenounproject.com/png/590605-200.png">
@@ -21114,6 +21179,103 @@
           </a:extLst>
         </p:spPr>
       </p:pic>
+      <p:pic>
+        <p:nvPicPr>
+          <p:cNvPr id="1026" name="Picture 2" descr="https://static.thenounproject.com/png/1743407-200.png"/>
+          <p:cNvPicPr>
+            <a:picLocks noChangeAspect="1" noChangeArrowheads="1"/>
+          </p:cNvPicPr>
+          <p:nvPr/>
+        </p:nvPicPr>
+        <p:blipFill>
+          <a:blip r:embed="rId14">
+            <a:extLst>
+              <a:ext uri="{28A0092B-C50C-407E-A947-70E740481C1C}">
+                <a14:useLocalDpi xmlns:a14="http://schemas.microsoft.com/office/drawing/2010/main" val="0"/>
+              </a:ext>
+            </a:extLst>
+          </a:blip>
+          <a:srcRect/>
+          <a:stretch>
+            <a:fillRect/>
+          </a:stretch>
+        </p:blipFill>
+        <p:spPr bwMode="auto">
+          <a:xfrm>
+            <a:off x="8065329" y="3373157"/>
+            <a:ext cx="905644" cy="905644"/>
+          </a:xfrm>
+          <a:prstGeom prst="rect">
+            <a:avLst/>
+          </a:prstGeom>
+          <a:noFill/>
+          <a:extLst>
+            <a:ext uri="{909E8E84-426E-40DD-AFC4-6F175D3DCCD1}">
+              <a14:hiddenFill xmlns:a14="http://schemas.microsoft.com/office/drawing/2010/main">
+                <a:solidFill>
+                  <a:srgbClr val="FFFFFF"/>
+                </a:solidFill>
+              </a14:hiddenFill>
+            </a:ext>
+          </a:extLst>
+        </p:spPr>
+      </p:pic>
+      <p:sp>
+        <p:nvSpPr>
+          <p:cNvPr id="36" name="TextBox 35">
+            <a:extLst>
+              <a:ext uri="{FF2B5EF4-FFF2-40B4-BE49-F238E27FC236}">
+                <a16:creationId xmlns:a16="http://schemas.microsoft.com/office/drawing/2014/main" id="{EB4CA50D-ED2E-4DC2-944C-F0802CB36BB1}"/>
+              </a:ext>
+            </a:extLst>
+          </p:cNvPr>
+          <p:cNvSpPr txBox="1"/>
+          <p:nvPr/>
+        </p:nvSpPr>
+        <p:spPr>
+          <a:xfrm>
+            <a:off x="7736261" y="4487832"/>
+            <a:ext cx="1714500" cy="553998"/>
+          </a:xfrm>
+          <a:prstGeom prst="rect">
+            <a:avLst/>
+          </a:prstGeom>
+          <a:noFill/>
+        </p:spPr>
+        <p:txBody>
+          <a:bodyPr wrap="square" rtlCol="0">
+            <a:spAutoFit/>
+          </a:bodyPr>
+          <a:lstStyle/>
+          <a:p>
+            <a:pPr algn="ctr"/>
+            <a:r>
+              <a:rPr lang="en-US" altLang="ko-KR" sz="1500" dirty="0" smtClean="0">
+                <a:latin typeface="Century Gothic" panose="020B0502020202020204" pitchFamily="34" charset="0"/>
+              </a:rPr>
+              <a:t>Vent</a:t>
+            </a:r>
+          </a:p>
+          <a:p>
+            <a:pPr algn="ctr"/>
+            <a:r>
+              <a:rPr lang="ko-KR" altLang="en-US" sz="1500" dirty="0" smtClean="0">
+                <a:latin typeface="Century Gothic" panose="020B0502020202020204" pitchFamily="34" charset="0"/>
+              </a:rPr>
+              <a:t>공기 배출</a:t>
+            </a:r>
+            <a:r>
+              <a:rPr lang="en-US" altLang="ko-KR" sz="1500" dirty="0" smtClean="0">
+                <a:latin typeface="Century Gothic" panose="020B0502020202020204" pitchFamily="34" charset="0"/>
+              </a:rPr>
+              <a:t> </a:t>
+            </a:r>
+            <a:endParaRPr lang="en-US" altLang="ko-KR" sz="1500" dirty="0">
+              <a:latin typeface="Century Gothic" panose="020B0502020202020204" pitchFamily="34" charset="0"/>
+            </a:endParaRPr>
+          </a:p>
+        </p:txBody>
+      </p:sp>
     </p:spTree>
     <p:extLst>
       <p:ext uri="{BB962C8B-B14F-4D97-AF65-F5344CB8AC3E}">
@@ -22786,7 +22948,7 @@
                 <a:latin typeface="Century Gothic" panose="020B0502020202020204" pitchFamily="34" charset="0"/>
                 <a:cs typeface="Arial" panose="020B0604020202020204" pitchFamily="34" charset="0"/>
               </a:rPr>
-              <a:t>Input: Sample</a:t>
+              <a:t>Detection</a:t>
             </a:r>
             <a:endParaRPr lang="ko-KR" altLang="en-US" sz="3200" b="1" dirty="0">
               <a:latin typeface="Century Gothic" panose="020B0502020202020204" pitchFamily="34" charset="0"/>
@@ -22797,20 +22959,14 @@
       </p:sp>
       <p:sp>
         <p:nvSpPr>
-          <p:cNvPr id="17" name="TextBox 16">
-            <a:extLst>
-              <a:ext uri="{FF2B5EF4-FFF2-40B4-BE49-F238E27FC236}">
-                <a16:creationId xmlns:a16="http://schemas.microsoft.com/office/drawing/2014/main" id="{57D97842-B3BA-48DE-ADD1-B65AE3299D42}"/>
-              </a:ext>
-            </a:extLst>
-          </p:cNvPr>
+          <p:cNvPr id="4" name="TextBox 3"/>
           <p:cNvSpPr txBox="1"/>
           <p:nvPr/>
         </p:nvSpPr>
         <p:spPr>
           <a:xfrm>
-            <a:off x="2789348" y="4405292"/>
-            <a:ext cx="8908698" cy="723275"/>
+            <a:off x="1028699" y="896815"/>
+            <a:ext cx="7599485" cy="369332"/>
           </a:xfrm>
           <a:prstGeom prst="rect">
             <a:avLst/>
@@ -22823,41 +22979,7 @@
           </a:bodyPr>
           <a:lstStyle/>
           <a:p>
-            <a:pPr algn="ctr"/>
-            <a:r>
-              <a:rPr lang="en-US" altLang="ko-KR" b="1" dirty="0">
-                <a:latin typeface="Century Gothic" panose="020B0502020202020204" pitchFamily="34" charset="0"/>
-              </a:rPr>
-              <a:t>Sample Prep: Analyte Extraction</a:t>
-            </a:r>
-          </a:p>
-          <a:p>
-            <a:pPr algn="ctr"/>
-            <a:endParaRPr lang="en-US" altLang="ko-KR" sz="500" b="1" dirty="0">
-              <a:latin typeface="Century Gothic" panose="020B0502020202020204" pitchFamily="34" charset="0"/>
-            </a:endParaRPr>
-          </a:p>
-          <a:p>
-            <a:pPr algn="ctr"/>
-            <a:r>
-              <a:rPr lang="ko-KR" altLang="en-US" b="1" dirty="0">
-                <a:latin typeface="Century Gothic" panose="020B0502020202020204" pitchFamily="34" charset="0"/>
-              </a:rPr>
-              <a:t>시료 준비</a:t>
-            </a:r>
-            <a:r>
-              <a:rPr lang="en-US" altLang="ko-KR" b="1" dirty="0">
-                <a:latin typeface="Century Gothic" panose="020B0502020202020204" pitchFamily="34" charset="0"/>
-              </a:rPr>
-              <a:t>: </a:t>
-            </a:r>
-            <a:r>
-              <a:rPr lang="ko-KR" altLang="en-US" b="1" dirty="0">
-                <a:latin typeface="Century Gothic" panose="020B0502020202020204" pitchFamily="34" charset="0"/>
-              </a:rPr>
-              <a:t>분석 대상 추출</a:t>
-            </a:r>
-            <a:endParaRPr lang="en-US" altLang="ko-KR" b="1" dirty="0">
+            <a:endParaRPr lang="ko-KR" altLang="en-US" dirty="0">
               <a:latin typeface="Century Gothic" panose="020B0502020202020204" pitchFamily="34" charset="0"/>
             </a:endParaRPr>
           </a:p>
@@ -22865,10 +22987,107 @@
       </p:sp>
       <p:pic>
         <p:nvPicPr>
-          <p:cNvPr id="19" name="Picture 6" descr="https://static.thenounproject.com/png/1699532-200.png">
-            <a:extLst>
-              <a:ext uri="{FF2B5EF4-FFF2-40B4-BE49-F238E27FC236}">
-                <a16:creationId xmlns:a16="http://schemas.microsoft.com/office/drawing/2014/main" id="{E65E7008-6AD0-4A25-BD51-62FD400FCD7C}"/>
+          <p:cNvPr id="5" name="그림 4"/>
+          <p:cNvPicPr>
+            <a:picLocks noChangeAspect="1"/>
+          </p:cNvPicPr>
+          <p:nvPr/>
+        </p:nvPicPr>
+        <p:blipFill>
+          <a:blip r:embed="rId3">
+            <a:extLst>
+              <a:ext uri="{28A0092B-C50C-407E-A947-70E740481C1C}">
+                <a14:useLocalDpi xmlns:a14="http://schemas.microsoft.com/office/drawing/2010/main" val="0"/>
+              </a:ext>
+            </a:extLst>
+          </a:blip>
+          <a:stretch>
+            <a:fillRect/>
+          </a:stretch>
+        </p:blipFill>
+        <p:spPr>
+          <a:xfrm>
+            <a:off x="6132513" y="1889627"/>
+            <a:ext cx="6252890" cy="3714217"/>
+          </a:xfrm>
+          <a:prstGeom prst="rect">
+            <a:avLst/>
+          </a:prstGeom>
+        </p:spPr>
+      </p:pic>
+      <p:sp>
+        <p:nvSpPr>
+          <p:cNvPr id="6" name="TextBox 5"/>
+          <p:cNvSpPr txBox="1"/>
+          <p:nvPr/>
+        </p:nvSpPr>
+        <p:spPr>
+          <a:xfrm>
+            <a:off x="7622030" y="2533343"/>
+            <a:ext cx="4494179" cy="1200329"/>
+          </a:xfrm>
+          <a:prstGeom prst="rect">
+            <a:avLst/>
+          </a:prstGeom>
+          <a:noFill/>
+        </p:spPr>
+        <p:txBody>
+          <a:bodyPr wrap="square" rtlCol="0">
+            <a:spAutoFit/>
+          </a:bodyPr>
+          <a:lstStyle/>
+          <a:p>
+            <a:r>
+              <a:rPr lang="en-US" altLang="ko-KR" dirty="0"/>
+              <a:t>PCR </a:t>
+            </a:r>
+            <a:r>
+              <a:rPr lang="ko-KR" altLang="en-US" dirty="0"/>
+              <a:t>로 분석 왜</a:t>
+            </a:r>
+            <a:r>
+              <a:rPr lang="en-US" altLang="ko-KR" dirty="0"/>
+              <a:t>? </a:t>
+            </a:r>
+            <a:r>
+              <a:rPr lang="ko-KR" altLang="en-US" dirty="0"/>
+              <a:t>양이 작으니까</a:t>
+            </a:r>
+            <a:endParaRPr lang="en-US" altLang="ko-KR" dirty="0"/>
+          </a:p>
+          <a:p>
+            <a:endParaRPr lang="en-US" altLang="ko-KR" dirty="0"/>
+          </a:p>
+          <a:p>
+            <a:r>
+              <a:rPr lang="en-US" altLang="ko-KR" dirty="0"/>
+              <a:t>qPCR or </a:t>
+            </a:r>
+            <a:r>
+              <a:rPr lang="en-US" altLang="ko-KR" dirty="0" err="1"/>
+              <a:t>dPCR</a:t>
+            </a:r>
+            <a:r>
+              <a:rPr lang="en-US" altLang="ko-KR" dirty="0"/>
+              <a:t> </a:t>
+            </a:r>
+            <a:r>
+              <a:rPr lang="ko-KR" altLang="en-US" dirty="0"/>
+              <a:t>로 함</a:t>
+            </a:r>
+            <a:endParaRPr lang="en-US" altLang="ko-KR" dirty="0"/>
+          </a:p>
+          <a:p>
+            <a:endParaRPr lang="ko-KR" altLang="en-US" dirty="0"/>
+          </a:p>
+        </p:txBody>
+      </p:sp>
+      <p:pic>
+        <p:nvPicPr>
+          <p:cNvPr id="12" name="Picture 10" descr="https://static.thenounproject.com/png/583274-200.png">
+            <a:extLst>
+              <a:ext uri="{FF2B5EF4-FFF2-40B4-BE49-F238E27FC236}">
+                <a16:creationId xmlns:a16="http://schemas.microsoft.com/office/drawing/2014/main" id="{391EF96F-9AA2-48CE-85AF-F1FE916CE5CF}"/>
               </a:ext>
             </a:extLst>
           </p:cNvPr>
@@ -22878,7 +23097,7 @@
           <p:nvPr/>
         </p:nvPicPr>
         <p:blipFill>
-          <a:blip r:embed="rId3">
+          <a:blip r:embed="rId4">
             <a:extLst>
               <a:ext uri="{28A0092B-C50C-407E-A947-70E740481C1C}">
                 <a14:useLocalDpi xmlns:a14="http://schemas.microsoft.com/office/drawing/2010/main" val="0"/>
@@ -22892,8 +23111,102 @@
         </p:blipFill>
         <p:spPr bwMode="auto">
           <a:xfrm>
-            <a:off x="-314631" y="4297532"/>
-            <a:ext cx="1905000" cy="1905000"/>
+            <a:off x="1285434" y="1615476"/>
+            <a:ext cx="1062419" cy="978649"/>
+          </a:xfrm>
+          <a:prstGeom prst="rect">
+            <a:avLst/>
+          </a:prstGeom>
+          <a:noFill/>
+          <a:extLst>
+            <a:ext uri="{909E8E84-426E-40DD-AFC4-6F175D3DCCD1}">
+              <a14:hiddenFill xmlns:a14="http://schemas.microsoft.com/office/drawing/2010/main">
+                <a:solidFill>
+                  <a:srgbClr val="FFFFFF"/>
+                </a:solidFill>
+              </a14:hiddenFill>
+            </a:ext>
+          </a:extLst>
+        </p:spPr>
+      </p:pic>
+      <p:pic>
+        <p:nvPicPr>
+          <p:cNvPr id="13" name="Picture 26" descr="https://static.thenounproject.com/png/793630-200.png">
+            <a:extLst>
+              <a:ext uri="{FF2B5EF4-FFF2-40B4-BE49-F238E27FC236}">
+                <a16:creationId xmlns:a16="http://schemas.microsoft.com/office/drawing/2014/main" id="{6D64086C-E5FA-4F55-8419-E7A26DD44850}"/>
+              </a:ext>
+            </a:extLst>
+          </p:cNvPr>
+          <p:cNvPicPr>
+            <a:picLocks noChangeAspect="1" noChangeArrowheads="1"/>
+          </p:cNvPicPr>
+          <p:nvPr/>
+        </p:nvPicPr>
+        <p:blipFill>
+          <a:blip r:embed="rId5">
+            <a:extLst>
+              <a:ext uri="{28A0092B-C50C-407E-A947-70E740481C1C}">
+                <a14:useLocalDpi xmlns:a14="http://schemas.microsoft.com/office/drawing/2010/main" val="0"/>
+              </a:ext>
+            </a:extLst>
+          </a:blip>
+          <a:srcRect/>
+          <a:stretch>
+            <a:fillRect/>
+          </a:stretch>
+        </p:blipFill>
+        <p:spPr bwMode="auto">
+          <a:xfrm rot="5400000">
+            <a:off x="2563147" y="1694529"/>
+            <a:ext cx="772448" cy="905180"/>
+          </a:xfrm>
+          <a:prstGeom prst="rect">
+            <a:avLst/>
+          </a:prstGeom>
+          <a:noFill/>
+          <a:extLst>
+            <a:ext uri="{909E8E84-426E-40DD-AFC4-6F175D3DCCD1}">
+              <a14:hiddenFill xmlns:a14="http://schemas.microsoft.com/office/drawing/2010/main">
+                <a:solidFill>
+                  <a:srgbClr val="FFFFFF"/>
+                </a:solidFill>
+              </a14:hiddenFill>
+            </a:ext>
+          </a:extLst>
+        </p:spPr>
+      </p:pic>
+      <p:pic>
+        <p:nvPicPr>
+          <p:cNvPr id="14" name="Picture 10" descr="https://static.thenounproject.com/png/583274-200.png">
+            <a:extLst>
+              <a:ext uri="{FF2B5EF4-FFF2-40B4-BE49-F238E27FC236}">
+                <a16:creationId xmlns:a16="http://schemas.microsoft.com/office/drawing/2014/main" id="{391EF96F-9AA2-48CE-85AF-F1FE916CE5CF}"/>
+              </a:ext>
+            </a:extLst>
+          </p:cNvPr>
+          <p:cNvPicPr>
+            <a:picLocks noChangeAspect="1" noChangeArrowheads="1"/>
+          </p:cNvPicPr>
+          <p:nvPr/>
+        </p:nvPicPr>
+        <p:blipFill>
+          <a:blip r:embed="rId4">
+            <a:extLst>
+              <a:ext uri="{28A0092B-C50C-407E-A947-70E740481C1C}">
+                <a14:useLocalDpi xmlns:a14="http://schemas.microsoft.com/office/drawing/2010/main" val="0"/>
+              </a:ext>
+            </a:extLst>
+          </a:blip>
+          <a:srcRect/>
+          <a:stretch>
+            <a:fillRect/>
+          </a:stretch>
+        </p:blipFill>
+        <p:spPr bwMode="auto">
+          <a:xfrm>
+            <a:off x="3276185" y="1018385"/>
+            <a:ext cx="1062419" cy="978649"/>
           </a:xfrm>
           <a:prstGeom prst="rect">
             <a:avLst/>
@@ -22913,7 +23226,7 @@
     </p:spTree>
     <p:extLst>
       <p:ext uri="{BB962C8B-B14F-4D97-AF65-F5344CB8AC3E}">
-        <p14:creationId xmlns:p14="http://schemas.microsoft.com/office/powerpoint/2010/main" val="3159634283"/>
+        <p14:creationId xmlns:p14="http://schemas.microsoft.com/office/powerpoint/2010/main" val="3467827953"/>
       </p:ext>
     </p:extLst>
   </p:cSld>
